--- a/sessions/session-12/slides.pptx
+++ b/sessions/session-12/slides.pptx
@@ -3529,7 +3529,7 @@
     <p:bg>
       <p:bgPr>
         <a:solidFill>
-          <a:srgbClr val="FFFFFF"/>
+          <a:srgbClr val="F4F1DE"/>
         </a:solidFill>
       </p:bgPr>
     </p:bg>
@@ -3556,7 +3556,7 @@
         <p:spPr>
           <a:xfrm>
             <a:off x="0" y="0"/>
-            <a:ext cx="9144000" cy="863501"/>
+            <a:ext cx="9144000" cy="914102"/>
           </a:xfrm>
           <a:prstGeom prst="rect">
             <a:avLst/>
@@ -3585,7 +3585,7 @@
         </p:nvSpPr>
         <p:spPr>
           <a:xfrm>
-            <a:off x="355550" y="246013"/>
+            <a:off x="457200" y="271314"/>
             <a:ext cx="5263524" cy="371475"/>
           </a:xfrm>
           <a:prstGeom prst="rect">
@@ -3624,8 +3624,8 @@
         </p:nvSpPr>
         <p:spPr>
           <a:xfrm>
-            <a:off x="355550" y="1130052"/>
-            <a:ext cx="8601557" cy="325636"/>
+            <a:off x="457200" y="1091803"/>
+            <a:ext cx="8394192" cy="266700"/>
           </a:xfrm>
           <a:prstGeom prst="rect">
             <a:avLst/>
@@ -3638,19 +3638,13 @@
           <a:lstStyle/>
           <a:p>
             <a:pPr algn="l" indent="0" marL="0">
-              <a:lnSpc>
-                <a:spcPts val="2565"/>
-              </a:lnSpc>
-              <a:spcBef>
-                <a:spcPts val="500"/>
-              </a:spcBef>
-              <a:spcAft>
-                <a:spcPts val="500"/>
-              </a:spcAft>
-              <a:buNone/>
-            </a:pPr>
-            <a:r>
-              <a:rPr lang="en-US" sz="1900" b="1" dirty="0">
+              <a:spcAft>
+                <a:spcPts val="800"/>
+              </a:spcAft>
+              <a:buNone/>
+            </a:pPr>
+            <a:r>
+              <a:rPr lang="en-US" sz="1800" dirty="0">
                 <a:solidFill>
                   <a:srgbClr val="2C2C2C"/>
                 </a:solidFill>
@@ -3660,7 +3654,811 @@
               </a:rPr>
               <a:t>Progress check — where should you be?</a:t>
             </a:r>
-            <a:endParaRPr lang="en-US" sz="1900" dirty="0"/>
+            <a:endParaRPr lang="en-US" sz="1800" dirty="0"/>
+          </a:p>
+        </p:txBody>
+      </p:sp>
+      <p:sp>
+        <p:nvSpPr>
+          <p:cNvPr id="5" name="Text 3"/>
+          <p:cNvSpPr/>
+          <p:nvPr/>
+        </p:nvSpPr>
+        <p:spPr>
+          <a:xfrm>
+            <a:off x="457200" y="1460004"/>
+            <a:ext cx="8229600" cy="326827"/>
+          </a:xfrm>
+          <a:prstGeom prst="roundRect">
+            <a:avLst>
+              <a:gd name="adj" fmla="val 15543"/>
+            </a:avLst>
+          </a:prstGeom>
+          <a:solidFill>
+            <a:srgbClr val="1E5128"/>
+          </a:solidFill>
+          <a:ln/>
+        </p:spPr>
+        <p:txBody>
+          <a:bodyPr wrap="square" rtlCol="0" anchor="ctr"/>
+          <a:lstStyle/>
+          <a:p>
+            <a:pPr indent="0" marL="0">
+              <a:buNone/>
+            </a:pPr>
+            <a:endParaRPr lang="en-US" dirty="0"/>
+          </a:p>
+        </p:txBody>
+      </p:sp>
+      <p:sp>
+        <p:nvSpPr>
+          <p:cNvPr id="6" name="Text 4"/>
+          <p:cNvSpPr/>
+          <p:nvPr/>
+        </p:nvSpPr>
+        <p:spPr>
+          <a:xfrm>
+            <a:off x="457200" y="1460004"/>
+            <a:ext cx="2253844" cy="326827"/>
+          </a:xfrm>
+          <a:prstGeom prst="rect">
+            <a:avLst/>
+          </a:prstGeom>
+          <a:noFill/>
+          <a:ln/>
+        </p:spPr>
+        <p:txBody>
+          <a:bodyPr wrap="square" lIns="88900" tIns="63500" rIns="88900" bIns="63500" rtlCol="0" anchor="t"/>
+          <a:lstStyle/>
+          <a:p>
+            <a:pPr algn="l" indent="0" marL="0">
+              <a:buNone/>
+            </a:pPr>
+            <a:r>
+              <a:rPr lang="en-US" sz="1300" b="1" dirty="0">
+                <a:solidFill>
+                  <a:srgbClr val="FFFFFF"/>
+                </a:solidFill>
+                <a:latin typeface="Arial" pitchFamily="34" charset="0"/>
+                <a:ea typeface="Arial" pitchFamily="34" charset="-122"/>
+                <a:cs typeface="Arial" pitchFamily="34" charset="-120"/>
+              </a:rPr>
+              <a:t>Time Elapsed</a:t>
+            </a:r>
+            <a:endParaRPr lang="en-US" sz="1300" dirty="0"/>
+          </a:p>
+        </p:txBody>
+      </p:sp>
+      <p:sp>
+        <p:nvSpPr>
+          <p:cNvPr id="7" name="Text 5"/>
+          <p:cNvSpPr/>
+          <p:nvPr/>
+        </p:nvSpPr>
+        <p:spPr>
+          <a:xfrm>
+            <a:off x="2666851" y="1460004"/>
+            <a:ext cx="6140348" cy="326827"/>
+          </a:xfrm>
+          <a:prstGeom prst="rect">
+            <a:avLst/>
+          </a:prstGeom>
+          <a:noFill/>
+          <a:ln/>
+        </p:spPr>
+        <p:txBody>
+          <a:bodyPr wrap="square" lIns="88900" tIns="63500" rIns="88900" bIns="63500" rtlCol="0" anchor="t"/>
+          <a:lstStyle/>
+          <a:p>
+            <a:pPr algn="l" indent="0" marL="0">
+              <a:buNone/>
+            </a:pPr>
+            <a:r>
+              <a:rPr lang="en-US" sz="1300" b="1" dirty="0">
+                <a:solidFill>
+                  <a:srgbClr val="FFFFFF"/>
+                </a:solidFill>
+                <a:latin typeface="Arial" pitchFamily="34" charset="0"/>
+                <a:ea typeface="Arial" pitchFamily="34" charset="-122"/>
+                <a:cs typeface="Arial" pitchFamily="34" charset="-120"/>
+              </a:rPr>
+              <a:t>You Should Have Completed</a:t>
+            </a:r>
+            <a:endParaRPr lang="en-US" sz="1300" dirty="0"/>
+          </a:p>
+        </p:txBody>
+      </p:sp>
+      <p:sp>
+        <p:nvSpPr>
+          <p:cNvPr id="8" name="Text 6"/>
+          <p:cNvSpPr/>
+          <p:nvPr/>
+        </p:nvSpPr>
+        <p:spPr>
+          <a:xfrm>
+            <a:off x="457200" y="1786830"/>
+            <a:ext cx="8229600" cy="311051"/>
+          </a:xfrm>
+          <a:prstGeom prst="rect">
+            <a:avLst/>
+          </a:prstGeom>
+          <a:solidFill>
+            <a:srgbClr val="F4F1DE"/>
+          </a:solidFill>
+          <a:ln/>
+        </p:spPr>
+        <p:txBody>
+          <a:bodyPr wrap="square" rtlCol="0" anchor="ctr"/>
+          <a:lstStyle/>
+          <a:p>
+            <a:pPr indent="0" marL="0">
+              <a:buNone/>
+            </a:pPr>
+            <a:endParaRPr lang="en-US" dirty="0"/>
+          </a:p>
+        </p:txBody>
+      </p:sp>
+      <p:sp>
+        <p:nvSpPr>
+          <p:cNvPr id="9" name="Shape 7"/>
+          <p:cNvSpPr/>
+          <p:nvPr/>
+        </p:nvSpPr>
+        <p:spPr>
+          <a:xfrm>
+            <a:off x="457200" y="2093119"/>
+            <a:ext cx="8229600" cy="0"/>
+          </a:xfrm>
+          <a:prstGeom prst="line">
+            <a:avLst/>
+          </a:prstGeom>
+          <a:noFill/>
+          <a:ln w="9525">
+            <a:solidFill>
+              <a:srgbClr val="CCCCCC"/>
+            </a:solidFill>
+            <a:prstDash val="solid"/>
+          </a:ln>
+        </p:spPr>
+      </p:sp>
+      <p:sp>
+        <p:nvSpPr>
+          <p:cNvPr id="10" name="Text 8"/>
+          <p:cNvSpPr/>
+          <p:nvPr/>
+        </p:nvSpPr>
+        <p:spPr>
+          <a:xfrm>
+            <a:off x="457200" y="1786830"/>
+            <a:ext cx="2253844" cy="301526"/>
+          </a:xfrm>
+          <a:prstGeom prst="rect">
+            <a:avLst/>
+          </a:prstGeom>
+          <a:noFill/>
+          <a:ln/>
+        </p:spPr>
+        <p:txBody>
+          <a:bodyPr wrap="square" lIns="88900" tIns="50800" rIns="88900" bIns="50800" rtlCol="0" anchor="t"/>
+          <a:lstStyle/>
+          <a:p>
+            <a:pPr algn="l" indent="0" marL="0">
+              <a:buNone/>
+            </a:pPr>
+            <a:r>
+              <a:rPr lang="en-US" sz="1300" dirty="0">
+                <a:solidFill>
+                  <a:srgbClr val="2C2C2C"/>
+                </a:solidFill>
+                <a:latin typeface="Arial" pitchFamily="34" charset="0"/>
+                <a:ea typeface="Arial" pitchFamily="34" charset="-122"/>
+                <a:cs typeface="Arial" pitchFamily="34" charset="-120"/>
+              </a:rPr>
+              <a:t>10 minutes</a:t>
+            </a:r>
+            <a:endParaRPr lang="en-US" sz="1300" dirty="0"/>
+          </a:p>
+        </p:txBody>
+      </p:sp>
+      <p:sp>
+        <p:nvSpPr>
+          <p:cNvPr id="11" name="Text 9"/>
+          <p:cNvSpPr/>
+          <p:nvPr/>
+        </p:nvSpPr>
+        <p:spPr>
+          <a:xfrm>
+            <a:off x="2666851" y="1786830"/>
+            <a:ext cx="6140348" cy="301526"/>
+          </a:xfrm>
+          <a:prstGeom prst="rect">
+            <a:avLst/>
+          </a:prstGeom>
+          <a:noFill/>
+          <a:ln/>
+        </p:spPr>
+        <p:txBody>
+          <a:bodyPr wrap="square" lIns="88900" tIns="50800" rIns="88900" bIns="50800" rtlCol="0" anchor="t"/>
+          <a:lstStyle/>
+          <a:p>
+            <a:pPr algn="l" indent="0" marL="0">
+              <a:buNone/>
+            </a:pPr>
+            <a:r>
+              <a:rPr lang="en-US" sz="1300" dirty="0">
+                <a:solidFill>
+                  <a:srgbClr val="2C2C2C"/>
+                </a:solidFill>
+                <a:latin typeface="Arial" pitchFamily="34" charset="0"/>
+                <a:ea typeface="Arial" pitchFamily="34" charset="-122"/>
+                <a:cs typeface="Arial" pitchFamily="34" charset="-120"/>
+              </a:rPr>
+              <a:t>Repository, README, labels</a:t>
+            </a:r>
+            <a:endParaRPr lang="en-US" sz="1300" dirty="0"/>
+          </a:p>
+        </p:txBody>
+      </p:sp>
+      <p:sp>
+        <p:nvSpPr>
+          <p:cNvPr id="12" name="Text 10"/>
+          <p:cNvSpPr/>
+          <p:nvPr/>
+        </p:nvSpPr>
+        <p:spPr>
+          <a:xfrm>
+            <a:off x="457200" y="2097881"/>
+            <a:ext cx="8229600" cy="311051"/>
+          </a:xfrm>
+          <a:prstGeom prst="rect">
+            <a:avLst/>
+          </a:prstGeom>
+          <a:solidFill>
+            <a:srgbClr val="FFFFFF"/>
+          </a:solidFill>
+          <a:ln/>
+        </p:spPr>
+        <p:txBody>
+          <a:bodyPr wrap="square" rtlCol="0" anchor="ctr"/>
+          <a:lstStyle/>
+          <a:p>
+            <a:pPr indent="0" marL="0">
+              <a:buNone/>
+            </a:pPr>
+            <a:endParaRPr lang="en-US" dirty="0"/>
+          </a:p>
+        </p:txBody>
+      </p:sp>
+      <p:sp>
+        <p:nvSpPr>
+          <p:cNvPr id="13" name="Shape 11"/>
+          <p:cNvSpPr/>
+          <p:nvPr/>
+        </p:nvSpPr>
+        <p:spPr>
+          <a:xfrm>
+            <a:off x="457200" y="2404170"/>
+            <a:ext cx="8229600" cy="0"/>
+          </a:xfrm>
+          <a:prstGeom prst="line">
+            <a:avLst/>
+          </a:prstGeom>
+          <a:noFill/>
+          <a:ln w="9525">
+            <a:solidFill>
+              <a:srgbClr val="CCCCCC"/>
+            </a:solidFill>
+            <a:prstDash val="solid"/>
+          </a:ln>
+        </p:spPr>
+      </p:sp>
+      <p:sp>
+        <p:nvSpPr>
+          <p:cNvPr id="14" name="Text 12"/>
+          <p:cNvSpPr/>
+          <p:nvPr/>
+        </p:nvSpPr>
+        <p:spPr>
+          <a:xfrm>
+            <a:off x="457200" y="2097881"/>
+            <a:ext cx="2253844" cy="301526"/>
+          </a:xfrm>
+          <a:prstGeom prst="rect">
+            <a:avLst/>
+          </a:prstGeom>
+          <a:noFill/>
+          <a:ln/>
+        </p:spPr>
+        <p:txBody>
+          <a:bodyPr wrap="square" lIns="88900" tIns="50800" rIns="88900" bIns="50800" rtlCol="0" anchor="t"/>
+          <a:lstStyle/>
+          <a:p>
+            <a:pPr algn="l" indent="0" marL="0">
+              <a:buNone/>
+            </a:pPr>
+            <a:r>
+              <a:rPr lang="en-US" sz="1300" dirty="0">
+                <a:solidFill>
+                  <a:srgbClr val="2C2C2C"/>
+                </a:solidFill>
+                <a:latin typeface="Arial" pitchFamily="34" charset="0"/>
+                <a:ea typeface="Arial" pitchFamily="34" charset="-122"/>
+                <a:cs typeface="Arial" pitchFamily="34" charset="-120"/>
+              </a:rPr>
+              <a:t>20 minutes</a:t>
+            </a:r>
+            <a:endParaRPr lang="en-US" sz="1300" dirty="0"/>
+          </a:p>
+        </p:txBody>
+      </p:sp>
+      <p:sp>
+        <p:nvSpPr>
+          <p:cNvPr id="15" name="Text 13"/>
+          <p:cNvSpPr/>
+          <p:nvPr/>
+        </p:nvSpPr>
+        <p:spPr>
+          <a:xfrm>
+            <a:off x="2666851" y="2097881"/>
+            <a:ext cx="6140348" cy="301526"/>
+          </a:xfrm>
+          <a:prstGeom prst="rect">
+            <a:avLst/>
+          </a:prstGeom>
+          <a:noFill/>
+          <a:ln/>
+        </p:spPr>
+        <p:txBody>
+          <a:bodyPr wrap="square" lIns="88900" tIns="50800" rIns="88900" bIns="50800" rtlCol="0" anchor="t"/>
+          <a:lstStyle/>
+          <a:p>
+            <a:pPr algn="l" indent="0" marL="0">
+              <a:buNone/>
+            </a:pPr>
+            <a:r>
+              <a:rPr lang="en-US" sz="1300" dirty="0">
+                <a:solidFill>
+                  <a:srgbClr val="2C2C2C"/>
+                </a:solidFill>
+                <a:latin typeface="Arial" pitchFamily="34" charset="0"/>
+                <a:ea typeface="Arial" pitchFamily="34" charset="-122"/>
+                <a:cs typeface="Arial" pitchFamily="34" charset="-120"/>
+              </a:rPr>
+              <a:t>3+ Issues created (including 1 Copilot-drafted)</a:t>
+            </a:r>
+            <a:endParaRPr lang="en-US" sz="1300" dirty="0"/>
+          </a:p>
+        </p:txBody>
+      </p:sp>
+      <p:sp>
+        <p:nvSpPr>
+          <p:cNvPr id="16" name="Text 14"/>
+          <p:cNvSpPr/>
+          <p:nvPr/>
+        </p:nvSpPr>
+        <p:spPr>
+          <a:xfrm>
+            <a:off x="457200" y="2408932"/>
+            <a:ext cx="8229600" cy="311051"/>
+          </a:xfrm>
+          <a:prstGeom prst="rect">
+            <a:avLst/>
+          </a:prstGeom>
+          <a:solidFill>
+            <a:srgbClr val="F4F1DE"/>
+          </a:solidFill>
+          <a:ln/>
+        </p:spPr>
+        <p:txBody>
+          <a:bodyPr wrap="square" rtlCol="0" anchor="ctr"/>
+          <a:lstStyle/>
+          <a:p>
+            <a:pPr indent="0" marL="0">
+              <a:buNone/>
+            </a:pPr>
+            <a:endParaRPr lang="en-US" dirty="0"/>
+          </a:p>
+        </p:txBody>
+      </p:sp>
+      <p:sp>
+        <p:nvSpPr>
+          <p:cNvPr id="17" name="Shape 15"/>
+          <p:cNvSpPr/>
+          <p:nvPr/>
+        </p:nvSpPr>
+        <p:spPr>
+          <a:xfrm>
+            <a:off x="457200" y="2715220"/>
+            <a:ext cx="8229600" cy="0"/>
+          </a:xfrm>
+          <a:prstGeom prst="line">
+            <a:avLst/>
+          </a:prstGeom>
+          <a:noFill/>
+          <a:ln w="9525">
+            <a:solidFill>
+              <a:srgbClr val="CCCCCC"/>
+            </a:solidFill>
+            <a:prstDash val="solid"/>
+          </a:ln>
+        </p:spPr>
+      </p:sp>
+      <p:sp>
+        <p:nvSpPr>
+          <p:cNvPr id="18" name="Text 16"/>
+          <p:cNvSpPr/>
+          <p:nvPr/>
+        </p:nvSpPr>
+        <p:spPr>
+          <a:xfrm>
+            <a:off x="457200" y="2408932"/>
+            <a:ext cx="2253844" cy="301526"/>
+          </a:xfrm>
+          <a:prstGeom prst="rect">
+            <a:avLst/>
+          </a:prstGeom>
+          <a:noFill/>
+          <a:ln/>
+        </p:spPr>
+        <p:txBody>
+          <a:bodyPr wrap="square" lIns="88900" tIns="50800" rIns="88900" bIns="50800" rtlCol="0" anchor="t"/>
+          <a:lstStyle/>
+          <a:p>
+            <a:pPr algn="l" indent="0" marL="0">
+              <a:buNone/>
+            </a:pPr>
+            <a:r>
+              <a:rPr lang="en-US" sz="1300" dirty="0">
+                <a:solidFill>
+                  <a:srgbClr val="2C2C2C"/>
+                </a:solidFill>
+                <a:latin typeface="Arial" pitchFamily="34" charset="0"/>
+                <a:ea typeface="Arial" pitchFamily="34" charset="-122"/>
+                <a:cs typeface="Arial" pitchFamily="34" charset="-120"/>
+              </a:rPr>
+              <a:t>30 minutes</a:t>
+            </a:r>
+            <a:endParaRPr lang="en-US" sz="1300" dirty="0"/>
+          </a:p>
+        </p:txBody>
+      </p:sp>
+      <p:sp>
+        <p:nvSpPr>
+          <p:cNvPr id="19" name="Text 17"/>
+          <p:cNvSpPr/>
+          <p:nvPr/>
+        </p:nvSpPr>
+        <p:spPr>
+          <a:xfrm>
+            <a:off x="2666851" y="2408932"/>
+            <a:ext cx="6140348" cy="301526"/>
+          </a:xfrm>
+          <a:prstGeom prst="rect">
+            <a:avLst/>
+          </a:prstGeom>
+          <a:noFill/>
+          <a:ln/>
+        </p:spPr>
+        <p:txBody>
+          <a:bodyPr wrap="square" lIns="88900" tIns="50800" rIns="88900" bIns="50800" rtlCol="0" anchor="t"/>
+          <a:lstStyle/>
+          <a:p>
+            <a:pPr algn="l" indent="0" marL="0">
+              <a:buNone/>
+            </a:pPr>
+            <a:r>
+              <a:rPr lang="en-US" sz="1300" dirty="0">
+                <a:solidFill>
+                  <a:srgbClr val="2C2C2C"/>
+                </a:solidFill>
+                <a:latin typeface="Arial" pitchFamily="34" charset="0"/>
+                <a:ea typeface="Arial" pitchFamily="34" charset="-122"/>
+                <a:cs typeface="Arial" pitchFamily="34" charset="-120"/>
+              </a:rPr>
+              <a:t>5 Issues, Issue template created</a:t>
+            </a:r>
+            <a:endParaRPr lang="en-US" sz="1300" dirty="0"/>
+          </a:p>
+        </p:txBody>
+      </p:sp>
+      <p:sp>
+        <p:nvSpPr>
+          <p:cNvPr id="20" name="Text 18"/>
+          <p:cNvSpPr/>
+          <p:nvPr/>
+        </p:nvSpPr>
+        <p:spPr>
+          <a:xfrm>
+            <a:off x="457200" y="2719983"/>
+            <a:ext cx="8229600" cy="311051"/>
+          </a:xfrm>
+          <a:prstGeom prst="rect">
+            <a:avLst/>
+          </a:prstGeom>
+          <a:solidFill>
+            <a:srgbClr val="FFFFFF"/>
+          </a:solidFill>
+          <a:ln/>
+        </p:spPr>
+        <p:txBody>
+          <a:bodyPr wrap="square" rtlCol="0" anchor="ctr"/>
+          <a:lstStyle/>
+          <a:p>
+            <a:pPr indent="0" marL="0">
+              <a:buNone/>
+            </a:pPr>
+            <a:endParaRPr lang="en-US" dirty="0"/>
+          </a:p>
+        </p:txBody>
+      </p:sp>
+      <p:sp>
+        <p:nvSpPr>
+          <p:cNvPr id="21" name="Shape 19"/>
+          <p:cNvSpPr/>
+          <p:nvPr/>
+        </p:nvSpPr>
+        <p:spPr>
+          <a:xfrm>
+            <a:off x="457200" y="3026271"/>
+            <a:ext cx="8229600" cy="0"/>
+          </a:xfrm>
+          <a:prstGeom prst="line">
+            <a:avLst/>
+          </a:prstGeom>
+          <a:noFill/>
+          <a:ln w="9525">
+            <a:solidFill>
+              <a:srgbClr val="CCCCCC"/>
+            </a:solidFill>
+            <a:prstDash val="solid"/>
+          </a:ln>
+        </p:spPr>
+      </p:sp>
+      <p:sp>
+        <p:nvSpPr>
+          <p:cNvPr id="22" name="Text 20"/>
+          <p:cNvSpPr/>
+          <p:nvPr/>
+        </p:nvSpPr>
+        <p:spPr>
+          <a:xfrm>
+            <a:off x="457200" y="2719983"/>
+            <a:ext cx="2253844" cy="301526"/>
+          </a:xfrm>
+          <a:prstGeom prst="rect">
+            <a:avLst/>
+          </a:prstGeom>
+          <a:noFill/>
+          <a:ln/>
+        </p:spPr>
+        <p:txBody>
+          <a:bodyPr wrap="square" lIns="88900" tIns="50800" rIns="88900" bIns="50800" rtlCol="0" anchor="t"/>
+          <a:lstStyle/>
+          <a:p>
+            <a:pPr algn="l" indent="0" marL="0">
+              <a:buNone/>
+            </a:pPr>
+            <a:r>
+              <a:rPr lang="en-US" sz="1300" dirty="0">
+                <a:solidFill>
+                  <a:srgbClr val="2C2C2C"/>
+                </a:solidFill>
+                <a:latin typeface="Arial" pitchFamily="34" charset="0"/>
+                <a:ea typeface="Arial" pitchFamily="34" charset="-122"/>
+                <a:cs typeface="Arial" pitchFamily="34" charset="-120"/>
+              </a:rPr>
+              <a:t>40 minutes</a:t>
+            </a:r>
+            <a:endParaRPr lang="en-US" sz="1300" dirty="0"/>
+          </a:p>
+        </p:txBody>
+      </p:sp>
+      <p:sp>
+        <p:nvSpPr>
+          <p:cNvPr id="23" name="Text 21"/>
+          <p:cNvSpPr/>
+          <p:nvPr/>
+        </p:nvSpPr>
+        <p:spPr>
+          <a:xfrm>
+            <a:off x="2666851" y="2719983"/>
+            <a:ext cx="6140348" cy="301526"/>
+          </a:xfrm>
+          <a:prstGeom prst="rect">
+            <a:avLst/>
+          </a:prstGeom>
+          <a:noFill/>
+          <a:ln/>
+        </p:spPr>
+        <p:txBody>
+          <a:bodyPr wrap="square" lIns="88900" tIns="50800" rIns="88900" bIns="50800" rtlCol="0" anchor="t"/>
+          <a:lstStyle/>
+          <a:p>
+            <a:pPr algn="l" indent="0" marL="0">
+              <a:buNone/>
+            </a:pPr>
+            <a:r>
+              <a:rPr lang="en-US" sz="1300" dirty="0">
+                <a:solidFill>
+                  <a:srgbClr val="2C2C2C"/>
+                </a:solidFill>
+                <a:latin typeface="Arial" pitchFamily="34" charset="0"/>
+                <a:ea typeface="Arial" pitchFamily="34" charset="-122"/>
+                <a:cs typeface="Arial" pitchFamily="34" charset="-120"/>
+              </a:rPr>
+              <a:t>Project board with custom fields</a:t>
+            </a:r>
+            <a:endParaRPr lang="en-US" sz="1300" dirty="0"/>
+          </a:p>
+        </p:txBody>
+      </p:sp>
+      <p:sp>
+        <p:nvSpPr>
+          <p:cNvPr id="24" name="Text 22"/>
+          <p:cNvSpPr/>
+          <p:nvPr/>
+        </p:nvSpPr>
+        <p:spPr>
+          <a:xfrm>
+            <a:off x="457200" y="3031034"/>
+            <a:ext cx="8229600" cy="311051"/>
+          </a:xfrm>
+          <a:prstGeom prst="rect">
+            <a:avLst/>
+          </a:prstGeom>
+          <a:solidFill>
+            <a:srgbClr val="F4F1DE"/>
+          </a:solidFill>
+          <a:ln/>
+        </p:spPr>
+        <p:txBody>
+          <a:bodyPr wrap="square" rtlCol="0" anchor="ctr"/>
+          <a:lstStyle/>
+          <a:p>
+            <a:pPr indent="0" marL="0">
+              <a:buNone/>
+            </a:pPr>
+            <a:endParaRPr lang="en-US" dirty="0"/>
+          </a:p>
+        </p:txBody>
+      </p:sp>
+      <p:sp>
+        <p:nvSpPr>
+          <p:cNvPr id="25" name="Shape 23"/>
+          <p:cNvSpPr/>
+          <p:nvPr/>
+        </p:nvSpPr>
+        <p:spPr>
+          <a:xfrm>
+            <a:off x="457200" y="3337322"/>
+            <a:ext cx="8229600" cy="0"/>
+          </a:xfrm>
+          <a:prstGeom prst="line">
+            <a:avLst/>
+          </a:prstGeom>
+          <a:noFill/>
+          <a:ln w="9525">
+            <a:solidFill>
+              <a:srgbClr val="CCCCCC"/>
+            </a:solidFill>
+            <a:prstDash val="solid"/>
+          </a:ln>
+        </p:spPr>
+      </p:sp>
+      <p:sp>
+        <p:nvSpPr>
+          <p:cNvPr id="26" name="Text 24"/>
+          <p:cNvSpPr/>
+          <p:nvPr/>
+        </p:nvSpPr>
+        <p:spPr>
+          <a:xfrm>
+            <a:off x="457200" y="3031034"/>
+            <a:ext cx="2253844" cy="301526"/>
+          </a:xfrm>
+          <a:prstGeom prst="rect">
+            <a:avLst/>
+          </a:prstGeom>
+          <a:noFill/>
+          <a:ln/>
+        </p:spPr>
+        <p:txBody>
+          <a:bodyPr wrap="square" lIns="88900" tIns="50800" rIns="88900" bIns="50800" rtlCol="0" anchor="t"/>
+          <a:lstStyle/>
+          <a:p>
+            <a:pPr algn="l" indent="0" marL="0">
+              <a:buNone/>
+            </a:pPr>
+            <a:r>
+              <a:rPr lang="en-US" sz="1300" dirty="0">
+                <a:solidFill>
+                  <a:srgbClr val="2C2C2C"/>
+                </a:solidFill>
+                <a:latin typeface="Arial" pitchFamily="34" charset="0"/>
+                <a:ea typeface="Arial" pitchFamily="34" charset="-122"/>
+                <a:cs typeface="Arial" pitchFamily="34" charset="-120"/>
+              </a:rPr>
+              <a:t>50 minutes</a:t>
+            </a:r>
+            <a:endParaRPr lang="en-US" sz="1300" dirty="0"/>
+          </a:p>
+        </p:txBody>
+      </p:sp>
+      <p:sp>
+        <p:nvSpPr>
+          <p:cNvPr id="27" name="Text 25"/>
+          <p:cNvSpPr/>
+          <p:nvPr/>
+        </p:nvSpPr>
+        <p:spPr>
+          <a:xfrm>
+            <a:off x="2666851" y="3031034"/>
+            <a:ext cx="6140348" cy="301526"/>
+          </a:xfrm>
+          <a:prstGeom prst="rect">
+            <a:avLst/>
+          </a:prstGeom>
+          <a:noFill/>
+          <a:ln/>
+        </p:spPr>
+        <p:txBody>
+          <a:bodyPr wrap="square" lIns="88900" tIns="50800" rIns="88900" bIns="50800" rtlCol="0" anchor="t"/>
+          <a:lstStyle/>
+          <a:p>
+            <a:pPr algn="l" indent="0" marL="0">
+              <a:buNone/>
+            </a:pPr>
+            <a:r>
+              <a:rPr lang="en-US" sz="1300" dirty="0">
+                <a:solidFill>
+                  <a:srgbClr val="2C2C2C"/>
+                </a:solidFill>
+                <a:latin typeface="Arial" pitchFamily="34" charset="0"/>
+                <a:ea typeface="Arial" pitchFamily="34" charset="-122"/>
+                <a:cs typeface="Arial" pitchFamily="34" charset="-120"/>
+              </a:rPr>
+              <a:t>Iterations, Timeline view, final review</a:t>
+            </a:r>
+            <a:endParaRPr lang="en-US" sz="1300" dirty="0"/>
+          </a:p>
+        </p:txBody>
+      </p:sp>
+      <p:sp>
+        <p:nvSpPr>
+          <p:cNvPr id="28" name="Text 26"/>
+          <p:cNvSpPr/>
+          <p:nvPr/>
+        </p:nvSpPr>
+        <p:spPr>
+          <a:xfrm>
+            <a:off x="457200" y="3443585"/>
+            <a:ext cx="8394192" cy="533400"/>
+          </a:xfrm>
+          <a:prstGeom prst="rect">
+            <a:avLst/>
+          </a:prstGeom>
+          <a:noFill/>
+          <a:ln/>
+        </p:spPr>
+        <p:txBody>
+          <a:bodyPr wrap="square" lIns="0" tIns="0" rIns="0" bIns="0" rtlCol="0" anchor="t"/>
+          <a:lstStyle/>
+          <a:p>
+            <a:pPr algn="l" indent="0" marL="0">
+              <a:buNone/>
+            </a:pPr>
+            <a:r>
+              <a:rPr lang="en-US" sz="1800" b="1" dirty="0">
+                <a:solidFill>
+                  <a:srgbClr val="2C2C2C"/>
+                </a:solidFill>
+                <a:latin typeface="Arial" pitchFamily="34" charset="0"/>
+                <a:ea typeface="Arial" pitchFamily="34" charset="-122"/>
+                <a:cs typeface="Arial" pitchFamily="34" charset="-120"/>
+              </a:rPr>
+              <a:t>Remember: Done is better than perfect. A working system you'll actually use beats a polished system you won't.</a:t>
+            </a:r>
+            <a:endParaRPr lang="en-US" sz="1800" dirty="0"/>
           </a:p>
         </p:txBody>
       </p:sp>
@@ -4662,7 +5460,7 @@
     <p:bg>
       <p:bgPr>
         <a:solidFill>
-          <a:srgbClr val="FFFFFF"/>
+          <a:srgbClr val="F4F1DE"/>
         </a:solidFill>
       </p:bgPr>
     </p:bg>
@@ -4689,7 +5487,7 @@
         <p:spPr>
           <a:xfrm>
             <a:off x="0" y="0"/>
-            <a:ext cx="9144000" cy="863501"/>
+            <a:ext cx="9144000" cy="914102"/>
           </a:xfrm>
           <a:prstGeom prst="rect">
             <a:avLst/>
@@ -4718,7 +5516,7 @@
         </p:nvSpPr>
         <p:spPr>
           <a:xfrm>
-            <a:off x="355550" y="246013"/>
+            <a:off x="457200" y="271314"/>
             <a:ext cx="4558695" cy="371475"/>
           </a:xfrm>
           <a:prstGeom prst="rect">
@@ -4757,8 +5555,8 @@
         </p:nvSpPr>
         <p:spPr>
           <a:xfrm>
-            <a:off x="355550" y="1130052"/>
-            <a:ext cx="8601557" cy="325636"/>
+            <a:off x="457200" y="1091803"/>
+            <a:ext cx="8394192" cy="266700"/>
           </a:xfrm>
           <a:prstGeom prst="rect">
             <a:avLst/>
@@ -4771,19 +5569,13 @@
           <a:lstStyle/>
           <a:p>
             <a:pPr algn="l" indent="0" marL="0">
-              <a:lnSpc>
-                <a:spcPts val="2565"/>
-              </a:lnSpc>
-              <a:spcBef>
-                <a:spcPts val="500"/>
-              </a:spcBef>
-              <a:spcAft>
-                <a:spcPts val="500"/>
-              </a:spcAft>
-              <a:buNone/>
-            </a:pPr>
-            <a:r>
-              <a:rPr lang="en-US" sz="1900" b="1" dirty="0">
+              <a:spcAft>
+                <a:spcPts val="800"/>
+              </a:spcAft>
+              <a:buNone/>
+            </a:pPr>
+            <a:r>
+              <a:rPr lang="en-US" sz="1800" dirty="0">
                 <a:solidFill>
                   <a:srgbClr val="2C2C2C"/>
                 </a:solidFill>
@@ -4793,7 +5585,875 @@
               </a:rPr>
               <a:t>When teaching any skill, follow these four steps:</a:t>
             </a:r>
-            <a:endParaRPr lang="en-US" sz="1900" dirty="0"/>
+            <a:endParaRPr lang="en-US" sz="1800" dirty="0"/>
+          </a:p>
+        </p:txBody>
+      </p:sp>
+      <p:sp>
+        <p:nvSpPr>
+          <p:cNvPr id="5" name="Text 3"/>
+          <p:cNvSpPr/>
+          <p:nvPr/>
+        </p:nvSpPr>
+        <p:spPr>
+          <a:xfrm>
+            <a:off x="457200" y="1460004"/>
+            <a:ext cx="8229600" cy="326827"/>
+          </a:xfrm>
+          <a:prstGeom prst="roundRect">
+            <a:avLst>
+              <a:gd name="adj" fmla="val 15543"/>
+            </a:avLst>
+          </a:prstGeom>
+          <a:solidFill>
+            <a:srgbClr val="1E5128"/>
+          </a:solidFill>
+          <a:ln/>
+        </p:spPr>
+        <p:txBody>
+          <a:bodyPr wrap="square" rtlCol="0" anchor="ctr"/>
+          <a:lstStyle/>
+          <a:p>
+            <a:pPr indent="0" marL="0">
+              <a:buNone/>
+            </a:pPr>
+            <a:endParaRPr lang="en-US" dirty="0"/>
+          </a:p>
+        </p:txBody>
+      </p:sp>
+      <p:sp>
+        <p:nvSpPr>
+          <p:cNvPr id="6" name="Text 4"/>
+          <p:cNvSpPr/>
+          <p:nvPr/>
+        </p:nvSpPr>
+        <p:spPr>
+          <a:xfrm>
+            <a:off x="457200" y="1460004"/>
+            <a:ext cx="1476604" cy="326827"/>
+          </a:xfrm>
+          <a:prstGeom prst="rect">
+            <a:avLst/>
+          </a:prstGeom>
+          <a:noFill/>
+          <a:ln/>
+        </p:spPr>
+        <p:txBody>
+          <a:bodyPr wrap="square" lIns="88900" tIns="63500" rIns="88900" bIns="63500" rtlCol="0" anchor="t"/>
+          <a:lstStyle/>
+          <a:p>
+            <a:pPr algn="l" indent="0" marL="0">
+              <a:buNone/>
+            </a:pPr>
+            <a:r>
+              <a:rPr lang="en-US" sz="1300" b="1" dirty="0">
+                <a:solidFill>
+                  <a:srgbClr val="FFFFFF"/>
+                </a:solidFill>
+                <a:latin typeface="Arial" pitchFamily="34" charset="0"/>
+                <a:ea typeface="Arial" pitchFamily="34" charset="-122"/>
+                <a:cs typeface="Arial" pitchFamily="34" charset="-120"/>
+              </a:rPr>
+              <a:t>Step</a:t>
+            </a:r>
+            <a:endParaRPr lang="en-US" sz="1300" dirty="0"/>
+          </a:p>
+        </p:txBody>
+      </p:sp>
+      <p:sp>
+        <p:nvSpPr>
+          <p:cNvPr id="7" name="Text 5"/>
+          <p:cNvSpPr/>
+          <p:nvPr/>
+        </p:nvSpPr>
+        <p:spPr>
+          <a:xfrm>
+            <a:off x="1904851" y="1460004"/>
+            <a:ext cx="3290215" cy="326827"/>
+          </a:xfrm>
+          <a:prstGeom prst="rect">
+            <a:avLst/>
+          </a:prstGeom>
+          <a:noFill/>
+          <a:ln/>
+        </p:spPr>
+        <p:txBody>
+          <a:bodyPr wrap="square" lIns="88900" tIns="63500" rIns="88900" bIns="63500" rtlCol="0" anchor="t"/>
+          <a:lstStyle/>
+          <a:p>
+            <a:pPr algn="l" indent="0" marL="0">
+              <a:buNone/>
+            </a:pPr>
+            <a:r>
+              <a:rPr lang="en-US" sz="1300" b="1" dirty="0">
+                <a:solidFill>
+                  <a:srgbClr val="FFFFFF"/>
+                </a:solidFill>
+                <a:latin typeface="Arial" pitchFamily="34" charset="0"/>
+                <a:ea typeface="Arial" pitchFamily="34" charset="-122"/>
+                <a:cs typeface="Arial" pitchFamily="34" charset="-120"/>
+              </a:rPr>
+              <a:t>What You Do</a:t>
+            </a:r>
+            <a:endParaRPr lang="en-US" sz="1300" dirty="0"/>
+          </a:p>
+        </p:txBody>
+      </p:sp>
+      <p:sp>
+        <p:nvSpPr>
+          <p:cNvPr id="8" name="Text 6"/>
+          <p:cNvSpPr/>
+          <p:nvPr/>
+        </p:nvSpPr>
+        <p:spPr>
+          <a:xfrm>
+            <a:off x="5130552" y="1460004"/>
+            <a:ext cx="3627373" cy="326827"/>
+          </a:xfrm>
+          <a:prstGeom prst="rect">
+            <a:avLst/>
+          </a:prstGeom>
+          <a:noFill/>
+          <a:ln/>
+        </p:spPr>
+        <p:txBody>
+          <a:bodyPr wrap="square" lIns="88900" tIns="63500" rIns="88900" bIns="63500" rtlCol="0" anchor="t"/>
+          <a:lstStyle/>
+          <a:p>
+            <a:pPr algn="l" indent="0" marL="0">
+              <a:buNone/>
+            </a:pPr>
+            <a:r>
+              <a:rPr lang="en-US" sz="1300" b="1" dirty="0">
+                <a:solidFill>
+                  <a:srgbClr val="FFFFFF"/>
+                </a:solidFill>
+                <a:latin typeface="Arial" pitchFamily="34" charset="0"/>
+                <a:ea typeface="Arial" pitchFamily="34" charset="-122"/>
+                <a:cs typeface="Arial" pitchFamily="34" charset="-120"/>
+              </a:rPr>
+              <a:t>Farm Example</a:t>
+            </a:r>
+            <a:endParaRPr lang="en-US" sz="1300" dirty="0"/>
+          </a:p>
+        </p:txBody>
+      </p:sp>
+      <p:sp>
+        <p:nvSpPr>
+          <p:cNvPr id="9" name="Text 7"/>
+          <p:cNvSpPr/>
+          <p:nvPr/>
+        </p:nvSpPr>
+        <p:spPr>
+          <a:xfrm>
+            <a:off x="457200" y="1786830"/>
+            <a:ext cx="8229600" cy="311051"/>
+          </a:xfrm>
+          <a:prstGeom prst="rect">
+            <a:avLst/>
+          </a:prstGeom>
+          <a:solidFill>
+            <a:srgbClr val="F4F1DE"/>
+          </a:solidFill>
+          <a:ln/>
+        </p:spPr>
+        <p:txBody>
+          <a:bodyPr wrap="square" rtlCol="0" anchor="ctr"/>
+          <a:lstStyle/>
+          <a:p>
+            <a:pPr indent="0" marL="0">
+              <a:buNone/>
+            </a:pPr>
+            <a:endParaRPr lang="en-US" dirty="0"/>
+          </a:p>
+        </p:txBody>
+      </p:sp>
+      <p:sp>
+        <p:nvSpPr>
+          <p:cNvPr id="10" name="Shape 8"/>
+          <p:cNvSpPr/>
+          <p:nvPr/>
+        </p:nvSpPr>
+        <p:spPr>
+          <a:xfrm>
+            <a:off x="457200" y="2093119"/>
+            <a:ext cx="8229600" cy="0"/>
+          </a:xfrm>
+          <a:prstGeom prst="line">
+            <a:avLst/>
+          </a:prstGeom>
+          <a:noFill/>
+          <a:ln w="9525">
+            <a:solidFill>
+              <a:srgbClr val="CCCCCC"/>
+            </a:solidFill>
+            <a:prstDash val="solid"/>
+          </a:ln>
+        </p:spPr>
+      </p:sp>
+      <p:sp>
+        <p:nvSpPr>
+          <p:cNvPr id="11" name="Text 9"/>
+          <p:cNvSpPr/>
+          <p:nvPr/>
+        </p:nvSpPr>
+        <p:spPr>
+          <a:xfrm>
+            <a:off x="457200" y="1786830"/>
+            <a:ext cx="1476604" cy="301526"/>
+          </a:xfrm>
+          <a:prstGeom prst="rect">
+            <a:avLst/>
+          </a:prstGeom>
+          <a:noFill/>
+          <a:ln/>
+        </p:spPr>
+        <p:txBody>
+          <a:bodyPr wrap="square" lIns="88900" tIns="50800" rIns="88900" bIns="50800" rtlCol="0" anchor="t"/>
+          <a:lstStyle/>
+          <a:p>
+            <a:pPr algn="l" indent="0" marL="0">
+              <a:buNone/>
+            </a:pPr>
+            <a:r>
+              <a:rPr lang="en-US" sz="1300" b="1" dirty="0">
+                <a:solidFill>
+                  <a:srgbClr val="2C2C2C"/>
+                </a:solidFill>
+                <a:latin typeface="Arial" pitchFamily="34" charset="0"/>
+                <a:ea typeface="Arial" pitchFamily="34" charset="-122"/>
+                <a:cs typeface="Arial" pitchFamily="34" charset="-120"/>
+              </a:rPr>
+              <a:t>1. SHOW</a:t>
+            </a:r>
+            <a:endParaRPr lang="en-US" sz="1300" dirty="0"/>
+          </a:p>
+        </p:txBody>
+      </p:sp>
+      <p:sp>
+        <p:nvSpPr>
+          <p:cNvPr id="12" name="Text 10"/>
+          <p:cNvSpPr/>
+          <p:nvPr/>
+        </p:nvSpPr>
+        <p:spPr>
+          <a:xfrm>
+            <a:off x="1904851" y="1786830"/>
+            <a:ext cx="3290215" cy="301526"/>
+          </a:xfrm>
+          <a:prstGeom prst="rect">
+            <a:avLst/>
+          </a:prstGeom>
+          <a:noFill/>
+          <a:ln/>
+        </p:spPr>
+        <p:txBody>
+          <a:bodyPr wrap="square" lIns="88900" tIns="50800" rIns="88900" bIns="50800" rtlCol="0" anchor="t"/>
+          <a:lstStyle/>
+          <a:p>
+            <a:pPr algn="l" indent="0" marL="0">
+              <a:buNone/>
+            </a:pPr>
+            <a:r>
+              <a:rPr lang="en-US" sz="1300" dirty="0">
+                <a:solidFill>
+                  <a:srgbClr val="2C2C2C"/>
+                </a:solidFill>
+                <a:latin typeface="Arial" pitchFamily="34" charset="0"/>
+                <a:ea typeface="Arial" pitchFamily="34" charset="-122"/>
+                <a:cs typeface="Arial" pitchFamily="34" charset="-120"/>
+              </a:rPr>
+              <a:t>Demonstrate while they watch</a:t>
+            </a:r>
+            <a:endParaRPr lang="en-US" sz="1300" dirty="0"/>
+          </a:p>
+        </p:txBody>
+      </p:sp>
+      <p:sp>
+        <p:nvSpPr>
+          <p:cNvPr id="13" name="Text 11"/>
+          <p:cNvSpPr/>
+          <p:nvPr/>
+        </p:nvSpPr>
+        <p:spPr>
+          <a:xfrm>
+            <a:off x="5130552" y="1786830"/>
+            <a:ext cx="3627373" cy="301526"/>
+          </a:xfrm>
+          <a:prstGeom prst="rect">
+            <a:avLst/>
+          </a:prstGeom>
+          <a:noFill/>
+          <a:ln/>
+        </p:spPr>
+        <p:txBody>
+          <a:bodyPr wrap="square" lIns="88900" tIns="50800" rIns="88900" bIns="50800" rtlCol="0" anchor="t"/>
+          <a:lstStyle/>
+          <a:p>
+            <a:pPr algn="l" indent="0" marL="0">
+              <a:buNone/>
+            </a:pPr>
+            <a:r>
+              <a:rPr lang="en-US" sz="1300" dirty="0">
+                <a:solidFill>
+                  <a:srgbClr val="2C2C2C"/>
+                </a:solidFill>
+                <a:latin typeface="Arial" pitchFamily="34" charset="0"/>
+                <a:ea typeface="Arial" pitchFamily="34" charset="-122"/>
+                <a:cs typeface="Arial" pitchFamily="34" charset="-120"/>
+              </a:rPr>
+              <a:t>“Watch me start the tractor”</a:t>
+            </a:r>
+            <a:endParaRPr lang="en-US" sz="1300" dirty="0"/>
+          </a:p>
+        </p:txBody>
+      </p:sp>
+      <p:sp>
+        <p:nvSpPr>
+          <p:cNvPr id="14" name="Text 12"/>
+          <p:cNvSpPr/>
+          <p:nvPr/>
+        </p:nvSpPr>
+        <p:spPr>
+          <a:xfrm>
+            <a:off x="457200" y="2097881"/>
+            <a:ext cx="8229600" cy="311051"/>
+          </a:xfrm>
+          <a:prstGeom prst="rect">
+            <a:avLst/>
+          </a:prstGeom>
+          <a:solidFill>
+            <a:srgbClr val="FFFFFF"/>
+          </a:solidFill>
+          <a:ln/>
+        </p:spPr>
+        <p:txBody>
+          <a:bodyPr wrap="square" rtlCol="0" anchor="ctr"/>
+          <a:lstStyle/>
+          <a:p>
+            <a:pPr indent="0" marL="0">
+              <a:buNone/>
+            </a:pPr>
+            <a:endParaRPr lang="en-US" dirty="0"/>
+          </a:p>
+        </p:txBody>
+      </p:sp>
+      <p:sp>
+        <p:nvSpPr>
+          <p:cNvPr id="15" name="Shape 13"/>
+          <p:cNvSpPr/>
+          <p:nvPr/>
+        </p:nvSpPr>
+        <p:spPr>
+          <a:xfrm>
+            <a:off x="457200" y="2404170"/>
+            <a:ext cx="8229600" cy="0"/>
+          </a:xfrm>
+          <a:prstGeom prst="line">
+            <a:avLst/>
+          </a:prstGeom>
+          <a:noFill/>
+          <a:ln w="9525">
+            <a:solidFill>
+              <a:srgbClr val="CCCCCC"/>
+            </a:solidFill>
+            <a:prstDash val="solid"/>
+          </a:ln>
+        </p:spPr>
+      </p:sp>
+      <p:sp>
+        <p:nvSpPr>
+          <p:cNvPr id="16" name="Text 14"/>
+          <p:cNvSpPr/>
+          <p:nvPr/>
+        </p:nvSpPr>
+        <p:spPr>
+          <a:xfrm>
+            <a:off x="457200" y="2097881"/>
+            <a:ext cx="1476604" cy="301526"/>
+          </a:xfrm>
+          <a:prstGeom prst="rect">
+            <a:avLst/>
+          </a:prstGeom>
+          <a:noFill/>
+          <a:ln/>
+        </p:spPr>
+        <p:txBody>
+          <a:bodyPr wrap="square" lIns="88900" tIns="50800" rIns="88900" bIns="50800" rtlCol="0" anchor="t"/>
+          <a:lstStyle/>
+          <a:p>
+            <a:pPr algn="l" indent="0" marL="0">
+              <a:buNone/>
+            </a:pPr>
+            <a:r>
+              <a:rPr lang="en-US" sz="1300" b="1" dirty="0">
+                <a:solidFill>
+                  <a:srgbClr val="2C2C2C"/>
+                </a:solidFill>
+                <a:latin typeface="Arial" pitchFamily="34" charset="0"/>
+                <a:ea typeface="Arial" pitchFamily="34" charset="-122"/>
+                <a:cs typeface="Arial" pitchFamily="34" charset="-120"/>
+              </a:rPr>
+              <a:t>2. EXPLAIN</a:t>
+            </a:r>
+            <a:endParaRPr lang="en-US" sz="1300" dirty="0"/>
+          </a:p>
+        </p:txBody>
+      </p:sp>
+      <p:sp>
+        <p:nvSpPr>
+          <p:cNvPr id="17" name="Text 15"/>
+          <p:cNvSpPr/>
+          <p:nvPr/>
+        </p:nvSpPr>
+        <p:spPr>
+          <a:xfrm>
+            <a:off x="1904851" y="2097881"/>
+            <a:ext cx="3290215" cy="301526"/>
+          </a:xfrm>
+          <a:prstGeom prst="rect">
+            <a:avLst/>
+          </a:prstGeom>
+          <a:noFill/>
+          <a:ln/>
+        </p:spPr>
+        <p:txBody>
+          <a:bodyPr wrap="square" lIns="88900" tIns="50800" rIns="88900" bIns="50800" rtlCol="0" anchor="t"/>
+          <a:lstStyle/>
+          <a:p>
+            <a:pPr algn="l" indent="0" marL="0">
+              <a:buNone/>
+            </a:pPr>
+            <a:r>
+              <a:rPr lang="en-US" sz="1300" dirty="0">
+                <a:solidFill>
+                  <a:srgbClr val="2C2C2C"/>
+                </a:solidFill>
+                <a:latin typeface="Arial" pitchFamily="34" charset="0"/>
+                <a:ea typeface="Arial" pitchFamily="34" charset="-122"/>
+                <a:cs typeface="Arial" pitchFamily="34" charset="-120"/>
+              </a:rPr>
+              <a:t>Talk through WHY each step matters</a:t>
+            </a:r>
+            <a:endParaRPr lang="en-US" sz="1300" dirty="0"/>
+          </a:p>
+        </p:txBody>
+      </p:sp>
+      <p:sp>
+        <p:nvSpPr>
+          <p:cNvPr id="18" name="Text 16"/>
+          <p:cNvSpPr/>
+          <p:nvPr/>
+        </p:nvSpPr>
+        <p:spPr>
+          <a:xfrm>
+            <a:off x="5130552" y="2097881"/>
+            <a:ext cx="3627373" cy="301526"/>
+          </a:xfrm>
+          <a:prstGeom prst="rect">
+            <a:avLst/>
+          </a:prstGeom>
+          <a:noFill/>
+          <a:ln/>
+        </p:spPr>
+        <p:txBody>
+          <a:bodyPr wrap="square" lIns="88900" tIns="50800" rIns="88900" bIns="50800" rtlCol="0" anchor="t"/>
+          <a:lstStyle/>
+          <a:p>
+            <a:pPr algn="l" indent="0" marL="0">
+              <a:buNone/>
+            </a:pPr>
+            <a:r>
+              <a:rPr lang="en-US" sz="1300" dirty="0">
+                <a:solidFill>
+                  <a:srgbClr val="2C2C2C"/>
+                </a:solidFill>
+                <a:latin typeface="Arial" pitchFamily="34" charset="0"/>
+                <a:ea typeface="Arial" pitchFamily="34" charset="-122"/>
+                <a:cs typeface="Arial" pitchFamily="34" charset="-120"/>
+              </a:rPr>
+              <a:t>“I check the oil first because...”</a:t>
+            </a:r>
+            <a:endParaRPr lang="en-US" sz="1300" dirty="0"/>
+          </a:p>
+        </p:txBody>
+      </p:sp>
+      <p:sp>
+        <p:nvSpPr>
+          <p:cNvPr id="19" name="Text 17"/>
+          <p:cNvSpPr/>
+          <p:nvPr/>
+        </p:nvSpPr>
+        <p:spPr>
+          <a:xfrm>
+            <a:off x="457200" y="2408932"/>
+            <a:ext cx="8229600" cy="511076"/>
+          </a:xfrm>
+          <a:prstGeom prst="rect">
+            <a:avLst/>
+          </a:prstGeom>
+          <a:solidFill>
+            <a:srgbClr val="F4F1DE"/>
+          </a:solidFill>
+          <a:ln/>
+        </p:spPr>
+        <p:txBody>
+          <a:bodyPr wrap="square" rtlCol="0" anchor="ctr"/>
+          <a:lstStyle/>
+          <a:p>
+            <a:pPr indent="0" marL="0">
+              <a:buNone/>
+            </a:pPr>
+            <a:endParaRPr lang="en-US" dirty="0"/>
+          </a:p>
+        </p:txBody>
+      </p:sp>
+      <p:sp>
+        <p:nvSpPr>
+          <p:cNvPr id="20" name="Shape 18"/>
+          <p:cNvSpPr/>
+          <p:nvPr/>
+        </p:nvSpPr>
+        <p:spPr>
+          <a:xfrm>
+            <a:off x="457200" y="2915245"/>
+            <a:ext cx="8229600" cy="0"/>
+          </a:xfrm>
+          <a:prstGeom prst="line">
+            <a:avLst/>
+          </a:prstGeom>
+          <a:noFill/>
+          <a:ln w="9525">
+            <a:solidFill>
+              <a:srgbClr val="CCCCCC"/>
+            </a:solidFill>
+            <a:prstDash val="solid"/>
+          </a:ln>
+        </p:spPr>
+      </p:sp>
+      <p:sp>
+        <p:nvSpPr>
+          <p:cNvPr id="21" name="Text 19"/>
+          <p:cNvSpPr/>
+          <p:nvPr/>
+        </p:nvSpPr>
+        <p:spPr>
+          <a:xfrm>
+            <a:off x="457200" y="2408932"/>
+            <a:ext cx="1476604" cy="501551"/>
+          </a:xfrm>
+          <a:prstGeom prst="rect">
+            <a:avLst/>
+          </a:prstGeom>
+          <a:noFill/>
+          <a:ln/>
+        </p:spPr>
+        <p:txBody>
+          <a:bodyPr wrap="square" lIns="88900" tIns="50800" rIns="88900" bIns="50800" rtlCol="0" anchor="t"/>
+          <a:lstStyle/>
+          <a:p>
+            <a:pPr algn="l" indent="0" marL="0">
+              <a:buNone/>
+            </a:pPr>
+            <a:r>
+              <a:rPr lang="en-US" sz="1300" b="1" dirty="0">
+                <a:solidFill>
+                  <a:srgbClr val="2C2C2C"/>
+                </a:solidFill>
+                <a:latin typeface="Arial" pitchFamily="34" charset="0"/>
+                <a:ea typeface="Arial" pitchFamily="34" charset="-122"/>
+                <a:cs typeface="Arial" pitchFamily="34" charset="-120"/>
+              </a:rPr>
+              <a:t>3. LET THEM TRY</a:t>
+            </a:r>
+            <a:endParaRPr lang="en-US" sz="1300" dirty="0"/>
+          </a:p>
+        </p:txBody>
+      </p:sp>
+      <p:sp>
+        <p:nvSpPr>
+          <p:cNvPr id="22" name="Text 20"/>
+          <p:cNvSpPr/>
+          <p:nvPr/>
+        </p:nvSpPr>
+        <p:spPr>
+          <a:xfrm>
+            <a:off x="1904851" y="2408932"/>
+            <a:ext cx="3290215" cy="501551"/>
+          </a:xfrm>
+          <a:prstGeom prst="rect">
+            <a:avLst/>
+          </a:prstGeom>
+          <a:noFill/>
+          <a:ln/>
+        </p:spPr>
+        <p:txBody>
+          <a:bodyPr wrap="square" lIns="88900" tIns="50800" rIns="88900" bIns="50800" rtlCol="0" anchor="t"/>
+          <a:lstStyle/>
+          <a:p>
+            <a:pPr algn="l" indent="0" marL="0">
+              <a:buNone/>
+            </a:pPr>
+            <a:r>
+              <a:rPr lang="en-US" sz="1300" dirty="0">
+                <a:solidFill>
+                  <a:srgbClr val="2C2C2C"/>
+                </a:solidFill>
+                <a:latin typeface="Arial" pitchFamily="34" charset="0"/>
+                <a:ea typeface="Arial" pitchFamily="34" charset="-122"/>
+                <a:cs typeface="Arial" pitchFamily="34" charset="-120"/>
+              </a:rPr>
+              <a:t>Hand over control, let them practice</a:t>
+            </a:r>
+            <a:endParaRPr lang="en-US" sz="1300" dirty="0"/>
+          </a:p>
+        </p:txBody>
+      </p:sp>
+      <p:sp>
+        <p:nvSpPr>
+          <p:cNvPr id="23" name="Text 21"/>
+          <p:cNvSpPr/>
+          <p:nvPr/>
+        </p:nvSpPr>
+        <p:spPr>
+          <a:xfrm>
+            <a:off x="5130552" y="2408932"/>
+            <a:ext cx="3627373" cy="501551"/>
+          </a:xfrm>
+          <a:prstGeom prst="rect">
+            <a:avLst/>
+          </a:prstGeom>
+          <a:noFill/>
+          <a:ln/>
+        </p:spPr>
+        <p:txBody>
+          <a:bodyPr wrap="square" lIns="88900" tIns="50800" rIns="88900" bIns="50800" rtlCol="0" anchor="t"/>
+          <a:lstStyle/>
+          <a:p>
+            <a:pPr algn="l" indent="0" marL="0">
+              <a:buNone/>
+            </a:pPr>
+            <a:r>
+              <a:rPr lang="en-US" sz="1300" dirty="0">
+                <a:solidFill>
+                  <a:srgbClr val="2C2C2C"/>
+                </a:solidFill>
+                <a:latin typeface="Arial" pitchFamily="34" charset="0"/>
+                <a:ea typeface="Arial" pitchFamily="34" charset="-122"/>
+                <a:cs typeface="Arial" pitchFamily="34" charset="-120"/>
+              </a:rPr>
+              <a:t>“Now you start it”</a:t>
+            </a:r>
+            <a:endParaRPr lang="en-US" sz="1300" dirty="0"/>
+          </a:p>
+        </p:txBody>
+      </p:sp>
+      <p:sp>
+        <p:nvSpPr>
+          <p:cNvPr id="24" name="Text 22"/>
+          <p:cNvSpPr/>
+          <p:nvPr/>
+        </p:nvSpPr>
+        <p:spPr>
+          <a:xfrm>
+            <a:off x="457200" y="2920008"/>
+            <a:ext cx="8229600" cy="511076"/>
+          </a:xfrm>
+          <a:prstGeom prst="rect">
+            <a:avLst/>
+          </a:prstGeom>
+          <a:solidFill>
+            <a:srgbClr val="FFFFFF"/>
+          </a:solidFill>
+          <a:ln/>
+        </p:spPr>
+        <p:txBody>
+          <a:bodyPr wrap="square" rtlCol="0" anchor="ctr"/>
+          <a:lstStyle/>
+          <a:p>
+            <a:pPr indent="0" marL="0">
+              <a:buNone/>
+            </a:pPr>
+            <a:endParaRPr lang="en-US" dirty="0"/>
+          </a:p>
+        </p:txBody>
+      </p:sp>
+      <p:sp>
+        <p:nvSpPr>
+          <p:cNvPr id="25" name="Shape 23"/>
+          <p:cNvSpPr/>
+          <p:nvPr/>
+        </p:nvSpPr>
+        <p:spPr>
+          <a:xfrm>
+            <a:off x="457200" y="3426321"/>
+            <a:ext cx="8229600" cy="0"/>
+          </a:xfrm>
+          <a:prstGeom prst="line">
+            <a:avLst/>
+          </a:prstGeom>
+          <a:noFill/>
+          <a:ln w="9525">
+            <a:solidFill>
+              <a:srgbClr val="CCCCCC"/>
+            </a:solidFill>
+            <a:prstDash val="solid"/>
+          </a:ln>
+        </p:spPr>
+      </p:sp>
+      <p:sp>
+        <p:nvSpPr>
+          <p:cNvPr id="26" name="Text 24"/>
+          <p:cNvSpPr/>
+          <p:nvPr/>
+        </p:nvSpPr>
+        <p:spPr>
+          <a:xfrm>
+            <a:off x="457200" y="2920008"/>
+            <a:ext cx="1476604" cy="501551"/>
+          </a:xfrm>
+          <a:prstGeom prst="rect">
+            <a:avLst/>
+          </a:prstGeom>
+          <a:noFill/>
+          <a:ln/>
+        </p:spPr>
+        <p:txBody>
+          <a:bodyPr wrap="square" lIns="88900" tIns="50800" rIns="88900" bIns="50800" rtlCol="0" anchor="t"/>
+          <a:lstStyle/>
+          <a:p>
+            <a:pPr algn="l" indent="0" marL="0">
+              <a:buNone/>
+            </a:pPr>
+            <a:r>
+              <a:rPr lang="en-US" sz="1300" b="1" dirty="0">
+                <a:solidFill>
+                  <a:srgbClr val="2C2C2C"/>
+                </a:solidFill>
+                <a:latin typeface="Arial" pitchFamily="34" charset="0"/>
+                <a:ea typeface="Arial" pitchFamily="34" charset="-122"/>
+                <a:cs typeface="Arial" pitchFamily="34" charset="-120"/>
+              </a:rPr>
+              <a:t>4. GIVE FEEDBACK</a:t>
+            </a:r>
+            <a:endParaRPr lang="en-US" sz="1300" dirty="0"/>
+          </a:p>
+        </p:txBody>
+      </p:sp>
+      <p:sp>
+        <p:nvSpPr>
+          <p:cNvPr id="27" name="Text 25"/>
+          <p:cNvSpPr/>
+          <p:nvPr/>
+        </p:nvSpPr>
+        <p:spPr>
+          <a:xfrm>
+            <a:off x="1904851" y="2920008"/>
+            <a:ext cx="3290215" cy="501551"/>
+          </a:xfrm>
+          <a:prstGeom prst="rect">
+            <a:avLst/>
+          </a:prstGeom>
+          <a:noFill/>
+          <a:ln/>
+        </p:spPr>
+        <p:txBody>
+          <a:bodyPr wrap="square" lIns="88900" tIns="50800" rIns="88900" bIns="50800" rtlCol="0" anchor="t"/>
+          <a:lstStyle/>
+          <a:p>
+            <a:pPr algn="l" indent="0" marL="0">
+              <a:buNone/>
+            </a:pPr>
+            <a:r>
+              <a:rPr lang="en-US" sz="1300" dirty="0">
+                <a:solidFill>
+                  <a:srgbClr val="2C2C2C"/>
+                </a:solidFill>
+                <a:latin typeface="Arial" pitchFamily="34" charset="0"/>
+                <a:ea typeface="Arial" pitchFamily="34" charset="-122"/>
+                <a:cs typeface="Arial" pitchFamily="34" charset="-120"/>
+              </a:rPr>
+              <a:t>What went well, what to adjust</a:t>
+            </a:r>
+            <a:endParaRPr lang="en-US" sz="1300" dirty="0"/>
+          </a:p>
+        </p:txBody>
+      </p:sp>
+      <p:sp>
+        <p:nvSpPr>
+          <p:cNvPr id="28" name="Text 26"/>
+          <p:cNvSpPr/>
+          <p:nvPr/>
+        </p:nvSpPr>
+        <p:spPr>
+          <a:xfrm>
+            <a:off x="5130552" y="2920008"/>
+            <a:ext cx="3627373" cy="501551"/>
+          </a:xfrm>
+          <a:prstGeom prst="rect">
+            <a:avLst/>
+          </a:prstGeom>
+          <a:noFill/>
+          <a:ln/>
+        </p:spPr>
+        <p:txBody>
+          <a:bodyPr wrap="square" lIns="88900" tIns="50800" rIns="88900" bIns="50800" rtlCol="0" anchor="t"/>
+          <a:lstStyle/>
+          <a:p>
+            <a:pPr algn="l" indent="0" marL="0">
+              <a:buNone/>
+            </a:pPr>
+            <a:r>
+              <a:rPr lang="en-US" sz="1300" dirty="0">
+                <a:solidFill>
+                  <a:srgbClr val="2C2C2C"/>
+                </a:solidFill>
+                <a:latin typeface="Arial" pitchFamily="34" charset="0"/>
+                <a:ea typeface="Arial" pitchFamily="34" charset="-122"/>
+                <a:cs typeface="Arial" pitchFamily="34" charset="-120"/>
+              </a:rPr>
+              <a:t>“Great start — check mirrors first”</a:t>
+            </a:r>
+            <a:endParaRPr lang="en-US" sz="1300" dirty="0"/>
+          </a:p>
+        </p:txBody>
+      </p:sp>
+      <p:sp>
+        <p:nvSpPr>
+          <p:cNvPr id="29" name="Text 27"/>
+          <p:cNvSpPr/>
+          <p:nvPr/>
+        </p:nvSpPr>
+        <p:spPr>
+          <a:xfrm>
+            <a:off x="457200" y="3532584"/>
+            <a:ext cx="8394192" cy="533400"/>
+          </a:xfrm>
+          <a:prstGeom prst="rect">
+            <a:avLst/>
+          </a:prstGeom>
+          <a:noFill/>
+          <a:ln/>
+        </p:spPr>
+        <p:txBody>
+          <a:bodyPr wrap="square" lIns="0" tIns="0" rIns="0" bIns="0" rtlCol="0" anchor="t"/>
+          <a:lstStyle/>
+          <a:p>
+            <a:pPr algn="l" indent="0" marL="0">
+              <a:buNone/>
+            </a:pPr>
+            <a:r>
+              <a:rPr lang="en-US" sz="1800" b="1" dirty="0">
+                <a:solidFill>
+                  <a:srgbClr val="2C2C2C"/>
+                </a:solidFill>
+                <a:latin typeface="Arial" pitchFamily="34" charset="0"/>
+                <a:ea typeface="Arial" pitchFamily="34" charset="-122"/>
+                <a:cs typeface="Arial" pitchFamily="34" charset="-120"/>
+              </a:rPr>
+              <a:t>This is how experienced farmers have always taught. Today you'll use the same approach for GitHub.</a:t>
+            </a:r>
+            <a:endParaRPr lang="en-US" sz="1800" dirty="0"/>
           </a:p>
         </p:txBody>
       </p:sp>
@@ -8695,7 +10355,7 @@
     <p:bg>
       <p:bgPr>
         <a:solidFill>
-          <a:srgbClr val="FFFFFF"/>
+          <a:srgbClr val="F4F1DE"/>
         </a:solidFill>
       </p:bgPr>
     </p:bg>
@@ -8722,7 +10382,7 @@
         <p:spPr>
           <a:xfrm>
             <a:off x="0" y="0"/>
-            <a:ext cx="9144000" cy="863501"/>
+            <a:ext cx="9144000" cy="914102"/>
           </a:xfrm>
           <a:prstGeom prst="rect">
             <a:avLst/>
@@ -8751,7 +10411,7 @@
         </p:nvSpPr>
         <p:spPr>
           <a:xfrm>
-            <a:off x="355550" y="246013"/>
+            <a:off x="457200" y="271314"/>
             <a:ext cx="6094503" cy="371475"/>
           </a:xfrm>
           <a:prstGeom prst="rect">
@@ -8779,6 +10439,2106 @@
               <a:t>Your Learning Journey: Sessions 1-11</a:t>
             </a:r>
             <a:endParaRPr lang="en-US" sz="2600" dirty="0"/>
+          </a:p>
+        </p:txBody>
+      </p:sp>
+      <p:sp>
+        <p:nvSpPr>
+          <p:cNvPr id="4" name="Text 2"/>
+          <p:cNvSpPr/>
+          <p:nvPr/>
+        </p:nvSpPr>
+        <p:spPr>
+          <a:xfrm>
+            <a:off x="457200" y="964853"/>
+            <a:ext cx="8394192" cy="238125"/>
+          </a:xfrm>
+          <a:prstGeom prst="rect">
+            <a:avLst/>
+          </a:prstGeom>
+          <a:noFill/>
+          <a:ln/>
+        </p:spPr>
+        <p:txBody>
+          <a:bodyPr wrap="square" lIns="0" tIns="0" rIns="0" bIns="0" rtlCol="0" anchor="t"/>
+          <a:lstStyle/>
+          <a:p>
+            <a:pPr algn="l" indent="0" marL="0">
+              <a:spcAft>
+                <a:spcPts val="100"/>
+              </a:spcAft>
+              <a:buNone/>
+            </a:pPr>
+            <a:r>
+              <a:rPr lang="en-US" sz="1600" dirty="0">
+                <a:solidFill>
+                  <a:srgbClr val="2C2C2C"/>
+                </a:solidFill>
+                <a:latin typeface="Arial" pitchFamily="34" charset="0"/>
+                <a:ea typeface="Arial" pitchFamily="34" charset="-122"/>
+                <a:cs typeface="Arial" pitchFamily="34" charset="-120"/>
+              </a:rPr>
+              <a:t>Look how far you've come:</a:t>
+            </a:r>
+            <a:endParaRPr lang="en-US" sz="1600" dirty="0"/>
+          </a:p>
+        </p:txBody>
+      </p:sp>
+      <p:sp>
+        <p:nvSpPr>
+          <p:cNvPr id="5" name="Text 3"/>
+          <p:cNvSpPr/>
+          <p:nvPr/>
+        </p:nvSpPr>
+        <p:spPr>
+          <a:xfrm>
+            <a:off x="457200" y="1253728"/>
+            <a:ext cx="8229600" cy="298252"/>
+          </a:xfrm>
+          <a:prstGeom prst="roundRect">
+            <a:avLst>
+              <a:gd name="adj" fmla="val 17033"/>
+            </a:avLst>
+          </a:prstGeom>
+          <a:solidFill>
+            <a:srgbClr val="1E5128"/>
+          </a:solidFill>
+          <a:ln/>
+        </p:spPr>
+        <p:txBody>
+          <a:bodyPr wrap="square" rtlCol="0" anchor="ctr"/>
+          <a:lstStyle/>
+          <a:p>
+            <a:pPr indent="0" marL="0">
+              <a:buNone/>
+            </a:pPr>
+            <a:endParaRPr lang="en-US" dirty="0"/>
+          </a:p>
+        </p:txBody>
+      </p:sp>
+      <p:sp>
+        <p:nvSpPr>
+          <p:cNvPr id="6" name="Text 4"/>
+          <p:cNvSpPr/>
+          <p:nvPr/>
+        </p:nvSpPr>
+        <p:spPr>
+          <a:xfrm>
+            <a:off x="457200" y="1253728"/>
+            <a:ext cx="828854" cy="298252"/>
+          </a:xfrm>
+          <a:prstGeom prst="rect">
+            <a:avLst/>
+          </a:prstGeom>
+          <a:noFill/>
+          <a:ln/>
+        </p:spPr>
+        <p:txBody>
+          <a:bodyPr wrap="square" lIns="88900" tIns="63500" rIns="88900" bIns="63500" rtlCol="0" anchor="t"/>
+          <a:lstStyle/>
+          <a:p>
+            <a:pPr algn="l" indent="0" marL="0">
+              <a:buNone/>
+            </a:pPr>
+            <a:r>
+              <a:rPr lang="en-US" sz="1200" b="1" dirty="0">
+                <a:solidFill>
+                  <a:srgbClr val="FFFFFF"/>
+                </a:solidFill>
+                <a:latin typeface="Arial" pitchFamily="34" charset="0"/>
+                <a:ea typeface="Arial" pitchFamily="34" charset="-122"/>
+                <a:cs typeface="Arial" pitchFamily="34" charset="-120"/>
+              </a:rPr>
+              <a:t>Session</a:t>
+            </a:r>
+            <a:endParaRPr lang="en-US" sz="1200" dirty="0"/>
+          </a:p>
+        </p:txBody>
+      </p:sp>
+      <p:sp>
+        <p:nvSpPr>
+          <p:cNvPr id="7" name="Text 5"/>
+          <p:cNvSpPr/>
+          <p:nvPr/>
+        </p:nvSpPr>
+        <p:spPr>
+          <a:xfrm>
+            <a:off x="1269802" y="1253728"/>
+            <a:ext cx="3808324" cy="298252"/>
+          </a:xfrm>
+          <a:prstGeom prst="rect">
+            <a:avLst/>
+          </a:prstGeom>
+          <a:noFill/>
+          <a:ln/>
+        </p:spPr>
+        <p:txBody>
+          <a:bodyPr wrap="square" lIns="88900" tIns="63500" rIns="88900" bIns="63500" rtlCol="0" anchor="t"/>
+          <a:lstStyle/>
+          <a:p>
+            <a:pPr algn="l" indent="0" marL="0">
+              <a:buNone/>
+            </a:pPr>
+            <a:r>
+              <a:rPr lang="en-US" sz="1200" b="1" dirty="0">
+                <a:solidFill>
+                  <a:srgbClr val="FFFFFF"/>
+                </a:solidFill>
+                <a:latin typeface="Arial" pitchFamily="34" charset="0"/>
+                <a:ea typeface="Arial" pitchFamily="34" charset="-122"/>
+                <a:cs typeface="Arial" pitchFamily="34" charset="-120"/>
+              </a:rPr>
+              <a:t>What You Learned</a:t>
+            </a:r>
+            <a:endParaRPr lang="en-US" sz="1200" dirty="0"/>
+          </a:p>
+        </p:txBody>
+      </p:sp>
+      <p:sp>
+        <p:nvSpPr>
+          <p:cNvPr id="8" name="Text 6"/>
+          <p:cNvSpPr/>
+          <p:nvPr/>
+        </p:nvSpPr>
+        <p:spPr>
+          <a:xfrm>
+            <a:off x="5003453" y="1253728"/>
+            <a:ext cx="3757014" cy="298252"/>
+          </a:xfrm>
+          <a:prstGeom prst="rect">
+            <a:avLst/>
+          </a:prstGeom>
+          <a:noFill/>
+          <a:ln/>
+        </p:spPr>
+        <p:txBody>
+          <a:bodyPr wrap="square" lIns="88900" tIns="63500" rIns="88900" bIns="63500" rtlCol="0" anchor="t"/>
+          <a:lstStyle/>
+          <a:p>
+            <a:pPr algn="l" indent="0" marL="0">
+              <a:buNone/>
+            </a:pPr>
+            <a:r>
+              <a:rPr lang="en-US" sz="1200" b="1" dirty="0">
+                <a:solidFill>
+                  <a:srgbClr val="FFFFFF"/>
+                </a:solidFill>
+                <a:latin typeface="Arial" pitchFamily="34" charset="0"/>
+                <a:ea typeface="Arial" pitchFamily="34" charset="-122"/>
+                <a:cs typeface="Arial" pitchFamily="34" charset="-120"/>
+              </a:rPr>
+              <a:t>Farm Analogy</a:t>
+            </a:r>
+            <a:endParaRPr lang="en-US" sz="1200" dirty="0"/>
+          </a:p>
+        </p:txBody>
+      </p:sp>
+      <p:sp>
+        <p:nvSpPr>
+          <p:cNvPr id="9" name="Text 7"/>
+          <p:cNvSpPr/>
+          <p:nvPr/>
+        </p:nvSpPr>
+        <p:spPr>
+          <a:xfrm>
+            <a:off x="457200" y="1551980"/>
+            <a:ext cx="8229600" cy="257175"/>
+          </a:xfrm>
+          <a:prstGeom prst="rect">
+            <a:avLst/>
+          </a:prstGeom>
+          <a:solidFill>
+            <a:srgbClr val="F4F1DE"/>
+          </a:solidFill>
+          <a:ln/>
+        </p:spPr>
+        <p:txBody>
+          <a:bodyPr wrap="square" rtlCol="0" anchor="ctr"/>
+          <a:lstStyle/>
+          <a:p>
+            <a:pPr indent="0" marL="0">
+              <a:buNone/>
+            </a:pPr>
+            <a:endParaRPr lang="en-US" dirty="0"/>
+          </a:p>
+        </p:txBody>
+      </p:sp>
+      <p:sp>
+        <p:nvSpPr>
+          <p:cNvPr id="10" name="Shape 8"/>
+          <p:cNvSpPr/>
+          <p:nvPr/>
+        </p:nvSpPr>
+        <p:spPr>
+          <a:xfrm>
+            <a:off x="457200" y="1804392"/>
+            <a:ext cx="8229600" cy="0"/>
+          </a:xfrm>
+          <a:prstGeom prst="line">
+            <a:avLst/>
+          </a:prstGeom>
+          <a:noFill/>
+          <a:ln w="9525">
+            <a:solidFill>
+              <a:srgbClr val="CCCCCC"/>
+            </a:solidFill>
+            <a:prstDash val="solid"/>
+          </a:ln>
+        </p:spPr>
+      </p:sp>
+      <p:sp>
+        <p:nvSpPr>
+          <p:cNvPr id="11" name="Text 9"/>
+          <p:cNvSpPr/>
+          <p:nvPr/>
+        </p:nvSpPr>
+        <p:spPr>
+          <a:xfrm>
+            <a:off x="457200" y="1551980"/>
+            <a:ext cx="828854" cy="247650"/>
+          </a:xfrm>
+          <a:prstGeom prst="rect">
+            <a:avLst/>
+          </a:prstGeom>
+          <a:noFill/>
+          <a:ln/>
+        </p:spPr>
+        <p:txBody>
+          <a:bodyPr wrap="square" lIns="88900" tIns="38100" rIns="88900" bIns="38100" rtlCol="0" anchor="t"/>
+          <a:lstStyle/>
+          <a:p>
+            <a:pPr algn="l" indent="0" marL="0">
+              <a:buNone/>
+            </a:pPr>
+            <a:r>
+              <a:rPr lang="en-US" sz="1200" dirty="0">
+                <a:solidFill>
+                  <a:srgbClr val="2C2C2C"/>
+                </a:solidFill>
+                <a:latin typeface="Arial" pitchFamily="34" charset="0"/>
+                <a:ea typeface="Arial" pitchFamily="34" charset="-122"/>
+                <a:cs typeface="Arial" pitchFamily="34" charset="-120"/>
+              </a:rPr>
+              <a:t>1</a:t>
+            </a:r>
+            <a:endParaRPr lang="en-US" sz="1200" dirty="0"/>
+          </a:p>
+        </p:txBody>
+      </p:sp>
+      <p:sp>
+        <p:nvSpPr>
+          <p:cNvPr id="12" name="Text 10"/>
+          <p:cNvSpPr/>
+          <p:nvPr/>
+        </p:nvSpPr>
+        <p:spPr>
+          <a:xfrm>
+            <a:off x="1269802" y="1551980"/>
+            <a:ext cx="3808324" cy="247650"/>
+          </a:xfrm>
+          <a:prstGeom prst="rect">
+            <a:avLst/>
+          </a:prstGeom>
+          <a:noFill/>
+          <a:ln/>
+        </p:spPr>
+        <p:txBody>
+          <a:bodyPr wrap="square" lIns="88900" tIns="38100" rIns="88900" bIns="38100" rtlCol="0" anchor="t"/>
+          <a:lstStyle/>
+          <a:p>
+            <a:pPr algn="l" indent="0" marL="0">
+              <a:buNone/>
+            </a:pPr>
+            <a:r>
+              <a:rPr lang="en-US" sz="1200" dirty="0">
+                <a:solidFill>
+                  <a:srgbClr val="2C2C2C"/>
+                </a:solidFill>
+                <a:latin typeface="Arial" pitchFamily="34" charset="0"/>
+                <a:ea typeface="Arial" pitchFamily="34" charset="-122"/>
+                <a:cs typeface="Arial" pitchFamily="34" charset="-120"/>
+              </a:rPr>
+              <a:t>GitHub navigation &amp; repositories</a:t>
+            </a:r>
+            <a:endParaRPr lang="en-US" sz="1200" dirty="0"/>
+          </a:p>
+        </p:txBody>
+      </p:sp>
+      <p:sp>
+        <p:nvSpPr>
+          <p:cNvPr id="13" name="Text 11"/>
+          <p:cNvSpPr/>
+          <p:nvPr/>
+        </p:nvSpPr>
+        <p:spPr>
+          <a:xfrm>
+            <a:off x="5003453" y="1551980"/>
+            <a:ext cx="3757014" cy="247650"/>
+          </a:xfrm>
+          <a:prstGeom prst="rect">
+            <a:avLst/>
+          </a:prstGeom>
+          <a:noFill/>
+          <a:ln/>
+        </p:spPr>
+        <p:txBody>
+          <a:bodyPr wrap="square" lIns="88900" tIns="38100" rIns="88900" bIns="38100" rtlCol="0" anchor="t"/>
+          <a:lstStyle/>
+          <a:p>
+            <a:pPr algn="l" indent="0" marL="0">
+              <a:buNone/>
+            </a:pPr>
+            <a:r>
+              <a:rPr lang="en-US" sz="1200" dirty="0">
+                <a:solidFill>
+                  <a:srgbClr val="2C2C2C"/>
+                </a:solidFill>
+                <a:latin typeface="Arial" pitchFamily="34" charset="0"/>
+                <a:ea typeface="Arial" pitchFamily="34" charset="-122"/>
+                <a:cs typeface="Arial" pitchFamily="34" charset="-120"/>
+              </a:rPr>
+              <a:t>Your digital farm office</a:t>
+            </a:r>
+            <a:endParaRPr lang="en-US" sz="1200" dirty="0"/>
+          </a:p>
+        </p:txBody>
+      </p:sp>
+      <p:sp>
+        <p:nvSpPr>
+          <p:cNvPr id="14" name="Text 12"/>
+          <p:cNvSpPr/>
+          <p:nvPr/>
+        </p:nvSpPr>
+        <p:spPr>
+          <a:xfrm>
+            <a:off x="457200" y="1809155"/>
+            <a:ext cx="8229600" cy="257175"/>
+          </a:xfrm>
+          <a:prstGeom prst="rect">
+            <a:avLst/>
+          </a:prstGeom>
+          <a:solidFill>
+            <a:srgbClr val="FFFFFF"/>
+          </a:solidFill>
+          <a:ln/>
+        </p:spPr>
+        <p:txBody>
+          <a:bodyPr wrap="square" rtlCol="0" anchor="ctr"/>
+          <a:lstStyle/>
+          <a:p>
+            <a:pPr indent="0" marL="0">
+              <a:buNone/>
+            </a:pPr>
+            <a:endParaRPr lang="en-US" dirty="0"/>
+          </a:p>
+        </p:txBody>
+      </p:sp>
+      <p:sp>
+        <p:nvSpPr>
+          <p:cNvPr id="15" name="Shape 13"/>
+          <p:cNvSpPr/>
+          <p:nvPr/>
+        </p:nvSpPr>
+        <p:spPr>
+          <a:xfrm>
+            <a:off x="457200" y="2061567"/>
+            <a:ext cx="8229600" cy="0"/>
+          </a:xfrm>
+          <a:prstGeom prst="line">
+            <a:avLst/>
+          </a:prstGeom>
+          <a:noFill/>
+          <a:ln w="9525">
+            <a:solidFill>
+              <a:srgbClr val="CCCCCC"/>
+            </a:solidFill>
+            <a:prstDash val="solid"/>
+          </a:ln>
+        </p:spPr>
+      </p:sp>
+      <p:sp>
+        <p:nvSpPr>
+          <p:cNvPr id="16" name="Text 14"/>
+          <p:cNvSpPr/>
+          <p:nvPr/>
+        </p:nvSpPr>
+        <p:spPr>
+          <a:xfrm>
+            <a:off x="457200" y="1809155"/>
+            <a:ext cx="828854" cy="247650"/>
+          </a:xfrm>
+          <a:prstGeom prst="rect">
+            <a:avLst/>
+          </a:prstGeom>
+          <a:noFill/>
+          <a:ln/>
+        </p:spPr>
+        <p:txBody>
+          <a:bodyPr wrap="square" lIns="88900" tIns="38100" rIns="88900" bIns="38100" rtlCol="0" anchor="t"/>
+          <a:lstStyle/>
+          <a:p>
+            <a:pPr algn="l" indent="0" marL="0">
+              <a:buNone/>
+            </a:pPr>
+            <a:r>
+              <a:rPr lang="en-US" sz="1200" dirty="0">
+                <a:solidFill>
+                  <a:srgbClr val="2C2C2C"/>
+                </a:solidFill>
+                <a:latin typeface="Arial" pitchFamily="34" charset="0"/>
+                <a:ea typeface="Arial" pitchFamily="34" charset="-122"/>
+                <a:cs typeface="Arial" pitchFamily="34" charset="-120"/>
+              </a:rPr>
+              <a:t>2</a:t>
+            </a:r>
+            <a:endParaRPr lang="en-US" sz="1200" dirty="0"/>
+          </a:p>
+        </p:txBody>
+      </p:sp>
+      <p:sp>
+        <p:nvSpPr>
+          <p:cNvPr id="17" name="Text 15"/>
+          <p:cNvSpPr/>
+          <p:nvPr/>
+        </p:nvSpPr>
+        <p:spPr>
+          <a:xfrm>
+            <a:off x="1269802" y="1809155"/>
+            <a:ext cx="3808324" cy="247650"/>
+          </a:xfrm>
+          <a:prstGeom prst="rect">
+            <a:avLst/>
+          </a:prstGeom>
+          <a:noFill/>
+          <a:ln/>
+        </p:spPr>
+        <p:txBody>
+          <a:bodyPr wrap="square" lIns="88900" tIns="38100" rIns="88900" bIns="38100" rtlCol="0" anchor="t"/>
+          <a:lstStyle/>
+          <a:p>
+            <a:pPr algn="l" indent="0" marL="0">
+              <a:buNone/>
+            </a:pPr>
+            <a:r>
+              <a:rPr lang="en-US" sz="1200" dirty="0">
+                <a:solidFill>
+                  <a:srgbClr val="2C2C2C"/>
+                </a:solidFill>
+                <a:latin typeface="Arial" pitchFamily="34" charset="0"/>
+                <a:ea typeface="Arial" pitchFamily="34" charset="-122"/>
+                <a:cs typeface="Arial" pitchFamily="34" charset="-120"/>
+              </a:rPr>
+              <a:t>Issues &amp; task tracking</a:t>
+            </a:r>
+            <a:endParaRPr lang="en-US" sz="1200" dirty="0"/>
+          </a:p>
+        </p:txBody>
+      </p:sp>
+      <p:sp>
+        <p:nvSpPr>
+          <p:cNvPr id="18" name="Text 16"/>
+          <p:cNvSpPr/>
+          <p:nvPr/>
+        </p:nvSpPr>
+        <p:spPr>
+          <a:xfrm>
+            <a:off x="5003453" y="1809155"/>
+            <a:ext cx="3757014" cy="247650"/>
+          </a:xfrm>
+          <a:prstGeom prst="rect">
+            <a:avLst/>
+          </a:prstGeom>
+          <a:noFill/>
+          <a:ln/>
+        </p:spPr>
+        <p:txBody>
+          <a:bodyPr wrap="square" lIns="88900" tIns="38100" rIns="88900" bIns="38100" rtlCol="0" anchor="t"/>
+          <a:lstStyle/>
+          <a:p>
+            <a:pPr algn="l" indent="0" marL="0">
+              <a:buNone/>
+            </a:pPr>
+            <a:r>
+              <a:rPr lang="en-US" sz="1200" dirty="0">
+                <a:solidFill>
+                  <a:srgbClr val="2C2C2C"/>
+                </a:solidFill>
+                <a:latin typeface="Arial" pitchFamily="34" charset="0"/>
+                <a:ea typeface="Arial" pitchFamily="34" charset="-122"/>
+                <a:cs typeface="Arial" pitchFamily="34" charset="-120"/>
+              </a:rPr>
+              <a:t>Work orders for the farm</a:t>
+            </a:r>
+            <a:endParaRPr lang="en-US" sz="1200" dirty="0"/>
+          </a:p>
+        </p:txBody>
+      </p:sp>
+      <p:sp>
+        <p:nvSpPr>
+          <p:cNvPr id="19" name="Text 17"/>
+          <p:cNvSpPr/>
+          <p:nvPr/>
+        </p:nvSpPr>
+        <p:spPr>
+          <a:xfrm>
+            <a:off x="457200" y="2066330"/>
+            <a:ext cx="8229600" cy="257175"/>
+          </a:xfrm>
+          <a:prstGeom prst="rect">
+            <a:avLst/>
+          </a:prstGeom>
+          <a:solidFill>
+            <a:srgbClr val="F4F1DE"/>
+          </a:solidFill>
+          <a:ln/>
+        </p:spPr>
+        <p:txBody>
+          <a:bodyPr wrap="square" rtlCol="0" anchor="ctr"/>
+          <a:lstStyle/>
+          <a:p>
+            <a:pPr indent="0" marL="0">
+              <a:buNone/>
+            </a:pPr>
+            <a:endParaRPr lang="en-US" dirty="0"/>
+          </a:p>
+        </p:txBody>
+      </p:sp>
+      <p:sp>
+        <p:nvSpPr>
+          <p:cNvPr id="20" name="Shape 18"/>
+          <p:cNvSpPr/>
+          <p:nvPr/>
+        </p:nvSpPr>
+        <p:spPr>
+          <a:xfrm>
+            <a:off x="457200" y="2318742"/>
+            <a:ext cx="8229600" cy="0"/>
+          </a:xfrm>
+          <a:prstGeom prst="line">
+            <a:avLst/>
+          </a:prstGeom>
+          <a:noFill/>
+          <a:ln w="9525">
+            <a:solidFill>
+              <a:srgbClr val="CCCCCC"/>
+            </a:solidFill>
+            <a:prstDash val="solid"/>
+          </a:ln>
+        </p:spPr>
+      </p:sp>
+      <p:sp>
+        <p:nvSpPr>
+          <p:cNvPr id="21" name="Text 19"/>
+          <p:cNvSpPr/>
+          <p:nvPr/>
+        </p:nvSpPr>
+        <p:spPr>
+          <a:xfrm>
+            <a:off x="457200" y="2066330"/>
+            <a:ext cx="828854" cy="247650"/>
+          </a:xfrm>
+          <a:prstGeom prst="rect">
+            <a:avLst/>
+          </a:prstGeom>
+          <a:noFill/>
+          <a:ln/>
+        </p:spPr>
+        <p:txBody>
+          <a:bodyPr wrap="square" lIns="88900" tIns="38100" rIns="88900" bIns="38100" rtlCol="0" anchor="t"/>
+          <a:lstStyle/>
+          <a:p>
+            <a:pPr algn="l" indent="0" marL="0">
+              <a:buNone/>
+            </a:pPr>
+            <a:r>
+              <a:rPr lang="en-US" sz="1200" dirty="0">
+                <a:solidFill>
+                  <a:srgbClr val="2C2C2C"/>
+                </a:solidFill>
+                <a:latin typeface="Arial" pitchFamily="34" charset="0"/>
+                <a:ea typeface="Arial" pitchFamily="34" charset="-122"/>
+                <a:cs typeface="Arial" pitchFamily="34" charset="-120"/>
+              </a:rPr>
+              <a:t>3</a:t>
+            </a:r>
+            <a:endParaRPr lang="en-US" sz="1200" dirty="0"/>
+          </a:p>
+        </p:txBody>
+      </p:sp>
+      <p:sp>
+        <p:nvSpPr>
+          <p:cNvPr id="22" name="Text 20"/>
+          <p:cNvSpPr/>
+          <p:nvPr/>
+        </p:nvSpPr>
+        <p:spPr>
+          <a:xfrm>
+            <a:off x="1269802" y="2066330"/>
+            <a:ext cx="3808324" cy="247650"/>
+          </a:xfrm>
+          <a:prstGeom prst="rect">
+            <a:avLst/>
+          </a:prstGeom>
+          <a:noFill/>
+          <a:ln/>
+        </p:spPr>
+        <p:txBody>
+          <a:bodyPr wrap="square" lIns="88900" tIns="38100" rIns="88900" bIns="38100" rtlCol="0" anchor="t"/>
+          <a:lstStyle/>
+          <a:p>
+            <a:pPr algn="l" indent="0" marL="0">
+              <a:buNone/>
+            </a:pPr>
+            <a:r>
+              <a:rPr lang="en-US" sz="1200" dirty="0">
+                <a:solidFill>
+                  <a:srgbClr val="2C2C2C"/>
+                </a:solidFill>
+                <a:latin typeface="Arial" pitchFamily="34" charset="0"/>
+                <a:ea typeface="Arial" pitchFamily="34" charset="-122"/>
+                <a:cs typeface="Arial" pitchFamily="34" charset="-120"/>
+              </a:rPr>
+              <a:t>Projects &amp; organization</a:t>
+            </a:r>
+            <a:endParaRPr lang="en-US" sz="1200" dirty="0"/>
+          </a:p>
+        </p:txBody>
+      </p:sp>
+      <p:sp>
+        <p:nvSpPr>
+          <p:cNvPr id="23" name="Text 21"/>
+          <p:cNvSpPr/>
+          <p:nvPr/>
+        </p:nvSpPr>
+        <p:spPr>
+          <a:xfrm>
+            <a:off x="5003453" y="2066330"/>
+            <a:ext cx="3757014" cy="247650"/>
+          </a:xfrm>
+          <a:prstGeom prst="rect">
+            <a:avLst/>
+          </a:prstGeom>
+          <a:noFill/>
+          <a:ln/>
+        </p:spPr>
+        <p:txBody>
+          <a:bodyPr wrap="square" lIns="88900" tIns="38100" rIns="88900" bIns="38100" rtlCol="0" anchor="t"/>
+          <a:lstStyle/>
+          <a:p>
+            <a:pPr algn="l" indent="0" marL="0">
+              <a:buNone/>
+            </a:pPr>
+            <a:r>
+              <a:rPr lang="en-US" sz="1200" dirty="0">
+                <a:solidFill>
+                  <a:srgbClr val="2C2C2C"/>
+                </a:solidFill>
+                <a:latin typeface="Arial" pitchFamily="34" charset="0"/>
+                <a:ea typeface="Arial" pitchFamily="34" charset="-122"/>
+                <a:cs typeface="Arial" pitchFamily="34" charset="-120"/>
+              </a:rPr>
+              <a:t>Your farm planning board</a:t>
+            </a:r>
+            <a:endParaRPr lang="en-US" sz="1200" dirty="0"/>
+          </a:p>
+        </p:txBody>
+      </p:sp>
+      <p:sp>
+        <p:nvSpPr>
+          <p:cNvPr id="24" name="Text 22"/>
+          <p:cNvSpPr/>
+          <p:nvPr/>
+        </p:nvSpPr>
+        <p:spPr>
+          <a:xfrm>
+            <a:off x="457200" y="2323505"/>
+            <a:ext cx="8229600" cy="257175"/>
+          </a:xfrm>
+          <a:prstGeom prst="rect">
+            <a:avLst/>
+          </a:prstGeom>
+          <a:solidFill>
+            <a:srgbClr val="FFFFFF"/>
+          </a:solidFill>
+          <a:ln/>
+        </p:spPr>
+        <p:txBody>
+          <a:bodyPr wrap="square" rtlCol="0" anchor="ctr"/>
+          <a:lstStyle/>
+          <a:p>
+            <a:pPr indent="0" marL="0">
+              <a:buNone/>
+            </a:pPr>
+            <a:endParaRPr lang="en-US" dirty="0"/>
+          </a:p>
+        </p:txBody>
+      </p:sp>
+      <p:sp>
+        <p:nvSpPr>
+          <p:cNvPr id="25" name="Shape 23"/>
+          <p:cNvSpPr/>
+          <p:nvPr/>
+        </p:nvSpPr>
+        <p:spPr>
+          <a:xfrm>
+            <a:off x="457200" y="2575917"/>
+            <a:ext cx="8229600" cy="0"/>
+          </a:xfrm>
+          <a:prstGeom prst="line">
+            <a:avLst/>
+          </a:prstGeom>
+          <a:noFill/>
+          <a:ln w="9525">
+            <a:solidFill>
+              <a:srgbClr val="CCCCCC"/>
+            </a:solidFill>
+            <a:prstDash val="solid"/>
+          </a:ln>
+        </p:spPr>
+      </p:sp>
+      <p:sp>
+        <p:nvSpPr>
+          <p:cNvPr id="26" name="Text 24"/>
+          <p:cNvSpPr/>
+          <p:nvPr/>
+        </p:nvSpPr>
+        <p:spPr>
+          <a:xfrm>
+            <a:off x="457200" y="2323505"/>
+            <a:ext cx="828854" cy="247650"/>
+          </a:xfrm>
+          <a:prstGeom prst="rect">
+            <a:avLst/>
+          </a:prstGeom>
+          <a:noFill/>
+          <a:ln/>
+        </p:spPr>
+        <p:txBody>
+          <a:bodyPr wrap="square" lIns="88900" tIns="38100" rIns="88900" bIns="38100" rtlCol="0" anchor="t"/>
+          <a:lstStyle/>
+          <a:p>
+            <a:pPr algn="l" indent="0" marL="0">
+              <a:buNone/>
+            </a:pPr>
+            <a:r>
+              <a:rPr lang="en-US" sz="1200" dirty="0">
+                <a:solidFill>
+                  <a:srgbClr val="2C2C2C"/>
+                </a:solidFill>
+                <a:latin typeface="Arial" pitchFamily="34" charset="0"/>
+                <a:ea typeface="Arial" pitchFamily="34" charset="-122"/>
+                <a:cs typeface="Arial" pitchFamily="34" charset="-120"/>
+              </a:rPr>
+              <a:t>4</a:t>
+            </a:r>
+            <a:endParaRPr lang="en-US" sz="1200" dirty="0"/>
+          </a:p>
+        </p:txBody>
+      </p:sp>
+      <p:sp>
+        <p:nvSpPr>
+          <p:cNvPr id="27" name="Text 25"/>
+          <p:cNvSpPr/>
+          <p:nvPr/>
+        </p:nvSpPr>
+        <p:spPr>
+          <a:xfrm>
+            <a:off x="1269802" y="2323505"/>
+            <a:ext cx="3808324" cy="247650"/>
+          </a:xfrm>
+          <a:prstGeom prst="rect">
+            <a:avLst/>
+          </a:prstGeom>
+          <a:noFill/>
+          <a:ln/>
+        </p:spPr>
+        <p:txBody>
+          <a:bodyPr wrap="square" lIns="88900" tIns="38100" rIns="88900" bIns="38100" rtlCol="0" anchor="t"/>
+          <a:lstStyle/>
+          <a:p>
+            <a:pPr algn="l" indent="0" marL="0">
+              <a:buNone/>
+            </a:pPr>
+            <a:r>
+              <a:rPr lang="en-US" sz="1200" dirty="0">
+                <a:solidFill>
+                  <a:srgbClr val="2C2C2C"/>
+                </a:solidFill>
+                <a:latin typeface="Arial" pitchFamily="34" charset="0"/>
+                <a:ea typeface="Arial" pitchFamily="34" charset="-122"/>
+                <a:cs typeface="Arial" pitchFamily="34" charset="-120"/>
+              </a:rPr>
+              <a:t>Pull Requests &amp; collaboration</a:t>
+            </a:r>
+            <a:endParaRPr lang="en-US" sz="1200" dirty="0"/>
+          </a:p>
+        </p:txBody>
+      </p:sp>
+      <p:sp>
+        <p:nvSpPr>
+          <p:cNvPr id="28" name="Text 26"/>
+          <p:cNvSpPr/>
+          <p:nvPr/>
+        </p:nvSpPr>
+        <p:spPr>
+          <a:xfrm>
+            <a:off x="5003453" y="2323505"/>
+            <a:ext cx="3757014" cy="247650"/>
+          </a:xfrm>
+          <a:prstGeom prst="rect">
+            <a:avLst/>
+          </a:prstGeom>
+          <a:noFill/>
+          <a:ln/>
+        </p:spPr>
+        <p:txBody>
+          <a:bodyPr wrap="square" lIns="88900" tIns="38100" rIns="88900" bIns="38100" rtlCol="0" anchor="t"/>
+          <a:lstStyle/>
+          <a:p>
+            <a:pPr algn="l" indent="0" marL="0">
+              <a:buNone/>
+            </a:pPr>
+            <a:r>
+              <a:rPr lang="en-US" sz="1200" dirty="0">
+                <a:solidFill>
+                  <a:srgbClr val="2C2C2C"/>
+                </a:solidFill>
+                <a:latin typeface="Arial" pitchFamily="34" charset="0"/>
+                <a:ea typeface="Arial" pitchFamily="34" charset="-122"/>
+                <a:cs typeface="Arial" pitchFamily="34" charset="-120"/>
+              </a:rPr>
+              <a:t>Reviewing a farmhand's work</a:t>
+            </a:r>
+            <a:endParaRPr lang="en-US" sz="1200" dirty="0"/>
+          </a:p>
+        </p:txBody>
+      </p:sp>
+      <p:sp>
+        <p:nvSpPr>
+          <p:cNvPr id="29" name="Text 27"/>
+          <p:cNvSpPr/>
+          <p:nvPr/>
+        </p:nvSpPr>
+        <p:spPr>
+          <a:xfrm>
+            <a:off x="457200" y="2580680"/>
+            <a:ext cx="8229600" cy="257175"/>
+          </a:xfrm>
+          <a:prstGeom prst="rect">
+            <a:avLst/>
+          </a:prstGeom>
+          <a:solidFill>
+            <a:srgbClr val="F4F1DE"/>
+          </a:solidFill>
+          <a:ln/>
+        </p:spPr>
+        <p:txBody>
+          <a:bodyPr wrap="square" rtlCol="0" anchor="ctr"/>
+          <a:lstStyle/>
+          <a:p>
+            <a:pPr indent="0" marL="0">
+              <a:buNone/>
+            </a:pPr>
+            <a:endParaRPr lang="en-US" dirty="0"/>
+          </a:p>
+        </p:txBody>
+      </p:sp>
+      <p:sp>
+        <p:nvSpPr>
+          <p:cNvPr id="30" name="Shape 28"/>
+          <p:cNvSpPr/>
+          <p:nvPr/>
+        </p:nvSpPr>
+        <p:spPr>
+          <a:xfrm>
+            <a:off x="457200" y="2833092"/>
+            <a:ext cx="8229600" cy="0"/>
+          </a:xfrm>
+          <a:prstGeom prst="line">
+            <a:avLst/>
+          </a:prstGeom>
+          <a:noFill/>
+          <a:ln w="9525">
+            <a:solidFill>
+              <a:srgbClr val="CCCCCC"/>
+            </a:solidFill>
+            <a:prstDash val="solid"/>
+          </a:ln>
+        </p:spPr>
+      </p:sp>
+      <p:sp>
+        <p:nvSpPr>
+          <p:cNvPr id="31" name="Text 29"/>
+          <p:cNvSpPr/>
+          <p:nvPr/>
+        </p:nvSpPr>
+        <p:spPr>
+          <a:xfrm>
+            <a:off x="457200" y="2580680"/>
+            <a:ext cx="828854" cy="247650"/>
+          </a:xfrm>
+          <a:prstGeom prst="rect">
+            <a:avLst/>
+          </a:prstGeom>
+          <a:noFill/>
+          <a:ln/>
+        </p:spPr>
+        <p:txBody>
+          <a:bodyPr wrap="square" lIns="88900" tIns="38100" rIns="88900" bIns="38100" rtlCol="0" anchor="t"/>
+          <a:lstStyle/>
+          <a:p>
+            <a:pPr algn="l" indent="0" marL="0">
+              <a:buNone/>
+            </a:pPr>
+            <a:r>
+              <a:rPr lang="en-US" sz="1200" dirty="0">
+                <a:solidFill>
+                  <a:srgbClr val="2C2C2C"/>
+                </a:solidFill>
+                <a:latin typeface="Arial" pitchFamily="34" charset="0"/>
+                <a:ea typeface="Arial" pitchFamily="34" charset="-122"/>
+                <a:cs typeface="Arial" pitchFamily="34" charset="-120"/>
+              </a:rPr>
+              <a:t>5</a:t>
+            </a:r>
+            <a:endParaRPr lang="en-US" sz="1200" dirty="0"/>
+          </a:p>
+        </p:txBody>
+      </p:sp>
+      <p:sp>
+        <p:nvSpPr>
+          <p:cNvPr id="32" name="Text 30"/>
+          <p:cNvSpPr/>
+          <p:nvPr/>
+        </p:nvSpPr>
+        <p:spPr>
+          <a:xfrm>
+            <a:off x="1269802" y="2580680"/>
+            <a:ext cx="3808324" cy="247650"/>
+          </a:xfrm>
+          <a:prstGeom prst="rect">
+            <a:avLst/>
+          </a:prstGeom>
+          <a:noFill/>
+          <a:ln/>
+        </p:spPr>
+        <p:txBody>
+          <a:bodyPr wrap="square" lIns="88900" tIns="38100" rIns="88900" bIns="38100" rtlCol="0" anchor="t"/>
+          <a:lstStyle/>
+          <a:p>
+            <a:pPr algn="l" indent="0" marL="0">
+              <a:buNone/>
+            </a:pPr>
+            <a:r>
+              <a:rPr lang="en-US" sz="1200" dirty="0">
+                <a:solidFill>
+                  <a:srgbClr val="2C2C2C"/>
+                </a:solidFill>
+                <a:latin typeface="Arial" pitchFamily="34" charset="0"/>
+                <a:ea typeface="Arial" pitchFamily="34" charset="-122"/>
+                <a:cs typeface="Arial" pitchFamily="34" charset="-120"/>
+              </a:rPr>
+              <a:t>Notifications &amp; communication</a:t>
+            </a:r>
+            <a:endParaRPr lang="en-US" sz="1200" dirty="0"/>
+          </a:p>
+        </p:txBody>
+      </p:sp>
+      <p:sp>
+        <p:nvSpPr>
+          <p:cNvPr id="33" name="Text 31"/>
+          <p:cNvSpPr/>
+          <p:nvPr/>
+        </p:nvSpPr>
+        <p:spPr>
+          <a:xfrm>
+            <a:off x="5003453" y="2580680"/>
+            <a:ext cx="3757014" cy="247650"/>
+          </a:xfrm>
+          <a:prstGeom prst="rect">
+            <a:avLst/>
+          </a:prstGeom>
+          <a:noFill/>
+          <a:ln/>
+        </p:spPr>
+        <p:txBody>
+          <a:bodyPr wrap="square" lIns="88900" tIns="38100" rIns="88900" bIns="38100" rtlCol="0" anchor="t"/>
+          <a:lstStyle/>
+          <a:p>
+            <a:pPr algn="l" indent="0" marL="0">
+              <a:buNone/>
+            </a:pPr>
+            <a:r>
+              <a:rPr lang="en-US" sz="1200" dirty="0">
+                <a:solidFill>
+                  <a:srgbClr val="2C2C2C"/>
+                </a:solidFill>
+                <a:latin typeface="Arial" pitchFamily="34" charset="0"/>
+                <a:ea typeface="Arial" pitchFamily="34" charset="-122"/>
+                <a:cs typeface="Arial" pitchFamily="34" charset="-120"/>
+              </a:rPr>
+              <a:t>Farm radio / bulletin board</a:t>
+            </a:r>
+            <a:endParaRPr lang="en-US" sz="1200" dirty="0"/>
+          </a:p>
+        </p:txBody>
+      </p:sp>
+      <p:sp>
+        <p:nvSpPr>
+          <p:cNvPr id="34" name="Text 32"/>
+          <p:cNvSpPr/>
+          <p:nvPr/>
+        </p:nvSpPr>
+        <p:spPr>
+          <a:xfrm>
+            <a:off x="457200" y="2837855"/>
+            <a:ext cx="8229600" cy="257175"/>
+          </a:xfrm>
+          <a:prstGeom prst="rect">
+            <a:avLst/>
+          </a:prstGeom>
+          <a:solidFill>
+            <a:srgbClr val="FFFFFF"/>
+          </a:solidFill>
+          <a:ln/>
+        </p:spPr>
+        <p:txBody>
+          <a:bodyPr wrap="square" rtlCol="0" anchor="ctr"/>
+          <a:lstStyle/>
+          <a:p>
+            <a:pPr indent="0" marL="0">
+              <a:buNone/>
+            </a:pPr>
+            <a:endParaRPr lang="en-US" dirty="0"/>
+          </a:p>
+        </p:txBody>
+      </p:sp>
+      <p:sp>
+        <p:nvSpPr>
+          <p:cNvPr id="35" name="Shape 33"/>
+          <p:cNvSpPr/>
+          <p:nvPr/>
+        </p:nvSpPr>
+        <p:spPr>
+          <a:xfrm>
+            <a:off x="457200" y="3090267"/>
+            <a:ext cx="8229600" cy="0"/>
+          </a:xfrm>
+          <a:prstGeom prst="line">
+            <a:avLst/>
+          </a:prstGeom>
+          <a:noFill/>
+          <a:ln w="9525">
+            <a:solidFill>
+              <a:srgbClr val="CCCCCC"/>
+            </a:solidFill>
+            <a:prstDash val="solid"/>
+          </a:ln>
+        </p:spPr>
+      </p:sp>
+      <p:sp>
+        <p:nvSpPr>
+          <p:cNvPr id="36" name="Text 34"/>
+          <p:cNvSpPr/>
+          <p:nvPr/>
+        </p:nvSpPr>
+        <p:spPr>
+          <a:xfrm>
+            <a:off x="457200" y="2837855"/>
+            <a:ext cx="828854" cy="247650"/>
+          </a:xfrm>
+          <a:prstGeom prst="rect">
+            <a:avLst/>
+          </a:prstGeom>
+          <a:noFill/>
+          <a:ln/>
+        </p:spPr>
+        <p:txBody>
+          <a:bodyPr wrap="square" lIns="88900" tIns="38100" rIns="88900" bIns="38100" rtlCol="0" anchor="t"/>
+          <a:lstStyle/>
+          <a:p>
+            <a:pPr algn="l" indent="0" marL="0">
+              <a:buNone/>
+            </a:pPr>
+            <a:r>
+              <a:rPr lang="en-US" sz="1200" dirty="0">
+                <a:solidFill>
+                  <a:srgbClr val="2C2C2C"/>
+                </a:solidFill>
+                <a:latin typeface="Arial" pitchFamily="34" charset="0"/>
+                <a:ea typeface="Arial" pitchFamily="34" charset="-122"/>
+                <a:cs typeface="Arial" pitchFamily="34" charset="-120"/>
+              </a:rPr>
+              <a:t>6</a:t>
+            </a:r>
+            <a:endParaRPr lang="en-US" sz="1200" dirty="0"/>
+          </a:p>
+        </p:txBody>
+      </p:sp>
+      <p:sp>
+        <p:nvSpPr>
+          <p:cNvPr id="37" name="Text 35"/>
+          <p:cNvSpPr/>
+          <p:nvPr/>
+        </p:nvSpPr>
+        <p:spPr>
+          <a:xfrm>
+            <a:off x="1269802" y="2837855"/>
+            <a:ext cx="3808324" cy="247650"/>
+          </a:xfrm>
+          <a:prstGeom prst="rect">
+            <a:avLst/>
+          </a:prstGeom>
+          <a:noFill/>
+          <a:ln/>
+        </p:spPr>
+        <p:txBody>
+          <a:bodyPr wrap="square" lIns="88900" tIns="38100" rIns="88900" bIns="38100" rtlCol="0" anchor="t"/>
+          <a:lstStyle/>
+          <a:p>
+            <a:pPr algn="l" indent="0" marL="0">
+              <a:buNone/>
+            </a:pPr>
+            <a:r>
+              <a:rPr lang="en-US" sz="1200" dirty="0">
+                <a:solidFill>
+                  <a:srgbClr val="2C2C2C"/>
+                </a:solidFill>
+                <a:latin typeface="Arial" pitchFamily="34" charset="0"/>
+                <a:ea typeface="Arial" pitchFamily="34" charset="-122"/>
+                <a:cs typeface="Arial" pitchFamily="34" charset="-120"/>
+              </a:rPr>
+              <a:t>Templates &amp; standardization</a:t>
+            </a:r>
+            <a:endParaRPr lang="en-US" sz="1200" dirty="0"/>
+          </a:p>
+        </p:txBody>
+      </p:sp>
+      <p:sp>
+        <p:nvSpPr>
+          <p:cNvPr id="38" name="Text 36"/>
+          <p:cNvSpPr/>
+          <p:nvPr/>
+        </p:nvSpPr>
+        <p:spPr>
+          <a:xfrm>
+            <a:off x="5003453" y="2837855"/>
+            <a:ext cx="3757014" cy="247650"/>
+          </a:xfrm>
+          <a:prstGeom prst="rect">
+            <a:avLst/>
+          </a:prstGeom>
+          <a:noFill/>
+          <a:ln/>
+        </p:spPr>
+        <p:txBody>
+          <a:bodyPr wrap="square" lIns="88900" tIns="38100" rIns="88900" bIns="38100" rtlCol="0" anchor="t"/>
+          <a:lstStyle/>
+          <a:p>
+            <a:pPr algn="l" indent="0" marL="0">
+              <a:buNone/>
+            </a:pPr>
+            <a:r>
+              <a:rPr lang="en-US" sz="1200" dirty="0">
+                <a:solidFill>
+                  <a:srgbClr val="2C2C2C"/>
+                </a:solidFill>
+                <a:latin typeface="Arial" pitchFamily="34" charset="0"/>
+                <a:ea typeface="Arial" pitchFamily="34" charset="-122"/>
+                <a:cs typeface="Arial" pitchFamily="34" charset="-120"/>
+              </a:rPr>
+              <a:t>Pre-printed work order forms</a:t>
+            </a:r>
+            <a:endParaRPr lang="en-US" sz="1200" dirty="0"/>
+          </a:p>
+        </p:txBody>
+      </p:sp>
+      <p:sp>
+        <p:nvSpPr>
+          <p:cNvPr id="39" name="Text 37"/>
+          <p:cNvSpPr/>
+          <p:nvPr/>
+        </p:nvSpPr>
+        <p:spPr>
+          <a:xfrm>
+            <a:off x="457200" y="3095030"/>
+            <a:ext cx="8229600" cy="257175"/>
+          </a:xfrm>
+          <a:prstGeom prst="rect">
+            <a:avLst/>
+          </a:prstGeom>
+          <a:solidFill>
+            <a:srgbClr val="F4F1DE"/>
+          </a:solidFill>
+          <a:ln/>
+        </p:spPr>
+        <p:txBody>
+          <a:bodyPr wrap="square" rtlCol="0" anchor="ctr"/>
+          <a:lstStyle/>
+          <a:p>
+            <a:pPr indent="0" marL="0">
+              <a:buNone/>
+            </a:pPr>
+            <a:endParaRPr lang="en-US" dirty="0"/>
+          </a:p>
+        </p:txBody>
+      </p:sp>
+      <p:sp>
+        <p:nvSpPr>
+          <p:cNvPr id="40" name="Shape 38"/>
+          <p:cNvSpPr/>
+          <p:nvPr/>
+        </p:nvSpPr>
+        <p:spPr>
+          <a:xfrm>
+            <a:off x="457200" y="3347442"/>
+            <a:ext cx="8229600" cy="0"/>
+          </a:xfrm>
+          <a:prstGeom prst="line">
+            <a:avLst/>
+          </a:prstGeom>
+          <a:noFill/>
+          <a:ln w="9525">
+            <a:solidFill>
+              <a:srgbClr val="CCCCCC"/>
+            </a:solidFill>
+            <a:prstDash val="solid"/>
+          </a:ln>
+        </p:spPr>
+      </p:sp>
+      <p:sp>
+        <p:nvSpPr>
+          <p:cNvPr id="41" name="Text 39"/>
+          <p:cNvSpPr/>
+          <p:nvPr/>
+        </p:nvSpPr>
+        <p:spPr>
+          <a:xfrm>
+            <a:off x="457200" y="3095030"/>
+            <a:ext cx="828854" cy="247650"/>
+          </a:xfrm>
+          <a:prstGeom prst="rect">
+            <a:avLst/>
+          </a:prstGeom>
+          <a:noFill/>
+          <a:ln/>
+        </p:spPr>
+        <p:txBody>
+          <a:bodyPr wrap="square" lIns="88900" tIns="38100" rIns="88900" bIns="38100" rtlCol="0" anchor="t"/>
+          <a:lstStyle/>
+          <a:p>
+            <a:pPr algn="l" indent="0" marL="0">
+              <a:buNone/>
+            </a:pPr>
+            <a:r>
+              <a:rPr lang="en-US" sz="1200" dirty="0">
+                <a:solidFill>
+                  <a:srgbClr val="2C2C2C"/>
+                </a:solidFill>
+                <a:latin typeface="Arial" pitchFamily="34" charset="0"/>
+                <a:ea typeface="Arial" pitchFamily="34" charset="-122"/>
+                <a:cs typeface="Arial" pitchFamily="34" charset="-120"/>
+              </a:rPr>
+              <a:t>7</a:t>
+            </a:r>
+            <a:endParaRPr lang="en-US" sz="1200" dirty="0"/>
+          </a:p>
+        </p:txBody>
+      </p:sp>
+      <p:sp>
+        <p:nvSpPr>
+          <p:cNvPr id="42" name="Text 40"/>
+          <p:cNvSpPr/>
+          <p:nvPr/>
+        </p:nvSpPr>
+        <p:spPr>
+          <a:xfrm>
+            <a:off x="1269802" y="3095030"/>
+            <a:ext cx="3808324" cy="247650"/>
+          </a:xfrm>
+          <a:prstGeom prst="rect">
+            <a:avLst/>
+          </a:prstGeom>
+          <a:noFill/>
+          <a:ln/>
+        </p:spPr>
+        <p:txBody>
+          <a:bodyPr wrap="square" lIns="88900" tIns="38100" rIns="88900" bIns="38100" rtlCol="0" anchor="t"/>
+          <a:lstStyle/>
+          <a:p>
+            <a:pPr algn="l" indent="0" marL="0">
+              <a:buNone/>
+            </a:pPr>
+            <a:r>
+              <a:rPr lang="en-US" sz="1200" dirty="0">
+                <a:solidFill>
+                  <a:srgbClr val="2C2C2C"/>
+                </a:solidFill>
+                <a:latin typeface="Arial" pitchFamily="34" charset="0"/>
+                <a:ea typeface="Arial" pitchFamily="34" charset="-122"/>
+                <a:cs typeface="Arial" pitchFamily="34" charset="-120"/>
+              </a:rPr>
+              <a:t>YAML &amp; configuration basics</a:t>
+            </a:r>
+            <a:endParaRPr lang="en-US" sz="1200" dirty="0"/>
+          </a:p>
+        </p:txBody>
+      </p:sp>
+      <p:sp>
+        <p:nvSpPr>
+          <p:cNvPr id="43" name="Text 41"/>
+          <p:cNvSpPr/>
+          <p:nvPr/>
+        </p:nvSpPr>
+        <p:spPr>
+          <a:xfrm>
+            <a:off x="5003453" y="3095030"/>
+            <a:ext cx="3757014" cy="247650"/>
+          </a:xfrm>
+          <a:prstGeom prst="rect">
+            <a:avLst/>
+          </a:prstGeom>
+          <a:noFill/>
+          <a:ln/>
+        </p:spPr>
+        <p:txBody>
+          <a:bodyPr wrap="square" lIns="88900" tIns="38100" rIns="88900" bIns="38100" rtlCol="0" anchor="t"/>
+          <a:lstStyle/>
+          <a:p>
+            <a:pPr algn="l" indent="0" marL="0">
+              <a:buNone/>
+            </a:pPr>
+            <a:r>
+              <a:rPr lang="en-US" sz="1200" dirty="0">
+                <a:solidFill>
+                  <a:srgbClr val="2C2C2C"/>
+                </a:solidFill>
+                <a:latin typeface="Arial" pitchFamily="34" charset="0"/>
+                <a:ea typeface="Arial" pitchFamily="34" charset="-122"/>
+                <a:cs typeface="Arial" pitchFamily="34" charset="-120"/>
+              </a:rPr>
+              <a:t>Recipes for automation</a:t>
+            </a:r>
+            <a:endParaRPr lang="en-US" sz="1200" dirty="0"/>
+          </a:p>
+        </p:txBody>
+      </p:sp>
+      <p:sp>
+        <p:nvSpPr>
+          <p:cNvPr id="44" name="Text 42"/>
+          <p:cNvSpPr/>
+          <p:nvPr/>
+        </p:nvSpPr>
+        <p:spPr>
+          <a:xfrm>
+            <a:off x="457200" y="3352205"/>
+            <a:ext cx="8229600" cy="257175"/>
+          </a:xfrm>
+          <a:prstGeom prst="rect">
+            <a:avLst/>
+          </a:prstGeom>
+          <a:solidFill>
+            <a:srgbClr val="FFFFFF"/>
+          </a:solidFill>
+          <a:ln/>
+        </p:spPr>
+        <p:txBody>
+          <a:bodyPr wrap="square" rtlCol="0" anchor="ctr"/>
+          <a:lstStyle/>
+          <a:p>
+            <a:pPr indent="0" marL="0">
+              <a:buNone/>
+            </a:pPr>
+            <a:endParaRPr lang="en-US" dirty="0"/>
+          </a:p>
+        </p:txBody>
+      </p:sp>
+      <p:sp>
+        <p:nvSpPr>
+          <p:cNvPr id="45" name="Shape 43"/>
+          <p:cNvSpPr/>
+          <p:nvPr/>
+        </p:nvSpPr>
+        <p:spPr>
+          <a:xfrm>
+            <a:off x="457200" y="3604617"/>
+            <a:ext cx="8229600" cy="0"/>
+          </a:xfrm>
+          <a:prstGeom prst="line">
+            <a:avLst/>
+          </a:prstGeom>
+          <a:noFill/>
+          <a:ln w="9525">
+            <a:solidFill>
+              <a:srgbClr val="CCCCCC"/>
+            </a:solidFill>
+            <a:prstDash val="solid"/>
+          </a:ln>
+        </p:spPr>
+      </p:sp>
+      <p:sp>
+        <p:nvSpPr>
+          <p:cNvPr id="46" name="Text 44"/>
+          <p:cNvSpPr/>
+          <p:nvPr/>
+        </p:nvSpPr>
+        <p:spPr>
+          <a:xfrm>
+            <a:off x="457200" y="3352205"/>
+            <a:ext cx="828854" cy="247650"/>
+          </a:xfrm>
+          <a:prstGeom prst="rect">
+            <a:avLst/>
+          </a:prstGeom>
+          <a:noFill/>
+          <a:ln/>
+        </p:spPr>
+        <p:txBody>
+          <a:bodyPr wrap="square" lIns="88900" tIns="38100" rIns="88900" bIns="38100" rtlCol="0" anchor="t"/>
+          <a:lstStyle/>
+          <a:p>
+            <a:pPr algn="l" indent="0" marL="0">
+              <a:buNone/>
+            </a:pPr>
+            <a:r>
+              <a:rPr lang="en-US" sz="1200" dirty="0">
+                <a:solidFill>
+                  <a:srgbClr val="2C2C2C"/>
+                </a:solidFill>
+                <a:latin typeface="Arial" pitchFamily="34" charset="0"/>
+                <a:ea typeface="Arial" pitchFamily="34" charset="-122"/>
+                <a:cs typeface="Arial" pitchFamily="34" charset="-120"/>
+              </a:rPr>
+              <a:t>8</a:t>
+            </a:r>
+            <a:endParaRPr lang="en-US" sz="1200" dirty="0"/>
+          </a:p>
+        </p:txBody>
+      </p:sp>
+      <p:sp>
+        <p:nvSpPr>
+          <p:cNvPr id="47" name="Text 45"/>
+          <p:cNvSpPr/>
+          <p:nvPr/>
+        </p:nvSpPr>
+        <p:spPr>
+          <a:xfrm>
+            <a:off x="1269802" y="3352205"/>
+            <a:ext cx="3808324" cy="247650"/>
+          </a:xfrm>
+          <a:prstGeom prst="rect">
+            <a:avLst/>
+          </a:prstGeom>
+          <a:noFill/>
+          <a:ln/>
+        </p:spPr>
+        <p:txBody>
+          <a:bodyPr wrap="square" lIns="88900" tIns="38100" rIns="88900" bIns="38100" rtlCol="0" anchor="t"/>
+          <a:lstStyle/>
+          <a:p>
+            <a:pPr algn="l" indent="0" marL="0">
+              <a:buNone/>
+            </a:pPr>
+            <a:r>
+              <a:rPr lang="en-US" sz="1200" dirty="0">
+                <a:solidFill>
+                  <a:srgbClr val="2C2C2C"/>
+                </a:solidFill>
+                <a:latin typeface="Arial" pitchFamily="34" charset="0"/>
+                <a:ea typeface="Arial" pitchFamily="34" charset="-122"/>
+                <a:cs typeface="Arial" pitchFamily="34" charset="-120"/>
+              </a:rPr>
+              <a:t>GitHub Actions &amp; automation</a:t>
+            </a:r>
+            <a:endParaRPr lang="en-US" sz="1200" dirty="0"/>
+          </a:p>
+        </p:txBody>
+      </p:sp>
+      <p:sp>
+        <p:nvSpPr>
+          <p:cNvPr id="48" name="Text 46"/>
+          <p:cNvSpPr/>
+          <p:nvPr/>
+        </p:nvSpPr>
+        <p:spPr>
+          <a:xfrm>
+            <a:off x="5003453" y="3352205"/>
+            <a:ext cx="3757014" cy="247650"/>
+          </a:xfrm>
+          <a:prstGeom prst="rect">
+            <a:avLst/>
+          </a:prstGeom>
+          <a:noFill/>
+          <a:ln/>
+        </p:spPr>
+        <p:txBody>
+          <a:bodyPr wrap="square" lIns="88900" tIns="38100" rIns="88900" bIns="38100" rtlCol="0" anchor="t"/>
+          <a:lstStyle/>
+          <a:p>
+            <a:pPr algn="l" indent="0" marL="0">
+              <a:buNone/>
+            </a:pPr>
+            <a:r>
+              <a:rPr lang="en-US" sz="1200" dirty="0">
+                <a:solidFill>
+                  <a:srgbClr val="2C2C2C"/>
+                </a:solidFill>
+                <a:latin typeface="Arial" pitchFamily="34" charset="0"/>
+                <a:ea typeface="Arial" pitchFamily="34" charset="-122"/>
+                <a:cs typeface="Arial" pitchFamily="34" charset="-120"/>
+              </a:rPr>
+              <a:t>Automated irrigation timer</a:t>
+            </a:r>
+            <a:endParaRPr lang="en-US" sz="1200" dirty="0"/>
+          </a:p>
+        </p:txBody>
+      </p:sp>
+      <p:sp>
+        <p:nvSpPr>
+          <p:cNvPr id="49" name="Text 47"/>
+          <p:cNvSpPr/>
+          <p:nvPr/>
+        </p:nvSpPr>
+        <p:spPr>
+          <a:xfrm>
+            <a:off x="457200" y="3609380"/>
+            <a:ext cx="8229600" cy="257175"/>
+          </a:xfrm>
+          <a:prstGeom prst="rect">
+            <a:avLst/>
+          </a:prstGeom>
+          <a:solidFill>
+            <a:srgbClr val="F4F1DE"/>
+          </a:solidFill>
+          <a:ln/>
+        </p:spPr>
+        <p:txBody>
+          <a:bodyPr wrap="square" rtlCol="0" anchor="ctr"/>
+          <a:lstStyle/>
+          <a:p>
+            <a:pPr indent="0" marL="0">
+              <a:buNone/>
+            </a:pPr>
+            <a:endParaRPr lang="en-US" dirty="0"/>
+          </a:p>
+        </p:txBody>
+      </p:sp>
+      <p:sp>
+        <p:nvSpPr>
+          <p:cNvPr id="50" name="Shape 48"/>
+          <p:cNvSpPr/>
+          <p:nvPr/>
+        </p:nvSpPr>
+        <p:spPr>
+          <a:xfrm>
+            <a:off x="457200" y="3861792"/>
+            <a:ext cx="8229600" cy="0"/>
+          </a:xfrm>
+          <a:prstGeom prst="line">
+            <a:avLst/>
+          </a:prstGeom>
+          <a:noFill/>
+          <a:ln w="9525">
+            <a:solidFill>
+              <a:srgbClr val="CCCCCC"/>
+            </a:solidFill>
+            <a:prstDash val="solid"/>
+          </a:ln>
+        </p:spPr>
+      </p:sp>
+      <p:sp>
+        <p:nvSpPr>
+          <p:cNvPr id="51" name="Text 49"/>
+          <p:cNvSpPr/>
+          <p:nvPr/>
+        </p:nvSpPr>
+        <p:spPr>
+          <a:xfrm>
+            <a:off x="457200" y="3609380"/>
+            <a:ext cx="828854" cy="247650"/>
+          </a:xfrm>
+          <a:prstGeom prst="rect">
+            <a:avLst/>
+          </a:prstGeom>
+          <a:noFill/>
+          <a:ln/>
+        </p:spPr>
+        <p:txBody>
+          <a:bodyPr wrap="square" lIns="88900" tIns="38100" rIns="88900" bIns="38100" rtlCol="0" anchor="t"/>
+          <a:lstStyle/>
+          <a:p>
+            <a:pPr algn="l" indent="0" marL="0">
+              <a:buNone/>
+            </a:pPr>
+            <a:r>
+              <a:rPr lang="en-US" sz="1200" dirty="0">
+                <a:solidFill>
+                  <a:srgbClr val="2C2C2C"/>
+                </a:solidFill>
+                <a:latin typeface="Arial" pitchFamily="34" charset="0"/>
+                <a:ea typeface="Arial" pitchFamily="34" charset="-122"/>
+                <a:cs typeface="Arial" pitchFamily="34" charset="-120"/>
+              </a:rPr>
+              <a:t>9</a:t>
+            </a:r>
+            <a:endParaRPr lang="en-US" sz="1200" dirty="0"/>
+          </a:p>
+        </p:txBody>
+      </p:sp>
+      <p:sp>
+        <p:nvSpPr>
+          <p:cNvPr id="52" name="Text 50"/>
+          <p:cNvSpPr/>
+          <p:nvPr/>
+        </p:nvSpPr>
+        <p:spPr>
+          <a:xfrm>
+            <a:off x="1269802" y="3609380"/>
+            <a:ext cx="3808324" cy="247650"/>
+          </a:xfrm>
+          <a:prstGeom prst="rect">
+            <a:avLst/>
+          </a:prstGeom>
+          <a:noFill/>
+          <a:ln/>
+        </p:spPr>
+        <p:txBody>
+          <a:bodyPr wrap="square" lIns="88900" tIns="38100" rIns="88900" bIns="38100" rtlCol="0" anchor="t"/>
+          <a:lstStyle/>
+          <a:p>
+            <a:pPr algn="l" indent="0" marL="0">
+              <a:buNone/>
+            </a:pPr>
+            <a:r>
+              <a:rPr lang="en-US" sz="1200" dirty="0">
+                <a:solidFill>
+                  <a:srgbClr val="2C2C2C"/>
+                </a:solidFill>
+                <a:latin typeface="Arial" pitchFamily="34" charset="0"/>
+                <a:ea typeface="Arial" pitchFamily="34" charset="-122"/>
+                <a:cs typeface="Arial" pitchFamily="34" charset="-120"/>
+              </a:rPr>
+              <a:t>Advanced Projects</a:t>
+            </a:r>
+            <a:endParaRPr lang="en-US" sz="1200" dirty="0"/>
+          </a:p>
+        </p:txBody>
+      </p:sp>
+      <p:sp>
+        <p:nvSpPr>
+          <p:cNvPr id="53" name="Text 51"/>
+          <p:cNvSpPr/>
+          <p:nvPr/>
+        </p:nvSpPr>
+        <p:spPr>
+          <a:xfrm>
+            <a:off x="5003453" y="3609380"/>
+            <a:ext cx="3757014" cy="247650"/>
+          </a:xfrm>
+          <a:prstGeom prst="rect">
+            <a:avLst/>
+          </a:prstGeom>
+          <a:noFill/>
+          <a:ln/>
+        </p:spPr>
+        <p:txBody>
+          <a:bodyPr wrap="square" lIns="88900" tIns="38100" rIns="88900" bIns="38100" rtlCol="0" anchor="t"/>
+          <a:lstStyle/>
+          <a:p>
+            <a:pPr algn="l" indent="0" marL="0">
+              <a:buNone/>
+            </a:pPr>
+            <a:r>
+              <a:rPr lang="en-US" sz="1200" dirty="0">
+                <a:solidFill>
+                  <a:srgbClr val="2C2C2C"/>
+                </a:solidFill>
+                <a:latin typeface="Arial" pitchFamily="34" charset="0"/>
+                <a:ea typeface="Arial" pitchFamily="34" charset="-122"/>
+                <a:cs typeface="Arial" pitchFamily="34" charset="-120"/>
+              </a:rPr>
+              <a:t>The master farm calendar</a:t>
+            </a:r>
+            <a:endParaRPr lang="en-US" sz="1200" dirty="0"/>
+          </a:p>
+        </p:txBody>
+      </p:sp>
+      <p:sp>
+        <p:nvSpPr>
+          <p:cNvPr id="54" name="Text 52"/>
+          <p:cNvSpPr/>
+          <p:nvPr/>
+        </p:nvSpPr>
+        <p:spPr>
+          <a:xfrm>
+            <a:off x="457200" y="3866555"/>
+            <a:ext cx="8229600" cy="257175"/>
+          </a:xfrm>
+          <a:prstGeom prst="rect">
+            <a:avLst/>
+          </a:prstGeom>
+          <a:solidFill>
+            <a:srgbClr val="FFFFFF"/>
+          </a:solidFill>
+          <a:ln/>
+        </p:spPr>
+        <p:txBody>
+          <a:bodyPr wrap="square" rtlCol="0" anchor="ctr"/>
+          <a:lstStyle/>
+          <a:p>
+            <a:pPr indent="0" marL="0">
+              <a:buNone/>
+            </a:pPr>
+            <a:endParaRPr lang="en-US" dirty="0"/>
+          </a:p>
+        </p:txBody>
+      </p:sp>
+      <p:sp>
+        <p:nvSpPr>
+          <p:cNvPr id="55" name="Shape 53"/>
+          <p:cNvSpPr/>
+          <p:nvPr/>
+        </p:nvSpPr>
+        <p:spPr>
+          <a:xfrm>
+            <a:off x="457200" y="4118967"/>
+            <a:ext cx="8229600" cy="0"/>
+          </a:xfrm>
+          <a:prstGeom prst="line">
+            <a:avLst/>
+          </a:prstGeom>
+          <a:noFill/>
+          <a:ln w="9525">
+            <a:solidFill>
+              <a:srgbClr val="CCCCCC"/>
+            </a:solidFill>
+            <a:prstDash val="solid"/>
+          </a:ln>
+        </p:spPr>
+      </p:sp>
+      <p:sp>
+        <p:nvSpPr>
+          <p:cNvPr id="56" name="Text 54"/>
+          <p:cNvSpPr/>
+          <p:nvPr/>
+        </p:nvSpPr>
+        <p:spPr>
+          <a:xfrm>
+            <a:off x="457200" y="3866555"/>
+            <a:ext cx="828854" cy="247650"/>
+          </a:xfrm>
+          <a:prstGeom prst="rect">
+            <a:avLst/>
+          </a:prstGeom>
+          <a:noFill/>
+          <a:ln/>
+        </p:spPr>
+        <p:txBody>
+          <a:bodyPr wrap="square" lIns="88900" tIns="38100" rIns="88900" bIns="38100" rtlCol="0" anchor="t"/>
+          <a:lstStyle/>
+          <a:p>
+            <a:pPr algn="l" indent="0" marL="0">
+              <a:buNone/>
+            </a:pPr>
+            <a:r>
+              <a:rPr lang="en-US" sz="1200" dirty="0">
+                <a:solidFill>
+                  <a:srgbClr val="2C2C2C"/>
+                </a:solidFill>
+                <a:latin typeface="Arial" pitchFamily="34" charset="0"/>
+                <a:ea typeface="Arial" pitchFamily="34" charset="-122"/>
+                <a:cs typeface="Arial" pitchFamily="34" charset="-120"/>
+              </a:rPr>
+              <a:t>10</a:t>
+            </a:r>
+            <a:endParaRPr lang="en-US" sz="1200" dirty="0"/>
+          </a:p>
+        </p:txBody>
+      </p:sp>
+      <p:sp>
+        <p:nvSpPr>
+          <p:cNvPr id="57" name="Text 55"/>
+          <p:cNvSpPr/>
+          <p:nvPr/>
+        </p:nvSpPr>
+        <p:spPr>
+          <a:xfrm>
+            <a:off x="1269802" y="3866555"/>
+            <a:ext cx="3808324" cy="247650"/>
+          </a:xfrm>
+          <a:prstGeom prst="rect">
+            <a:avLst/>
+          </a:prstGeom>
+          <a:noFill/>
+          <a:ln/>
+        </p:spPr>
+        <p:txBody>
+          <a:bodyPr wrap="square" lIns="88900" tIns="38100" rIns="88900" bIns="38100" rtlCol="0" anchor="t"/>
+          <a:lstStyle/>
+          <a:p>
+            <a:pPr algn="l" indent="0" marL="0">
+              <a:buNone/>
+            </a:pPr>
+            <a:r>
+              <a:rPr lang="en-US" sz="1200" dirty="0">
+                <a:solidFill>
+                  <a:srgbClr val="2C2C2C"/>
+                </a:solidFill>
+                <a:latin typeface="Arial" pitchFamily="34" charset="0"/>
+                <a:ea typeface="Arial" pitchFamily="34" charset="-122"/>
+                <a:cs typeface="Arial" pitchFamily="34" charset="-120"/>
+              </a:rPr>
+              <a:t>GitHub Copilot</a:t>
+            </a:r>
+            <a:endParaRPr lang="en-US" sz="1200" dirty="0"/>
+          </a:p>
+        </p:txBody>
+      </p:sp>
+      <p:sp>
+        <p:nvSpPr>
+          <p:cNvPr id="58" name="Text 56"/>
+          <p:cNvSpPr/>
+          <p:nvPr/>
+        </p:nvSpPr>
+        <p:spPr>
+          <a:xfrm>
+            <a:off x="5003453" y="3866555"/>
+            <a:ext cx="3757014" cy="247650"/>
+          </a:xfrm>
+          <a:prstGeom prst="rect">
+            <a:avLst/>
+          </a:prstGeom>
+          <a:noFill/>
+          <a:ln/>
+        </p:spPr>
+        <p:txBody>
+          <a:bodyPr wrap="square" lIns="88900" tIns="38100" rIns="88900" bIns="38100" rtlCol="0" anchor="t"/>
+          <a:lstStyle/>
+          <a:p>
+            <a:pPr algn="l" indent="0" marL="0">
+              <a:buNone/>
+            </a:pPr>
+            <a:r>
+              <a:rPr lang="en-US" sz="1200" dirty="0">
+                <a:solidFill>
+                  <a:srgbClr val="2C2C2C"/>
+                </a:solidFill>
+                <a:latin typeface="Arial" pitchFamily="34" charset="0"/>
+                <a:ea typeface="Arial" pitchFamily="34" charset="-122"/>
+                <a:cs typeface="Arial" pitchFamily="34" charset="-120"/>
+              </a:rPr>
+              <a:t>Your AI writing assistant</a:t>
+            </a:r>
+            <a:endParaRPr lang="en-US" sz="1200" dirty="0"/>
+          </a:p>
+        </p:txBody>
+      </p:sp>
+      <p:sp>
+        <p:nvSpPr>
+          <p:cNvPr id="59" name="Text 57"/>
+          <p:cNvSpPr/>
+          <p:nvPr/>
+        </p:nvSpPr>
+        <p:spPr>
+          <a:xfrm>
+            <a:off x="457200" y="4123730"/>
+            <a:ext cx="8229600" cy="257175"/>
+          </a:xfrm>
+          <a:prstGeom prst="rect">
+            <a:avLst/>
+          </a:prstGeom>
+          <a:solidFill>
+            <a:srgbClr val="F4F1DE"/>
+          </a:solidFill>
+          <a:ln/>
+        </p:spPr>
+        <p:txBody>
+          <a:bodyPr wrap="square" rtlCol="0" anchor="ctr"/>
+          <a:lstStyle/>
+          <a:p>
+            <a:pPr indent="0" marL="0">
+              <a:buNone/>
+            </a:pPr>
+            <a:endParaRPr lang="en-US" dirty="0"/>
+          </a:p>
+        </p:txBody>
+      </p:sp>
+      <p:sp>
+        <p:nvSpPr>
+          <p:cNvPr id="60" name="Shape 58"/>
+          <p:cNvSpPr/>
+          <p:nvPr/>
+        </p:nvSpPr>
+        <p:spPr>
+          <a:xfrm>
+            <a:off x="457200" y="4376142"/>
+            <a:ext cx="8229600" cy="0"/>
+          </a:xfrm>
+          <a:prstGeom prst="line">
+            <a:avLst/>
+          </a:prstGeom>
+          <a:noFill/>
+          <a:ln w="9525">
+            <a:solidFill>
+              <a:srgbClr val="CCCCCC"/>
+            </a:solidFill>
+            <a:prstDash val="solid"/>
+          </a:ln>
+        </p:spPr>
+      </p:sp>
+      <p:sp>
+        <p:nvSpPr>
+          <p:cNvPr id="61" name="Text 59"/>
+          <p:cNvSpPr/>
+          <p:nvPr/>
+        </p:nvSpPr>
+        <p:spPr>
+          <a:xfrm>
+            <a:off x="457200" y="4123730"/>
+            <a:ext cx="828854" cy="247650"/>
+          </a:xfrm>
+          <a:prstGeom prst="rect">
+            <a:avLst/>
+          </a:prstGeom>
+          <a:noFill/>
+          <a:ln/>
+        </p:spPr>
+        <p:txBody>
+          <a:bodyPr wrap="square" lIns="88900" tIns="38100" rIns="88900" bIns="38100" rtlCol="0" anchor="t"/>
+          <a:lstStyle/>
+          <a:p>
+            <a:pPr algn="l" indent="0" marL="0">
+              <a:buNone/>
+            </a:pPr>
+            <a:r>
+              <a:rPr lang="en-US" sz="1200" dirty="0">
+                <a:solidFill>
+                  <a:srgbClr val="2C2C2C"/>
+                </a:solidFill>
+                <a:latin typeface="Arial" pitchFamily="34" charset="0"/>
+                <a:ea typeface="Arial" pitchFamily="34" charset="-122"/>
+                <a:cs typeface="Arial" pitchFamily="34" charset="-120"/>
+              </a:rPr>
+              <a:t>11</a:t>
+            </a:r>
+            <a:endParaRPr lang="en-US" sz="1200" dirty="0"/>
+          </a:p>
+        </p:txBody>
+      </p:sp>
+      <p:sp>
+        <p:nvSpPr>
+          <p:cNvPr id="62" name="Text 60"/>
+          <p:cNvSpPr/>
+          <p:nvPr/>
+        </p:nvSpPr>
+        <p:spPr>
+          <a:xfrm>
+            <a:off x="1269802" y="4123730"/>
+            <a:ext cx="3808324" cy="247650"/>
+          </a:xfrm>
+          <a:prstGeom prst="rect">
+            <a:avLst/>
+          </a:prstGeom>
+          <a:noFill/>
+          <a:ln/>
+        </p:spPr>
+        <p:txBody>
+          <a:bodyPr wrap="square" lIns="88900" tIns="38100" rIns="88900" bIns="38100" rtlCol="0" anchor="t"/>
+          <a:lstStyle/>
+          <a:p>
+            <a:pPr algn="l" indent="0" marL="0">
+              <a:buNone/>
+            </a:pPr>
+            <a:r>
+              <a:rPr lang="en-US" sz="1200" dirty="0">
+                <a:solidFill>
+                  <a:srgbClr val="2C2C2C"/>
+                </a:solidFill>
+                <a:latin typeface="Arial" pitchFamily="34" charset="0"/>
+                <a:ea typeface="Arial" pitchFamily="34" charset="-122"/>
+                <a:cs typeface="Arial" pitchFamily="34" charset="-120"/>
+              </a:rPr>
+              <a:t>Spark &amp; Copilot Agents</a:t>
+            </a:r>
+            <a:endParaRPr lang="en-US" sz="1200" dirty="0"/>
+          </a:p>
+        </p:txBody>
+      </p:sp>
+      <p:sp>
+        <p:nvSpPr>
+          <p:cNvPr id="63" name="Text 61"/>
+          <p:cNvSpPr/>
+          <p:nvPr/>
+        </p:nvSpPr>
+        <p:spPr>
+          <a:xfrm>
+            <a:off x="5003453" y="4123730"/>
+            <a:ext cx="3757014" cy="247650"/>
+          </a:xfrm>
+          <a:prstGeom prst="rect">
+            <a:avLst/>
+          </a:prstGeom>
+          <a:noFill/>
+          <a:ln/>
+        </p:spPr>
+        <p:txBody>
+          <a:bodyPr wrap="square" lIns="88900" tIns="38100" rIns="88900" bIns="38100" rtlCol="0" anchor="t"/>
+          <a:lstStyle/>
+          <a:p>
+            <a:pPr algn="l" indent="0" marL="0">
+              <a:buNone/>
+            </a:pPr>
+            <a:r>
+              <a:rPr lang="en-US" sz="1200" dirty="0">
+                <a:solidFill>
+                  <a:srgbClr val="2C2C2C"/>
+                </a:solidFill>
+                <a:latin typeface="Arial" pitchFamily="34" charset="0"/>
+                <a:ea typeface="Arial" pitchFamily="34" charset="-122"/>
+                <a:cs typeface="Arial" pitchFamily="34" charset="-120"/>
+              </a:rPr>
+              <a:t>Your digital farmhand team</a:t>
+            </a:r>
+            <a:endParaRPr lang="en-US" sz="1200" dirty="0"/>
+          </a:p>
+        </p:txBody>
+      </p:sp>
+      <p:sp>
+        <p:nvSpPr>
+          <p:cNvPr id="64" name="Text 62"/>
+          <p:cNvSpPr/>
+          <p:nvPr/>
+        </p:nvSpPr>
+        <p:spPr>
+          <a:xfrm>
+            <a:off x="457200" y="4431655"/>
+            <a:ext cx="8394192" cy="238125"/>
+          </a:xfrm>
+          <a:prstGeom prst="rect">
+            <a:avLst/>
+          </a:prstGeom>
+          <a:noFill/>
+          <a:ln/>
+        </p:spPr>
+        <p:txBody>
+          <a:bodyPr wrap="square" lIns="0" tIns="0" rIns="0" bIns="0" rtlCol="0" anchor="t"/>
+          <a:lstStyle/>
+          <a:p>
+            <a:pPr algn="l" indent="0" marL="0">
+              <a:buNone/>
+            </a:pPr>
+            <a:r>
+              <a:rPr lang="en-US" sz="1600" b="1" dirty="0">
+                <a:solidFill>
+                  <a:srgbClr val="2C2C2C"/>
+                </a:solidFill>
+                <a:latin typeface="Arial" pitchFamily="34" charset="0"/>
+                <a:ea typeface="Arial" pitchFamily="34" charset="-122"/>
+                <a:cs typeface="Arial" pitchFamily="34" charset="-120"/>
+              </a:rPr>
+              <a:t>Today: You combine ALL of these into one complete system.</a:t>
+            </a:r>
+            <a:endParaRPr lang="en-US" sz="1600" dirty="0"/>
           </a:p>
         </p:txBody>
       </p:sp>
@@ -10131,7 +13891,7 @@
     <p:bg>
       <p:bgPr>
         <a:solidFill>
-          <a:srgbClr val="FFFFFF"/>
+          <a:srgbClr val="F4F1DE"/>
         </a:solidFill>
       </p:bgPr>
     </p:bg>
@@ -10158,7 +13918,7 @@
         <p:spPr>
           <a:xfrm>
             <a:off x="0" y="0"/>
-            <a:ext cx="9144000" cy="863501"/>
+            <a:ext cx="9144000" cy="812602"/>
           </a:xfrm>
           <a:prstGeom prst="rect">
             <a:avLst/>
@@ -10187,8 +13947,8 @@
         </p:nvSpPr>
         <p:spPr>
           <a:xfrm>
-            <a:off x="355550" y="246013"/>
-            <a:ext cx="4285446" cy="371475"/>
+            <a:off x="457200" y="230088"/>
+            <a:ext cx="3956486" cy="352425"/>
           </a:xfrm>
           <a:prstGeom prst="rect">
             <a:avLst/>
@@ -10204,7 +13964,7 @@
               <a:buNone/>
             </a:pPr>
             <a:r>
-              <a:rPr lang="en-US" sz="2600" b="1" dirty="0">
+              <a:rPr lang="en-US" sz="2400" b="1" dirty="0">
                 <a:solidFill>
                   <a:srgbClr val="FFFFFF"/>
                 </a:solidFill>
@@ -10214,7 +13974,1803 @@
               </a:rPr>
               <a:t>Capstone Rubric Overview</a:t>
             </a:r>
-            <a:endParaRPr lang="en-US" sz="2600" dirty="0"/>
+            <a:endParaRPr lang="en-US" sz="2400" dirty="0"/>
+          </a:p>
+        </p:txBody>
+      </p:sp>
+      <p:sp>
+        <p:nvSpPr>
+          <p:cNvPr id="4" name="Text 2"/>
+          <p:cNvSpPr/>
+          <p:nvPr/>
+        </p:nvSpPr>
+        <p:spPr>
+          <a:xfrm>
+            <a:off x="457200" y="863352"/>
+            <a:ext cx="8394192" cy="238125"/>
+          </a:xfrm>
+          <a:prstGeom prst="rect">
+            <a:avLst/>
+          </a:prstGeom>
+          <a:noFill/>
+          <a:ln/>
+        </p:spPr>
+        <p:txBody>
+          <a:bodyPr wrap="square" lIns="0" tIns="0" rIns="0" bIns="0" rtlCol="0" anchor="t"/>
+          <a:lstStyle/>
+          <a:p>
+            <a:pPr algn="l" indent="0" marL="0">
+              <a:spcAft>
+                <a:spcPts val="200"/>
+              </a:spcAft>
+              <a:buNone/>
+            </a:pPr>
+            <a:r>
+              <a:rPr lang="en-US" sz="1600" dirty="0">
+                <a:solidFill>
+                  <a:srgbClr val="2C2C2C"/>
+                </a:solidFill>
+                <a:latin typeface="Arial" pitchFamily="34" charset="0"/>
+                <a:ea typeface="Arial" pitchFamily="34" charset="-122"/>
+                <a:cs typeface="Arial" pitchFamily="34" charset="-120"/>
+              </a:rPr>
+              <a:t>How your capstone will be assessed:</a:t>
+            </a:r>
+            <a:endParaRPr lang="en-US" sz="1600" dirty="0"/>
+          </a:p>
+        </p:txBody>
+      </p:sp>
+      <p:sp>
+        <p:nvSpPr>
+          <p:cNvPr id="5" name="Text 3"/>
+          <p:cNvSpPr/>
+          <p:nvPr/>
+        </p:nvSpPr>
+        <p:spPr>
+          <a:xfrm>
+            <a:off x="457200" y="1126778"/>
+            <a:ext cx="8229600" cy="253901"/>
+          </a:xfrm>
+          <a:prstGeom prst="roundRect">
+            <a:avLst>
+              <a:gd name="adj" fmla="val 20008"/>
+            </a:avLst>
+          </a:prstGeom>
+          <a:solidFill>
+            <a:srgbClr val="1E5128"/>
+          </a:solidFill>
+          <a:ln/>
+        </p:spPr>
+        <p:txBody>
+          <a:bodyPr wrap="square" rtlCol="0" anchor="ctr"/>
+          <a:lstStyle/>
+          <a:p>
+            <a:pPr indent="0" marL="0">
+              <a:buNone/>
+            </a:pPr>
+            <a:endParaRPr lang="en-US" dirty="0"/>
+          </a:p>
+        </p:txBody>
+      </p:sp>
+      <p:sp>
+        <p:nvSpPr>
+          <p:cNvPr id="6" name="Text 4"/>
+          <p:cNvSpPr/>
+          <p:nvPr/>
+        </p:nvSpPr>
+        <p:spPr>
+          <a:xfrm>
+            <a:off x="457200" y="1126778"/>
+            <a:ext cx="1347115" cy="253901"/>
+          </a:xfrm>
+          <a:prstGeom prst="rect">
+            <a:avLst/>
+          </a:prstGeom>
+          <a:noFill/>
+          <a:ln/>
+        </p:spPr>
+        <p:txBody>
+          <a:bodyPr wrap="square" lIns="88900" tIns="50800" rIns="88900" bIns="50800" rtlCol="0" anchor="t"/>
+          <a:lstStyle/>
+          <a:p>
+            <a:pPr algn="l" indent="0" marL="0">
+              <a:buNone/>
+            </a:pPr>
+            <a:r>
+              <a:rPr lang="en-US" sz="1100" b="1" dirty="0">
+                <a:solidFill>
+                  <a:srgbClr val="FFFFFF"/>
+                </a:solidFill>
+                <a:latin typeface="Arial" pitchFamily="34" charset="0"/>
+                <a:ea typeface="Arial" pitchFamily="34" charset="-122"/>
+                <a:cs typeface="Arial" pitchFamily="34" charset="-120"/>
+              </a:rPr>
+              <a:t>Criterion</a:t>
+            </a:r>
+            <a:endParaRPr lang="en-US" sz="1100" dirty="0"/>
+          </a:p>
+        </p:txBody>
+      </p:sp>
+      <p:sp>
+        <p:nvSpPr>
+          <p:cNvPr id="7" name="Text 5"/>
+          <p:cNvSpPr/>
+          <p:nvPr/>
+        </p:nvSpPr>
+        <p:spPr>
+          <a:xfrm>
+            <a:off x="1777901" y="1126778"/>
+            <a:ext cx="1761693" cy="253901"/>
+          </a:xfrm>
+          <a:prstGeom prst="rect">
+            <a:avLst/>
+          </a:prstGeom>
+          <a:noFill/>
+          <a:ln/>
+        </p:spPr>
+        <p:txBody>
+          <a:bodyPr wrap="square" lIns="88900" tIns="50800" rIns="88900" bIns="50800" rtlCol="0" anchor="t"/>
+          <a:lstStyle/>
+          <a:p>
+            <a:pPr algn="l" indent="0" marL="0">
+              <a:buNone/>
+            </a:pPr>
+            <a:r>
+              <a:rPr lang="en-US" sz="1100" b="1" dirty="0">
+                <a:solidFill>
+                  <a:srgbClr val="FFFFFF"/>
+                </a:solidFill>
+                <a:latin typeface="Arial" pitchFamily="34" charset="0"/>
+                <a:ea typeface="Arial" pitchFamily="34" charset="-122"/>
+                <a:cs typeface="Arial" pitchFamily="34" charset="-120"/>
+              </a:rPr>
+              <a:t>Excellent (4)</a:t>
+            </a:r>
+            <a:endParaRPr lang="en-US" sz="1100" dirty="0"/>
+          </a:p>
+        </p:txBody>
+      </p:sp>
+      <p:sp>
+        <p:nvSpPr>
+          <p:cNvPr id="8" name="Text 6"/>
+          <p:cNvSpPr/>
+          <p:nvPr/>
+        </p:nvSpPr>
+        <p:spPr>
+          <a:xfrm>
+            <a:off x="3505051" y="1126778"/>
+            <a:ext cx="1761845" cy="253901"/>
+          </a:xfrm>
+          <a:prstGeom prst="rect">
+            <a:avLst/>
+          </a:prstGeom>
+          <a:noFill/>
+          <a:ln/>
+        </p:spPr>
+        <p:txBody>
+          <a:bodyPr wrap="square" lIns="88900" tIns="50800" rIns="88900" bIns="50800" rtlCol="0" anchor="t"/>
+          <a:lstStyle/>
+          <a:p>
+            <a:pPr algn="l" indent="0" marL="0">
+              <a:buNone/>
+            </a:pPr>
+            <a:r>
+              <a:rPr lang="en-US" sz="1100" b="1" dirty="0">
+                <a:solidFill>
+                  <a:srgbClr val="FFFFFF"/>
+                </a:solidFill>
+                <a:latin typeface="Arial" pitchFamily="34" charset="0"/>
+                <a:ea typeface="Arial" pitchFamily="34" charset="-122"/>
+                <a:cs typeface="Arial" pitchFamily="34" charset="-120"/>
+              </a:rPr>
+              <a:t>Good (3)</a:t>
+            </a:r>
+            <a:endParaRPr lang="en-US" sz="1100" dirty="0"/>
+          </a:p>
+        </p:txBody>
+      </p:sp>
+      <p:sp>
+        <p:nvSpPr>
+          <p:cNvPr id="9" name="Text 7"/>
+          <p:cNvSpPr/>
+          <p:nvPr/>
+        </p:nvSpPr>
+        <p:spPr>
+          <a:xfrm>
+            <a:off x="5232350" y="1126778"/>
+            <a:ext cx="1761693" cy="253901"/>
+          </a:xfrm>
+          <a:prstGeom prst="rect">
+            <a:avLst/>
+          </a:prstGeom>
+          <a:noFill/>
+          <a:ln/>
+        </p:spPr>
+        <p:txBody>
+          <a:bodyPr wrap="square" lIns="88900" tIns="50800" rIns="88900" bIns="50800" rtlCol="0" anchor="t"/>
+          <a:lstStyle/>
+          <a:p>
+            <a:pPr algn="l" indent="0" marL="0">
+              <a:buNone/>
+            </a:pPr>
+            <a:r>
+              <a:rPr lang="en-US" sz="1100" b="1" dirty="0">
+                <a:solidFill>
+                  <a:srgbClr val="FFFFFF"/>
+                </a:solidFill>
+                <a:latin typeface="Arial" pitchFamily="34" charset="0"/>
+                <a:ea typeface="Arial" pitchFamily="34" charset="-122"/>
+                <a:cs typeface="Arial" pitchFamily="34" charset="-120"/>
+              </a:rPr>
+              <a:t>Developing (2)</a:t>
+            </a:r>
+            <a:endParaRPr lang="en-US" sz="1100" dirty="0"/>
+          </a:p>
+        </p:txBody>
+      </p:sp>
+      <p:sp>
+        <p:nvSpPr>
+          <p:cNvPr id="10" name="Text 8"/>
+          <p:cNvSpPr/>
+          <p:nvPr/>
+        </p:nvSpPr>
+        <p:spPr>
+          <a:xfrm>
+            <a:off x="6959501" y="1126778"/>
+            <a:ext cx="1761845" cy="253901"/>
+          </a:xfrm>
+          <a:prstGeom prst="rect">
+            <a:avLst/>
+          </a:prstGeom>
+          <a:noFill/>
+          <a:ln/>
+        </p:spPr>
+        <p:txBody>
+          <a:bodyPr wrap="square" lIns="88900" tIns="50800" rIns="88900" bIns="50800" rtlCol="0" anchor="t"/>
+          <a:lstStyle/>
+          <a:p>
+            <a:pPr algn="l" indent="0" marL="0">
+              <a:buNone/>
+            </a:pPr>
+            <a:r>
+              <a:rPr lang="en-US" sz="1100" b="1" dirty="0">
+                <a:solidFill>
+                  <a:srgbClr val="FFFFFF"/>
+                </a:solidFill>
+                <a:latin typeface="Arial" pitchFamily="34" charset="0"/>
+                <a:ea typeface="Arial" pitchFamily="34" charset="-122"/>
+                <a:cs typeface="Arial" pitchFamily="34" charset="-120"/>
+              </a:rPr>
+              <a:t>Beginning (1)</a:t>
+            </a:r>
+            <a:endParaRPr lang="en-US" sz="1100" dirty="0"/>
+          </a:p>
+        </p:txBody>
+      </p:sp>
+      <p:sp>
+        <p:nvSpPr>
+          <p:cNvPr id="11" name="Text 9"/>
+          <p:cNvSpPr/>
+          <p:nvPr/>
+        </p:nvSpPr>
+        <p:spPr>
+          <a:xfrm>
+            <a:off x="457200" y="1380679"/>
+            <a:ext cx="8229600" cy="390525"/>
+          </a:xfrm>
+          <a:prstGeom prst="rect">
+            <a:avLst/>
+          </a:prstGeom>
+          <a:solidFill>
+            <a:srgbClr val="F4F1DE"/>
+          </a:solidFill>
+          <a:ln/>
+        </p:spPr>
+        <p:txBody>
+          <a:bodyPr wrap="square" rtlCol="0" anchor="ctr"/>
+          <a:lstStyle/>
+          <a:p>
+            <a:pPr indent="0" marL="0">
+              <a:buNone/>
+            </a:pPr>
+            <a:endParaRPr lang="en-US" dirty="0"/>
+          </a:p>
+        </p:txBody>
+      </p:sp>
+      <p:sp>
+        <p:nvSpPr>
+          <p:cNvPr id="12" name="Shape 10"/>
+          <p:cNvSpPr/>
+          <p:nvPr/>
+        </p:nvSpPr>
+        <p:spPr>
+          <a:xfrm>
+            <a:off x="457200" y="1766441"/>
+            <a:ext cx="8229600" cy="0"/>
+          </a:xfrm>
+          <a:prstGeom prst="line">
+            <a:avLst/>
+          </a:prstGeom>
+          <a:noFill/>
+          <a:ln w="9525">
+            <a:solidFill>
+              <a:srgbClr val="CCCCCC"/>
+            </a:solidFill>
+            <a:prstDash val="solid"/>
+          </a:ln>
+        </p:spPr>
+      </p:sp>
+      <p:sp>
+        <p:nvSpPr>
+          <p:cNvPr id="13" name="Text 11"/>
+          <p:cNvSpPr/>
+          <p:nvPr/>
+        </p:nvSpPr>
+        <p:spPr>
+          <a:xfrm>
+            <a:off x="457200" y="1380679"/>
+            <a:ext cx="1347115" cy="381000"/>
+          </a:xfrm>
+          <a:prstGeom prst="rect">
+            <a:avLst/>
+          </a:prstGeom>
+          <a:noFill/>
+          <a:ln/>
+        </p:spPr>
+        <p:txBody>
+          <a:bodyPr wrap="square" lIns="88900" tIns="38100" rIns="88900" bIns="38100" rtlCol="0" anchor="t"/>
+          <a:lstStyle/>
+          <a:p>
+            <a:pPr algn="l" indent="0" marL="0">
+              <a:buNone/>
+            </a:pPr>
+            <a:r>
+              <a:rPr lang="en-US" sz="1100" b="1" dirty="0">
+                <a:solidFill>
+                  <a:srgbClr val="2C2C2C"/>
+                </a:solidFill>
+                <a:latin typeface="Arial" pitchFamily="34" charset="0"/>
+                <a:ea typeface="Arial" pitchFamily="34" charset="-122"/>
+                <a:cs typeface="Arial" pitchFamily="34" charset="-120"/>
+              </a:rPr>
+              <a:t>Repository Setup</a:t>
+            </a:r>
+            <a:endParaRPr lang="en-US" sz="1100" dirty="0"/>
+          </a:p>
+        </p:txBody>
+      </p:sp>
+      <p:sp>
+        <p:nvSpPr>
+          <p:cNvPr id="14" name="Text 12"/>
+          <p:cNvSpPr/>
+          <p:nvPr/>
+        </p:nvSpPr>
+        <p:spPr>
+          <a:xfrm>
+            <a:off x="1777901" y="1380679"/>
+            <a:ext cx="1761693" cy="381000"/>
+          </a:xfrm>
+          <a:prstGeom prst="rect">
+            <a:avLst/>
+          </a:prstGeom>
+          <a:noFill/>
+          <a:ln/>
+        </p:spPr>
+        <p:txBody>
+          <a:bodyPr wrap="square" lIns="88900" tIns="38100" rIns="88900" bIns="38100" rtlCol="0" anchor="t"/>
+          <a:lstStyle/>
+          <a:p>
+            <a:pPr algn="l" indent="0" marL="0">
+              <a:buNone/>
+            </a:pPr>
+            <a:r>
+              <a:rPr lang="en-US" sz="1100" dirty="0">
+                <a:solidFill>
+                  <a:srgbClr val="2C2C2C"/>
+                </a:solidFill>
+                <a:latin typeface="Arial" pitchFamily="34" charset="0"/>
+                <a:ea typeface="Arial" pitchFamily="34" charset="-122"/>
+                <a:cs typeface="Arial" pitchFamily="34" charset="-120"/>
+              </a:rPr>
+              <a:t>Name, README, clear description</a:t>
+            </a:r>
+            <a:endParaRPr lang="en-US" sz="1100" dirty="0"/>
+          </a:p>
+        </p:txBody>
+      </p:sp>
+      <p:sp>
+        <p:nvSpPr>
+          <p:cNvPr id="15" name="Text 13"/>
+          <p:cNvSpPr/>
+          <p:nvPr/>
+        </p:nvSpPr>
+        <p:spPr>
+          <a:xfrm>
+            <a:off x="3505051" y="1380679"/>
+            <a:ext cx="1761845" cy="381000"/>
+          </a:xfrm>
+          <a:prstGeom prst="rect">
+            <a:avLst/>
+          </a:prstGeom>
+          <a:noFill/>
+          <a:ln/>
+        </p:spPr>
+        <p:txBody>
+          <a:bodyPr wrap="square" lIns="88900" tIns="38100" rIns="88900" bIns="38100" rtlCol="0" anchor="t"/>
+          <a:lstStyle/>
+          <a:p>
+            <a:pPr algn="l" indent="0" marL="0">
+              <a:buNone/>
+            </a:pPr>
+            <a:r>
+              <a:rPr lang="en-US" sz="1100" dirty="0">
+                <a:solidFill>
+                  <a:srgbClr val="2C2C2C"/>
+                </a:solidFill>
+                <a:latin typeface="Arial" pitchFamily="34" charset="0"/>
+                <a:ea typeface="Arial" pitchFamily="34" charset="-122"/>
+                <a:cs typeface="Arial" pitchFamily="34" charset="-120"/>
+              </a:rPr>
+              <a:t>Name and README present</a:t>
+            </a:r>
+            <a:endParaRPr lang="en-US" sz="1100" dirty="0"/>
+          </a:p>
+        </p:txBody>
+      </p:sp>
+      <p:sp>
+        <p:nvSpPr>
+          <p:cNvPr id="16" name="Text 14"/>
+          <p:cNvSpPr/>
+          <p:nvPr/>
+        </p:nvSpPr>
+        <p:spPr>
+          <a:xfrm>
+            <a:off x="5232350" y="1380679"/>
+            <a:ext cx="1761693" cy="381000"/>
+          </a:xfrm>
+          <a:prstGeom prst="rect">
+            <a:avLst/>
+          </a:prstGeom>
+          <a:noFill/>
+          <a:ln/>
+        </p:spPr>
+        <p:txBody>
+          <a:bodyPr wrap="square" lIns="88900" tIns="38100" rIns="88900" bIns="38100" rtlCol="0" anchor="t"/>
+          <a:lstStyle/>
+          <a:p>
+            <a:pPr algn="l" indent="0" marL="0">
+              <a:buNone/>
+            </a:pPr>
+            <a:r>
+              <a:rPr lang="en-US" sz="1100" dirty="0">
+                <a:solidFill>
+                  <a:srgbClr val="2C2C2C"/>
+                </a:solidFill>
+                <a:latin typeface="Arial" pitchFamily="34" charset="0"/>
+                <a:ea typeface="Arial" pitchFamily="34" charset="-122"/>
+                <a:cs typeface="Arial" pitchFamily="34" charset="-120"/>
+              </a:rPr>
+              <a:t>Created, minimal README</a:t>
+            </a:r>
+            <a:endParaRPr lang="en-US" sz="1100" dirty="0"/>
+          </a:p>
+        </p:txBody>
+      </p:sp>
+      <p:sp>
+        <p:nvSpPr>
+          <p:cNvPr id="17" name="Text 15"/>
+          <p:cNvSpPr/>
+          <p:nvPr/>
+        </p:nvSpPr>
+        <p:spPr>
+          <a:xfrm>
+            <a:off x="6959501" y="1380679"/>
+            <a:ext cx="1761845" cy="381000"/>
+          </a:xfrm>
+          <a:prstGeom prst="rect">
+            <a:avLst/>
+          </a:prstGeom>
+          <a:noFill/>
+          <a:ln/>
+        </p:spPr>
+        <p:txBody>
+          <a:bodyPr wrap="square" lIns="88900" tIns="38100" rIns="88900" bIns="38100" rtlCol="0" anchor="t"/>
+          <a:lstStyle/>
+          <a:p>
+            <a:pPr algn="l" indent="0" marL="0">
+              <a:buNone/>
+            </a:pPr>
+            <a:r>
+              <a:rPr lang="en-US" sz="1100" dirty="0">
+                <a:solidFill>
+                  <a:srgbClr val="2C2C2C"/>
+                </a:solidFill>
+                <a:latin typeface="Arial" pitchFamily="34" charset="0"/>
+                <a:ea typeface="Arial" pitchFamily="34" charset="-122"/>
+                <a:cs typeface="Arial" pitchFamily="34" charset="-120"/>
+              </a:rPr>
+              <a:t>Repository exists</a:t>
+            </a:r>
+            <a:endParaRPr lang="en-US" sz="1100" dirty="0"/>
+          </a:p>
+        </p:txBody>
+      </p:sp>
+      <p:sp>
+        <p:nvSpPr>
+          <p:cNvPr id="18" name="Text 16"/>
+          <p:cNvSpPr/>
+          <p:nvPr/>
+        </p:nvSpPr>
+        <p:spPr>
+          <a:xfrm>
+            <a:off x="457200" y="1771204"/>
+            <a:ext cx="8229600" cy="390525"/>
+          </a:xfrm>
+          <a:prstGeom prst="rect">
+            <a:avLst/>
+          </a:prstGeom>
+          <a:solidFill>
+            <a:srgbClr val="FFFFFF"/>
+          </a:solidFill>
+          <a:ln/>
+        </p:spPr>
+        <p:txBody>
+          <a:bodyPr wrap="square" rtlCol="0" anchor="ctr"/>
+          <a:lstStyle/>
+          <a:p>
+            <a:pPr indent="0" marL="0">
+              <a:buNone/>
+            </a:pPr>
+            <a:endParaRPr lang="en-US" dirty="0"/>
+          </a:p>
+        </p:txBody>
+      </p:sp>
+      <p:sp>
+        <p:nvSpPr>
+          <p:cNvPr id="19" name="Shape 17"/>
+          <p:cNvSpPr/>
+          <p:nvPr/>
+        </p:nvSpPr>
+        <p:spPr>
+          <a:xfrm>
+            <a:off x="457200" y="2156966"/>
+            <a:ext cx="8229600" cy="0"/>
+          </a:xfrm>
+          <a:prstGeom prst="line">
+            <a:avLst/>
+          </a:prstGeom>
+          <a:noFill/>
+          <a:ln w="9525">
+            <a:solidFill>
+              <a:srgbClr val="CCCCCC"/>
+            </a:solidFill>
+            <a:prstDash val="solid"/>
+          </a:ln>
+        </p:spPr>
+      </p:sp>
+      <p:sp>
+        <p:nvSpPr>
+          <p:cNvPr id="20" name="Text 18"/>
+          <p:cNvSpPr/>
+          <p:nvPr/>
+        </p:nvSpPr>
+        <p:spPr>
+          <a:xfrm>
+            <a:off x="457200" y="1771204"/>
+            <a:ext cx="1347115" cy="381000"/>
+          </a:xfrm>
+          <a:prstGeom prst="rect">
+            <a:avLst/>
+          </a:prstGeom>
+          <a:noFill/>
+          <a:ln/>
+        </p:spPr>
+        <p:txBody>
+          <a:bodyPr wrap="square" lIns="88900" tIns="38100" rIns="88900" bIns="38100" rtlCol="0" anchor="t"/>
+          <a:lstStyle/>
+          <a:p>
+            <a:pPr algn="l" indent="0" marL="0">
+              <a:buNone/>
+            </a:pPr>
+            <a:r>
+              <a:rPr lang="en-US" sz="1100" b="1" dirty="0">
+                <a:solidFill>
+                  <a:srgbClr val="2C2C2C"/>
+                </a:solidFill>
+                <a:latin typeface="Arial" pitchFamily="34" charset="0"/>
+                <a:ea typeface="Arial" pitchFamily="34" charset="-122"/>
+                <a:cs typeface="Arial" pitchFamily="34" charset="-120"/>
+              </a:rPr>
+              <a:t>Issues (5+)</a:t>
+            </a:r>
+            <a:endParaRPr lang="en-US" sz="1100" dirty="0"/>
+          </a:p>
+        </p:txBody>
+      </p:sp>
+      <p:sp>
+        <p:nvSpPr>
+          <p:cNvPr id="21" name="Text 19"/>
+          <p:cNvSpPr/>
+          <p:nvPr/>
+        </p:nvSpPr>
+        <p:spPr>
+          <a:xfrm>
+            <a:off x="1777901" y="1771204"/>
+            <a:ext cx="1761693" cy="381000"/>
+          </a:xfrm>
+          <a:prstGeom prst="rect">
+            <a:avLst/>
+          </a:prstGeom>
+          <a:noFill/>
+          <a:ln/>
+        </p:spPr>
+        <p:txBody>
+          <a:bodyPr wrap="square" lIns="88900" tIns="38100" rIns="88900" bIns="38100" rtlCol="0" anchor="t"/>
+          <a:lstStyle/>
+          <a:p>
+            <a:pPr algn="l" indent="0" marL="0">
+              <a:buNone/>
+            </a:pPr>
+            <a:r>
+              <a:rPr lang="en-US" sz="1100" dirty="0">
+                <a:solidFill>
+                  <a:srgbClr val="2C2C2C"/>
+                </a:solidFill>
+                <a:latin typeface="Arial" pitchFamily="34" charset="0"/>
+                <a:ea typeface="Arial" pitchFamily="34" charset="-122"/>
+                <a:cs typeface="Arial" pitchFamily="34" charset="-120"/>
+              </a:rPr>
+              <a:t>Detailed, labeled, well-written</a:t>
+            </a:r>
+            <a:endParaRPr lang="en-US" sz="1100" dirty="0"/>
+          </a:p>
+        </p:txBody>
+      </p:sp>
+      <p:sp>
+        <p:nvSpPr>
+          <p:cNvPr id="22" name="Text 20"/>
+          <p:cNvSpPr/>
+          <p:nvPr/>
+        </p:nvSpPr>
+        <p:spPr>
+          <a:xfrm>
+            <a:off x="3505051" y="1771204"/>
+            <a:ext cx="1761845" cy="381000"/>
+          </a:xfrm>
+          <a:prstGeom prst="rect">
+            <a:avLst/>
+          </a:prstGeom>
+          <a:noFill/>
+          <a:ln/>
+        </p:spPr>
+        <p:txBody>
+          <a:bodyPr wrap="square" lIns="88900" tIns="38100" rIns="88900" bIns="38100" rtlCol="0" anchor="t"/>
+          <a:lstStyle/>
+          <a:p>
+            <a:pPr algn="l" indent="0" marL="0">
+              <a:buNone/>
+            </a:pPr>
+            <a:r>
+              <a:rPr lang="en-US" sz="1100" dirty="0">
+                <a:solidFill>
+                  <a:srgbClr val="2C2C2C"/>
+                </a:solidFill>
+                <a:latin typeface="Arial" pitchFamily="34" charset="0"/>
+                <a:ea typeface="Arial" pitchFamily="34" charset="-122"/>
+                <a:cs typeface="Arial" pitchFamily="34" charset="-120"/>
+              </a:rPr>
+              <a:t>Adequate detail, most labeled</a:t>
+            </a:r>
+            <a:endParaRPr lang="en-US" sz="1100" dirty="0"/>
+          </a:p>
+        </p:txBody>
+      </p:sp>
+      <p:sp>
+        <p:nvSpPr>
+          <p:cNvPr id="23" name="Text 21"/>
+          <p:cNvSpPr/>
+          <p:nvPr/>
+        </p:nvSpPr>
+        <p:spPr>
+          <a:xfrm>
+            <a:off x="5232350" y="1771204"/>
+            <a:ext cx="1761693" cy="381000"/>
+          </a:xfrm>
+          <a:prstGeom prst="rect">
+            <a:avLst/>
+          </a:prstGeom>
+          <a:noFill/>
+          <a:ln/>
+        </p:spPr>
+        <p:txBody>
+          <a:bodyPr wrap="square" lIns="88900" tIns="38100" rIns="88900" bIns="38100" rtlCol="0" anchor="t"/>
+          <a:lstStyle/>
+          <a:p>
+            <a:pPr algn="l" indent="0" marL="0">
+              <a:buNone/>
+            </a:pPr>
+            <a:r>
+              <a:rPr lang="en-US" sz="1100" dirty="0">
+                <a:solidFill>
+                  <a:srgbClr val="2C2C2C"/>
+                </a:solidFill>
+                <a:latin typeface="Arial" pitchFamily="34" charset="0"/>
+                <a:ea typeface="Arial" pitchFamily="34" charset="-122"/>
+                <a:cs typeface="Arial" pitchFamily="34" charset="-120"/>
+              </a:rPr>
+              <a:t>Some Issues, few labels</a:t>
+            </a:r>
+            <a:endParaRPr lang="en-US" sz="1100" dirty="0"/>
+          </a:p>
+        </p:txBody>
+      </p:sp>
+      <p:sp>
+        <p:nvSpPr>
+          <p:cNvPr id="24" name="Text 22"/>
+          <p:cNvSpPr/>
+          <p:nvPr/>
+        </p:nvSpPr>
+        <p:spPr>
+          <a:xfrm>
+            <a:off x="6959501" y="1771204"/>
+            <a:ext cx="1761845" cy="381000"/>
+          </a:xfrm>
+          <a:prstGeom prst="rect">
+            <a:avLst/>
+          </a:prstGeom>
+          <a:noFill/>
+          <a:ln/>
+        </p:spPr>
+        <p:txBody>
+          <a:bodyPr wrap="square" lIns="88900" tIns="38100" rIns="88900" bIns="38100" rtlCol="0" anchor="t"/>
+          <a:lstStyle/>
+          <a:p>
+            <a:pPr algn="l" indent="0" marL="0">
+              <a:buNone/>
+            </a:pPr>
+            <a:r>
+              <a:rPr lang="en-US" sz="1100" dirty="0">
+                <a:solidFill>
+                  <a:srgbClr val="2C2C2C"/>
+                </a:solidFill>
+                <a:latin typeface="Arial" pitchFamily="34" charset="0"/>
+                <a:ea typeface="Arial" pitchFamily="34" charset="-122"/>
+                <a:cs typeface="Arial" pitchFamily="34" charset="-120"/>
+              </a:rPr>
+              <a:t>Fewer than 3 Issues</a:t>
+            </a:r>
+            <a:endParaRPr lang="en-US" sz="1100" dirty="0"/>
+          </a:p>
+        </p:txBody>
+      </p:sp>
+      <p:sp>
+        <p:nvSpPr>
+          <p:cNvPr id="25" name="Text 23"/>
+          <p:cNvSpPr/>
+          <p:nvPr/>
+        </p:nvSpPr>
+        <p:spPr>
+          <a:xfrm>
+            <a:off x="457200" y="2161729"/>
+            <a:ext cx="8229600" cy="390525"/>
+          </a:xfrm>
+          <a:prstGeom prst="rect">
+            <a:avLst/>
+          </a:prstGeom>
+          <a:solidFill>
+            <a:srgbClr val="F4F1DE"/>
+          </a:solidFill>
+          <a:ln/>
+        </p:spPr>
+        <p:txBody>
+          <a:bodyPr wrap="square" rtlCol="0" anchor="ctr"/>
+          <a:lstStyle/>
+          <a:p>
+            <a:pPr indent="0" marL="0">
+              <a:buNone/>
+            </a:pPr>
+            <a:endParaRPr lang="en-US" dirty="0"/>
+          </a:p>
+        </p:txBody>
+      </p:sp>
+      <p:sp>
+        <p:nvSpPr>
+          <p:cNvPr id="26" name="Shape 24"/>
+          <p:cNvSpPr/>
+          <p:nvPr/>
+        </p:nvSpPr>
+        <p:spPr>
+          <a:xfrm>
+            <a:off x="457200" y="2547491"/>
+            <a:ext cx="8229600" cy="0"/>
+          </a:xfrm>
+          <a:prstGeom prst="line">
+            <a:avLst/>
+          </a:prstGeom>
+          <a:noFill/>
+          <a:ln w="9525">
+            <a:solidFill>
+              <a:srgbClr val="CCCCCC"/>
+            </a:solidFill>
+            <a:prstDash val="solid"/>
+          </a:ln>
+        </p:spPr>
+      </p:sp>
+      <p:sp>
+        <p:nvSpPr>
+          <p:cNvPr id="27" name="Text 25"/>
+          <p:cNvSpPr/>
+          <p:nvPr/>
+        </p:nvSpPr>
+        <p:spPr>
+          <a:xfrm>
+            <a:off x="457200" y="2161729"/>
+            <a:ext cx="1347115" cy="381000"/>
+          </a:xfrm>
+          <a:prstGeom prst="rect">
+            <a:avLst/>
+          </a:prstGeom>
+          <a:noFill/>
+          <a:ln/>
+        </p:spPr>
+        <p:txBody>
+          <a:bodyPr wrap="square" lIns="88900" tIns="38100" rIns="88900" bIns="38100" rtlCol="0" anchor="t"/>
+          <a:lstStyle/>
+          <a:p>
+            <a:pPr algn="l" indent="0" marL="0">
+              <a:buNone/>
+            </a:pPr>
+            <a:r>
+              <a:rPr lang="en-US" sz="1100" b="1" dirty="0">
+                <a:solidFill>
+                  <a:srgbClr val="2C2C2C"/>
+                </a:solidFill>
+                <a:latin typeface="Arial" pitchFamily="34" charset="0"/>
+                <a:ea typeface="Arial" pitchFamily="34" charset="-122"/>
+                <a:cs typeface="Arial" pitchFamily="34" charset="-120"/>
+              </a:rPr>
+              <a:t>Project Board</a:t>
+            </a:r>
+            <a:endParaRPr lang="en-US" sz="1100" dirty="0"/>
+          </a:p>
+        </p:txBody>
+      </p:sp>
+      <p:sp>
+        <p:nvSpPr>
+          <p:cNvPr id="28" name="Text 26"/>
+          <p:cNvSpPr/>
+          <p:nvPr/>
+        </p:nvSpPr>
+        <p:spPr>
+          <a:xfrm>
+            <a:off x="1777901" y="2161729"/>
+            <a:ext cx="1761693" cy="381000"/>
+          </a:xfrm>
+          <a:prstGeom prst="rect">
+            <a:avLst/>
+          </a:prstGeom>
+          <a:noFill/>
+          <a:ln/>
+        </p:spPr>
+        <p:txBody>
+          <a:bodyPr wrap="square" lIns="88900" tIns="38100" rIns="88900" bIns="38100" rtlCol="0" anchor="t"/>
+          <a:lstStyle/>
+          <a:p>
+            <a:pPr algn="l" indent="0" marL="0">
+              <a:buNone/>
+            </a:pPr>
+            <a:r>
+              <a:rPr lang="en-US" sz="1100" dirty="0">
+                <a:solidFill>
+                  <a:srgbClr val="2C2C2C"/>
+                </a:solidFill>
+                <a:latin typeface="Arial" pitchFamily="34" charset="0"/>
+                <a:ea typeface="Arial" pitchFamily="34" charset="-122"/>
+                <a:cs typeface="Arial" pitchFamily="34" charset="-120"/>
+              </a:rPr>
+              <a:t>Board + Timeline, custom fields, iterations</a:t>
+            </a:r>
+            <a:endParaRPr lang="en-US" sz="1100" dirty="0"/>
+          </a:p>
+        </p:txBody>
+      </p:sp>
+      <p:sp>
+        <p:nvSpPr>
+          <p:cNvPr id="29" name="Text 27"/>
+          <p:cNvSpPr/>
+          <p:nvPr/>
+        </p:nvSpPr>
+        <p:spPr>
+          <a:xfrm>
+            <a:off x="3505051" y="2161729"/>
+            <a:ext cx="1761845" cy="381000"/>
+          </a:xfrm>
+          <a:prstGeom prst="rect">
+            <a:avLst/>
+          </a:prstGeom>
+          <a:noFill/>
+          <a:ln/>
+        </p:spPr>
+        <p:txBody>
+          <a:bodyPr wrap="square" lIns="88900" tIns="38100" rIns="88900" bIns="38100" rtlCol="0" anchor="t"/>
+          <a:lstStyle/>
+          <a:p>
+            <a:pPr algn="l" indent="0" marL="0">
+              <a:buNone/>
+            </a:pPr>
+            <a:r>
+              <a:rPr lang="en-US" sz="1100" dirty="0">
+                <a:solidFill>
+                  <a:srgbClr val="2C2C2C"/>
+                </a:solidFill>
+                <a:latin typeface="Arial" pitchFamily="34" charset="0"/>
+                <a:ea typeface="Arial" pitchFamily="34" charset="-122"/>
+                <a:cs typeface="Arial" pitchFamily="34" charset="-120"/>
+              </a:rPr>
+              <a:t>Board with some custom fields</a:t>
+            </a:r>
+            <a:endParaRPr lang="en-US" sz="1100" dirty="0"/>
+          </a:p>
+        </p:txBody>
+      </p:sp>
+      <p:sp>
+        <p:nvSpPr>
+          <p:cNvPr id="30" name="Text 28"/>
+          <p:cNvSpPr/>
+          <p:nvPr/>
+        </p:nvSpPr>
+        <p:spPr>
+          <a:xfrm>
+            <a:off x="5232350" y="2161729"/>
+            <a:ext cx="1761693" cy="381000"/>
+          </a:xfrm>
+          <a:prstGeom prst="rect">
+            <a:avLst/>
+          </a:prstGeom>
+          <a:noFill/>
+          <a:ln/>
+        </p:spPr>
+        <p:txBody>
+          <a:bodyPr wrap="square" lIns="88900" tIns="38100" rIns="88900" bIns="38100" rtlCol="0" anchor="t"/>
+          <a:lstStyle/>
+          <a:p>
+            <a:pPr algn="l" indent="0" marL="0">
+              <a:buNone/>
+            </a:pPr>
+            <a:r>
+              <a:rPr lang="en-US" sz="1100" dirty="0">
+                <a:solidFill>
+                  <a:srgbClr val="2C2C2C"/>
+                </a:solidFill>
+                <a:latin typeface="Arial" pitchFamily="34" charset="0"/>
+                <a:ea typeface="Arial" pitchFamily="34" charset="-122"/>
+                <a:cs typeface="Arial" pitchFamily="34" charset="-120"/>
+              </a:rPr>
+              <a:t>Board, default settings</a:t>
+            </a:r>
+            <a:endParaRPr lang="en-US" sz="1100" dirty="0"/>
+          </a:p>
+        </p:txBody>
+      </p:sp>
+      <p:sp>
+        <p:nvSpPr>
+          <p:cNvPr id="31" name="Text 29"/>
+          <p:cNvSpPr/>
+          <p:nvPr/>
+        </p:nvSpPr>
+        <p:spPr>
+          <a:xfrm>
+            <a:off x="6959501" y="2161729"/>
+            <a:ext cx="1761845" cy="381000"/>
+          </a:xfrm>
+          <a:prstGeom prst="rect">
+            <a:avLst/>
+          </a:prstGeom>
+          <a:noFill/>
+          <a:ln/>
+        </p:spPr>
+        <p:txBody>
+          <a:bodyPr wrap="square" lIns="88900" tIns="38100" rIns="88900" bIns="38100" rtlCol="0" anchor="t"/>
+          <a:lstStyle/>
+          <a:p>
+            <a:pPr algn="l" indent="0" marL="0">
+              <a:buNone/>
+            </a:pPr>
+            <a:r>
+              <a:rPr lang="en-US" sz="1100" dirty="0">
+                <a:solidFill>
+                  <a:srgbClr val="2C2C2C"/>
+                </a:solidFill>
+                <a:latin typeface="Arial" pitchFamily="34" charset="0"/>
+                <a:ea typeface="Arial" pitchFamily="34" charset="-122"/>
+                <a:cs typeface="Arial" pitchFamily="34" charset="-120"/>
+              </a:rPr>
+              <a:t>No Project board</a:t>
+            </a:r>
+            <a:endParaRPr lang="en-US" sz="1100" dirty="0"/>
+          </a:p>
+        </p:txBody>
+      </p:sp>
+      <p:sp>
+        <p:nvSpPr>
+          <p:cNvPr id="32" name="Text 30"/>
+          <p:cNvSpPr/>
+          <p:nvPr/>
+        </p:nvSpPr>
+        <p:spPr>
+          <a:xfrm>
+            <a:off x="457200" y="2552254"/>
+            <a:ext cx="8229600" cy="390525"/>
+          </a:xfrm>
+          <a:prstGeom prst="rect">
+            <a:avLst/>
+          </a:prstGeom>
+          <a:solidFill>
+            <a:srgbClr val="FFFFFF"/>
+          </a:solidFill>
+          <a:ln/>
+        </p:spPr>
+        <p:txBody>
+          <a:bodyPr wrap="square" rtlCol="0" anchor="ctr"/>
+          <a:lstStyle/>
+          <a:p>
+            <a:pPr indent="0" marL="0">
+              <a:buNone/>
+            </a:pPr>
+            <a:endParaRPr lang="en-US" dirty="0"/>
+          </a:p>
+        </p:txBody>
+      </p:sp>
+      <p:sp>
+        <p:nvSpPr>
+          <p:cNvPr id="33" name="Shape 31"/>
+          <p:cNvSpPr/>
+          <p:nvPr/>
+        </p:nvSpPr>
+        <p:spPr>
+          <a:xfrm>
+            <a:off x="457200" y="2938016"/>
+            <a:ext cx="8229600" cy="0"/>
+          </a:xfrm>
+          <a:prstGeom prst="line">
+            <a:avLst/>
+          </a:prstGeom>
+          <a:noFill/>
+          <a:ln w="9525">
+            <a:solidFill>
+              <a:srgbClr val="CCCCCC"/>
+            </a:solidFill>
+            <a:prstDash val="solid"/>
+          </a:ln>
+        </p:spPr>
+      </p:sp>
+      <p:sp>
+        <p:nvSpPr>
+          <p:cNvPr id="34" name="Text 32"/>
+          <p:cNvSpPr/>
+          <p:nvPr/>
+        </p:nvSpPr>
+        <p:spPr>
+          <a:xfrm>
+            <a:off x="457200" y="2552254"/>
+            <a:ext cx="1347115" cy="381000"/>
+          </a:xfrm>
+          <a:prstGeom prst="rect">
+            <a:avLst/>
+          </a:prstGeom>
+          <a:noFill/>
+          <a:ln/>
+        </p:spPr>
+        <p:txBody>
+          <a:bodyPr wrap="square" lIns="88900" tIns="38100" rIns="88900" bIns="38100" rtlCol="0" anchor="t"/>
+          <a:lstStyle/>
+          <a:p>
+            <a:pPr algn="l" indent="0" marL="0">
+              <a:buNone/>
+            </a:pPr>
+            <a:r>
+              <a:rPr lang="en-US" sz="1100" b="1" dirty="0">
+                <a:solidFill>
+                  <a:srgbClr val="2C2C2C"/>
+                </a:solidFill>
+                <a:latin typeface="Arial" pitchFamily="34" charset="0"/>
+                <a:ea typeface="Arial" pitchFamily="34" charset="-122"/>
+                <a:cs typeface="Arial" pitchFamily="34" charset="-120"/>
+              </a:rPr>
+              <a:t>Templates</a:t>
+            </a:r>
+            <a:endParaRPr lang="en-US" sz="1100" dirty="0"/>
+          </a:p>
+        </p:txBody>
+      </p:sp>
+      <p:sp>
+        <p:nvSpPr>
+          <p:cNvPr id="35" name="Text 33"/>
+          <p:cNvSpPr/>
+          <p:nvPr/>
+        </p:nvSpPr>
+        <p:spPr>
+          <a:xfrm>
+            <a:off x="1777901" y="2552254"/>
+            <a:ext cx="1761693" cy="381000"/>
+          </a:xfrm>
+          <a:prstGeom prst="rect">
+            <a:avLst/>
+          </a:prstGeom>
+          <a:noFill/>
+          <a:ln/>
+        </p:spPr>
+        <p:txBody>
+          <a:bodyPr wrap="square" lIns="88900" tIns="38100" rIns="88900" bIns="38100" rtlCol="0" anchor="t"/>
+          <a:lstStyle/>
+          <a:p>
+            <a:pPr algn="l" indent="0" marL="0">
+              <a:buNone/>
+            </a:pPr>
+            <a:r>
+              <a:rPr lang="en-US" sz="1100" dirty="0">
+                <a:solidFill>
+                  <a:srgbClr val="2C2C2C"/>
+                </a:solidFill>
+                <a:latin typeface="Arial" pitchFamily="34" charset="0"/>
+                <a:ea typeface="Arial" pitchFamily="34" charset="-122"/>
+                <a:cs typeface="Arial" pitchFamily="34" charset="-120"/>
+              </a:rPr>
+              <a:t>Works, matches farm needs</a:t>
+            </a:r>
+            <a:endParaRPr lang="en-US" sz="1100" dirty="0"/>
+          </a:p>
+        </p:txBody>
+      </p:sp>
+      <p:sp>
+        <p:nvSpPr>
+          <p:cNvPr id="36" name="Text 34"/>
+          <p:cNvSpPr/>
+          <p:nvPr/>
+        </p:nvSpPr>
+        <p:spPr>
+          <a:xfrm>
+            <a:off x="3505051" y="2552254"/>
+            <a:ext cx="1761845" cy="381000"/>
+          </a:xfrm>
+          <a:prstGeom prst="rect">
+            <a:avLst/>
+          </a:prstGeom>
+          <a:noFill/>
+          <a:ln/>
+        </p:spPr>
+        <p:txBody>
+          <a:bodyPr wrap="square" lIns="88900" tIns="38100" rIns="88900" bIns="38100" rtlCol="0" anchor="t"/>
+          <a:lstStyle/>
+          <a:p>
+            <a:pPr algn="l" indent="0" marL="0">
+              <a:buNone/>
+            </a:pPr>
+            <a:r>
+              <a:rPr lang="en-US" sz="1100" dirty="0">
+                <a:solidFill>
+                  <a:srgbClr val="2C2C2C"/>
+                </a:solidFill>
+                <a:latin typeface="Arial" pitchFamily="34" charset="0"/>
+                <a:ea typeface="Arial" pitchFamily="34" charset="-122"/>
+                <a:cs typeface="Arial" pitchFamily="34" charset="-120"/>
+              </a:rPr>
+              <a:t>Created with most fields</a:t>
+            </a:r>
+            <a:endParaRPr lang="en-US" sz="1100" dirty="0"/>
+          </a:p>
+        </p:txBody>
+      </p:sp>
+      <p:sp>
+        <p:nvSpPr>
+          <p:cNvPr id="37" name="Text 35"/>
+          <p:cNvSpPr/>
+          <p:nvPr/>
+        </p:nvSpPr>
+        <p:spPr>
+          <a:xfrm>
+            <a:off x="5232350" y="2552254"/>
+            <a:ext cx="1761693" cy="381000"/>
+          </a:xfrm>
+          <a:prstGeom prst="rect">
+            <a:avLst/>
+          </a:prstGeom>
+          <a:noFill/>
+          <a:ln/>
+        </p:spPr>
+        <p:txBody>
+          <a:bodyPr wrap="square" lIns="88900" tIns="38100" rIns="88900" bIns="38100" rtlCol="0" anchor="t"/>
+          <a:lstStyle/>
+          <a:p>
+            <a:pPr algn="l" indent="0" marL="0">
+              <a:buNone/>
+            </a:pPr>
+            <a:r>
+              <a:rPr lang="en-US" sz="1100" dirty="0">
+                <a:solidFill>
+                  <a:srgbClr val="2C2C2C"/>
+                </a:solidFill>
+                <a:latin typeface="Arial" pitchFamily="34" charset="0"/>
+                <a:ea typeface="Arial" pitchFamily="34" charset="-122"/>
+                <a:cs typeface="Arial" pitchFamily="34" charset="-120"/>
+              </a:rPr>
+              <a:t>Basic template exists</a:t>
+            </a:r>
+            <a:endParaRPr lang="en-US" sz="1100" dirty="0"/>
+          </a:p>
+        </p:txBody>
+      </p:sp>
+      <p:sp>
+        <p:nvSpPr>
+          <p:cNvPr id="38" name="Text 36"/>
+          <p:cNvSpPr/>
+          <p:nvPr/>
+        </p:nvSpPr>
+        <p:spPr>
+          <a:xfrm>
+            <a:off x="6959501" y="2552254"/>
+            <a:ext cx="1761845" cy="381000"/>
+          </a:xfrm>
+          <a:prstGeom prst="rect">
+            <a:avLst/>
+          </a:prstGeom>
+          <a:noFill/>
+          <a:ln/>
+        </p:spPr>
+        <p:txBody>
+          <a:bodyPr wrap="square" lIns="88900" tIns="38100" rIns="88900" bIns="38100" rtlCol="0" anchor="t"/>
+          <a:lstStyle/>
+          <a:p>
+            <a:pPr algn="l" indent="0" marL="0">
+              <a:buNone/>
+            </a:pPr>
+            <a:r>
+              <a:rPr lang="en-US" sz="1100" dirty="0">
+                <a:solidFill>
+                  <a:srgbClr val="2C2C2C"/>
+                </a:solidFill>
+                <a:latin typeface="Arial" pitchFamily="34" charset="0"/>
+                <a:ea typeface="Arial" pitchFamily="34" charset="-122"/>
+                <a:cs typeface="Arial" pitchFamily="34" charset="-120"/>
+              </a:rPr>
+              <a:t>No template</a:t>
+            </a:r>
+            <a:endParaRPr lang="en-US" sz="1100" dirty="0"/>
+          </a:p>
+        </p:txBody>
+      </p:sp>
+      <p:sp>
+        <p:nvSpPr>
+          <p:cNvPr id="39" name="Text 37"/>
+          <p:cNvSpPr/>
+          <p:nvPr/>
+        </p:nvSpPr>
+        <p:spPr>
+          <a:xfrm>
+            <a:off x="457200" y="2942779"/>
+            <a:ext cx="8229600" cy="390525"/>
+          </a:xfrm>
+          <a:prstGeom prst="rect">
+            <a:avLst/>
+          </a:prstGeom>
+          <a:solidFill>
+            <a:srgbClr val="F4F1DE"/>
+          </a:solidFill>
+          <a:ln/>
+        </p:spPr>
+        <p:txBody>
+          <a:bodyPr wrap="square" rtlCol="0" anchor="ctr"/>
+          <a:lstStyle/>
+          <a:p>
+            <a:pPr indent="0" marL="0">
+              <a:buNone/>
+            </a:pPr>
+            <a:endParaRPr lang="en-US" dirty="0"/>
+          </a:p>
+        </p:txBody>
+      </p:sp>
+      <p:sp>
+        <p:nvSpPr>
+          <p:cNvPr id="40" name="Shape 38"/>
+          <p:cNvSpPr/>
+          <p:nvPr/>
+        </p:nvSpPr>
+        <p:spPr>
+          <a:xfrm>
+            <a:off x="457200" y="3328541"/>
+            <a:ext cx="8229600" cy="0"/>
+          </a:xfrm>
+          <a:prstGeom prst="line">
+            <a:avLst/>
+          </a:prstGeom>
+          <a:noFill/>
+          <a:ln w="9525">
+            <a:solidFill>
+              <a:srgbClr val="CCCCCC"/>
+            </a:solidFill>
+            <a:prstDash val="solid"/>
+          </a:ln>
+        </p:spPr>
+      </p:sp>
+      <p:sp>
+        <p:nvSpPr>
+          <p:cNvPr id="41" name="Text 39"/>
+          <p:cNvSpPr/>
+          <p:nvPr/>
+        </p:nvSpPr>
+        <p:spPr>
+          <a:xfrm>
+            <a:off x="457200" y="2942779"/>
+            <a:ext cx="1347115" cy="381000"/>
+          </a:xfrm>
+          <a:prstGeom prst="rect">
+            <a:avLst/>
+          </a:prstGeom>
+          <a:noFill/>
+          <a:ln/>
+        </p:spPr>
+        <p:txBody>
+          <a:bodyPr wrap="square" lIns="88900" tIns="38100" rIns="88900" bIns="38100" rtlCol="0" anchor="t"/>
+          <a:lstStyle/>
+          <a:p>
+            <a:pPr algn="l" indent="0" marL="0">
+              <a:buNone/>
+            </a:pPr>
+            <a:r>
+              <a:rPr lang="en-US" sz="1100" b="1" dirty="0">
+                <a:solidFill>
+                  <a:srgbClr val="2C2C2C"/>
+                </a:solidFill>
+                <a:latin typeface="Arial" pitchFamily="34" charset="0"/>
+                <a:ea typeface="Arial" pitchFamily="34" charset="-122"/>
+                <a:cs typeface="Arial" pitchFamily="34" charset="-120"/>
+              </a:rPr>
+              <a:t>Copilot Use</a:t>
+            </a:r>
+            <a:endParaRPr lang="en-US" sz="1100" dirty="0"/>
+          </a:p>
+        </p:txBody>
+      </p:sp>
+      <p:sp>
+        <p:nvSpPr>
+          <p:cNvPr id="42" name="Text 40"/>
+          <p:cNvSpPr/>
+          <p:nvPr/>
+        </p:nvSpPr>
+        <p:spPr>
+          <a:xfrm>
+            <a:off x="1777901" y="2942779"/>
+            <a:ext cx="1761693" cy="381000"/>
+          </a:xfrm>
+          <a:prstGeom prst="rect">
+            <a:avLst/>
+          </a:prstGeom>
+          <a:noFill/>
+          <a:ln/>
+        </p:spPr>
+        <p:txBody>
+          <a:bodyPr wrap="square" lIns="88900" tIns="38100" rIns="88900" bIns="38100" rtlCol="0" anchor="t"/>
+          <a:lstStyle/>
+          <a:p>
+            <a:pPr algn="l" indent="0" marL="0">
+              <a:buNone/>
+            </a:pPr>
+            <a:r>
+              <a:rPr lang="en-US" sz="1100" dirty="0">
+                <a:solidFill>
+                  <a:srgbClr val="2C2C2C"/>
+                </a:solidFill>
+                <a:latin typeface="Arial" pitchFamily="34" charset="0"/>
+                <a:ea typeface="Arial" pitchFamily="34" charset="-122"/>
+                <a:cs typeface="Arial" pitchFamily="34" charset="-120"/>
+              </a:rPr>
+              <a:t>Drafted, evaluated, edited</a:t>
+            </a:r>
+            <a:endParaRPr lang="en-US" sz="1100" dirty="0"/>
+          </a:p>
+        </p:txBody>
+      </p:sp>
+      <p:sp>
+        <p:nvSpPr>
+          <p:cNvPr id="43" name="Text 41"/>
+          <p:cNvSpPr/>
+          <p:nvPr/>
+        </p:nvSpPr>
+        <p:spPr>
+          <a:xfrm>
+            <a:off x="3505051" y="2942779"/>
+            <a:ext cx="1761845" cy="381000"/>
+          </a:xfrm>
+          <a:prstGeom prst="rect">
+            <a:avLst/>
+          </a:prstGeom>
+          <a:noFill/>
+          <a:ln/>
+        </p:spPr>
+        <p:txBody>
+          <a:bodyPr wrap="square" lIns="88900" tIns="38100" rIns="88900" bIns="38100" rtlCol="0" anchor="t"/>
+          <a:lstStyle/>
+          <a:p>
+            <a:pPr algn="l" indent="0" marL="0">
+              <a:buNone/>
+            </a:pPr>
+            <a:r>
+              <a:rPr lang="en-US" sz="1100" dirty="0">
+                <a:solidFill>
+                  <a:srgbClr val="2C2C2C"/>
+                </a:solidFill>
+                <a:latin typeface="Arial" pitchFamily="34" charset="0"/>
+                <a:ea typeface="Arial" pitchFamily="34" charset="-122"/>
+                <a:cs typeface="Arial" pitchFamily="34" charset="-120"/>
+              </a:rPr>
+              <a:t>Drafted and edited</a:t>
+            </a:r>
+            <a:endParaRPr lang="en-US" sz="1100" dirty="0"/>
+          </a:p>
+        </p:txBody>
+      </p:sp>
+      <p:sp>
+        <p:nvSpPr>
+          <p:cNvPr id="44" name="Text 42"/>
+          <p:cNvSpPr/>
+          <p:nvPr/>
+        </p:nvSpPr>
+        <p:spPr>
+          <a:xfrm>
+            <a:off x="5232350" y="2942779"/>
+            <a:ext cx="1761693" cy="381000"/>
+          </a:xfrm>
+          <a:prstGeom prst="rect">
+            <a:avLst/>
+          </a:prstGeom>
+          <a:noFill/>
+          <a:ln/>
+        </p:spPr>
+        <p:txBody>
+          <a:bodyPr wrap="square" lIns="88900" tIns="38100" rIns="88900" bIns="38100" rtlCol="0" anchor="t"/>
+          <a:lstStyle/>
+          <a:p>
+            <a:pPr algn="l" indent="0" marL="0">
+              <a:buNone/>
+            </a:pPr>
+            <a:r>
+              <a:rPr lang="en-US" sz="1100" dirty="0">
+                <a:solidFill>
+                  <a:srgbClr val="2C2C2C"/>
+                </a:solidFill>
+                <a:latin typeface="Arial" pitchFamily="34" charset="0"/>
+                <a:ea typeface="Arial" pitchFamily="34" charset="-122"/>
+                <a:cs typeface="Arial" pitchFamily="34" charset="-120"/>
+              </a:rPr>
+              <a:t>Drafted only, no edits</a:t>
+            </a:r>
+            <a:endParaRPr lang="en-US" sz="1100" dirty="0"/>
+          </a:p>
+        </p:txBody>
+      </p:sp>
+      <p:sp>
+        <p:nvSpPr>
+          <p:cNvPr id="45" name="Text 43"/>
+          <p:cNvSpPr/>
+          <p:nvPr/>
+        </p:nvSpPr>
+        <p:spPr>
+          <a:xfrm>
+            <a:off x="6959501" y="2942779"/>
+            <a:ext cx="1761845" cy="381000"/>
+          </a:xfrm>
+          <a:prstGeom prst="rect">
+            <a:avLst/>
+          </a:prstGeom>
+          <a:noFill/>
+          <a:ln/>
+        </p:spPr>
+        <p:txBody>
+          <a:bodyPr wrap="square" lIns="88900" tIns="38100" rIns="88900" bIns="38100" rtlCol="0" anchor="t"/>
+          <a:lstStyle/>
+          <a:p>
+            <a:pPr algn="l" indent="0" marL="0">
+              <a:buNone/>
+            </a:pPr>
+            <a:r>
+              <a:rPr lang="en-US" sz="1100" dirty="0">
+                <a:solidFill>
+                  <a:srgbClr val="2C2C2C"/>
+                </a:solidFill>
+                <a:latin typeface="Arial" pitchFamily="34" charset="0"/>
+                <a:ea typeface="Arial" pitchFamily="34" charset="-122"/>
+                <a:cs typeface="Arial" pitchFamily="34" charset="-120"/>
+              </a:rPr>
+              <a:t>No Copilot use</a:t>
+            </a:r>
+            <a:endParaRPr lang="en-US" sz="1100" dirty="0"/>
+          </a:p>
+        </p:txBody>
+      </p:sp>
+      <p:sp>
+        <p:nvSpPr>
+          <p:cNvPr id="46" name="Text 44"/>
+          <p:cNvSpPr/>
+          <p:nvPr/>
+        </p:nvSpPr>
+        <p:spPr>
+          <a:xfrm>
+            <a:off x="457200" y="3333304"/>
+            <a:ext cx="8229600" cy="390525"/>
+          </a:xfrm>
+          <a:prstGeom prst="rect">
+            <a:avLst/>
+          </a:prstGeom>
+          <a:solidFill>
+            <a:srgbClr val="FFFFFF"/>
+          </a:solidFill>
+          <a:ln/>
+        </p:spPr>
+        <p:txBody>
+          <a:bodyPr wrap="square" rtlCol="0" anchor="ctr"/>
+          <a:lstStyle/>
+          <a:p>
+            <a:pPr indent="0" marL="0">
+              <a:buNone/>
+            </a:pPr>
+            <a:endParaRPr lang="en-US" dirty="0"/>
+          </a:p>
+        </p:txBody>
+      </p:sp>
+      <p:sp>
+        <p:nvSpPr>
+          <p:cNvPr id="47" name="Shape 45"/>
+          <p:cNvSpPr/>
+          <p:nvPr/>
+        </p:nvSpPr>
+        <p:spPr>
+          <a:xfrm>
+            <a:off x="457200" y="3719066"/>
+            <a:ext cx="8229600" cy="0"/>
+          </a:xfrm>
+          <a:prstGeom prst="line">
+            <a:avLst/>
+          </a:prstGeom>
+          <a:noFill/>
+          <a:ln w="9525">
+            <a:solidFill>
+              <a:srgbClr val="CCCCCC"/>
+            </a:solidFill>
+            <a:prstDash val="solid"/>
+          </a:ln>
+        </p:spPr>
+      </p:sp>
+      <p:sp>
+        <p:nvSpPr>
+          <p:cNvPr id="48" name="Text 46"/>
+          <p:cNvSpPr/>
+          <p:nvPr/>
+        </p:nvSpPr>
+        <p:spPr>
+          <a:xfrm>
+            <a:off x="457200" y="3333304"/>
+            <a:ext cx="1347115" cy="381000"/>
+          </a:xfrm>
+          <a:prstGeom prst="rect">
+            <a:avLst/>
+          </a:prstGeom>
+          <a:noFill/>
+          <a:ln/>
+        </p:spPr>
+        <p:txBody>
+          <a:bodyPr wrap="square" lIns="88900" tIns="38100" rIns="88900" bIns="38100" rtlCol="0" anchor="t"/>
+          <a:lstStyle/>
+          <a:p>
+            <a:pPr algn="l" indent="0" marL="0">
+              <a:buNone/>
+            </a:pPr>
+            <a:r>
+              <a:rPr lang="en-US" sz="1100" b="1" dirty="0">
+                <a:solidFill>
+                  <a:srgbClr val="2C2C2C"/>
+                </a:solidFill>
+                <a:latin typeface="Arial" pitchFamily="34" charset="0"/>
+                <a:ea typeface="Arial" pitchFamily="34" charset="-122"/>
+                <a:cs typeface="Arial" pitchFamily="34" charset="-120"/>
+              </a:rPr>
+              <a:t>Overall Coherence</a:t>
+            </a:r>
+            <a:endParaRPr lang="en-US" sz="1100" dirty="0"/>
+          </a:p>
+        </p:txBody>
+      </p:sp>
+      <p:sp>
+        <p:nvSpPr>
+          <p:cNvPr id="49" name="Text 47"/>
+          <p:cNvSpPr/>
+          <p:nvPr/>
+        </p:nvSpPr>
+        <p:spPr>
+          <a:xfrm>
+            <a:off x="1777901" y="3333304"/>
+            <a:ext cx="1761693" cy="381000"/>
+          </a:xfrm>
+          <a:prstGeom prst="rect">
+            <a:avLst/>
+          </a:prstGeom>
+          <a:noFill/>
+          <a:ln/>
+        </p:spPr>
+        <p:txBody>
+          <a:bodyPr wrap="square" lIns="88900" tIns="38100" rIns="88900" bIns="38100" rtlCol="0" anchor="t"/>
+          <a:lstStyle/>
+          <a:p>
+            <a:pPr algn="l" indent="0" marL="0">
+              <a:buNone/>
+            </a:pPr>
+            <a:r>
+              <a:rPr lang="en-US" sz="1100" dirty="0">
+                <a:solidFill>
+                  <a:srgbClr val="2C2C2C"/>
+                </a:solidFill>
+                <a:latin typeface="Arial" pitchFamily="34" charset="0"/>
+                <a:ea typeface="Arial" pitchFamily="34" charset="-122"/>
+                <a:cs typeface="Arial" pitchFamily="34" charset="-120"/>
+              </a:rPr>
+              <a:t>All pieces work as real system</a:t>
+            </a:r>
+            <a:endParaRPr lang="en-US" sz="1100" dirty="0"/>
+          </a:p>
+        </p:txBody>
+      </p:sp>
+      <p:sp>
+        <p:nvSpPr>
+          <p:cNvPr id="50" name="Text 48"/>
+          <p:cNvSpPr/>
+          <p:nvPr/>
+        </p:nvSpPr>
+        <p:spPr>
+          <a:xfrm>
+            <a:off x="3505051" y="3333304"/>
+            <a:ext cx="1761845" cy="381000"/>
+          </a:xfrm>
+          <a:prstGeom prst="rect">
+            <a:avLst/>
+          </a:prstGeom>
+          <a:noFill/>
+          <a:ln/>
+        </p:spPr>
+        <p:txBody>
+          <a:bodyPr wrap="square" lIns="88900" tIns="38100" rIns="88900" bIns="38100" rtlCol="0" anchor="t"/>
+          <a:lstStyle/>
+          <a:p>
+            <a:pPr algn="l" indent="0" marL="0">
+              <a:buNone/>
+            </a:pPr>
+            <a:r>
+              <a:rPr lang="en-US" sz="1100" dirty="0">
+                <a:solidFill>
+                  <a:srgbClr val="2C2C2C"/>
+                </a:solidFill>
+                <a:latin typeface="Arial" pitchFamily="34" charset="0"/>
+                <a:ea typeface="Arial" pitchFamily="34" charset="-122"/>
+                <a:cs typeface="Arial" pitchFamily="34" charset="-120"/>
+              </a:rPr>
+              <a:t>Most pieces connected</a:t>
+            </a:r>
+            <a:endParaRPr lang="en-US" sz="1100" dirty="0"/>
+          </a:p>
+        </p:txBody>
+      </p:sp>
+      <p:sp>
+        <p:nvSpPr>
+          <p:cNvPr id="51" name="Text 49"/>
+          <p:cNvSpPr/>
+          <p:nvPr/>
+        </p:nvSpPr>
+        <p:spPr>
+          <a:xfrm>
+            <a:off x="5232350" y="3333304"/>
+            <a:ext cx="1761693" cy="381000"/>
+          </a:xfrm>
+          <a:prstGeom prst="rect">
+            <a:avLst/>
+          </a:prstGeom>
+          <a:noFill/>
+          <a:ln/>
+        </p:spPr>
+        <p:txBody>
+          <a:bodyPr wrap="square" lIns="88900" tIns="38100" rIns="88900" bIns="38100" rtlCol="0" anchor="t"/>
+          <a:lstStyle/>
+          <a:p>
+            <a:pPr algn="l" indent="0" marL="0">
+              <a:buNone/>
+            </a:pPr>
+            <a:r>
+              <a:rPr lang="en-US" sz="1100" dirty="0">
+                <a:solidFill>
+                  <a:srgbClr val="2C2C2C"/>
+                </a:solidFill>
+                <a:latin typeface="Arial" pitchFamily="34" charset="0"/>
+                <a:ea typeface="Arial" pitchFamily="34" charset="-122"/>
+                <a:cs typeface="Arial" pitchFamily="34" charset="-120"/>
+              </a:rPr>
+              <a:t>Created but not integrated</a:t>
+            </a:r>
+            <a:endParaRPr lang="en-US" sz="1100" dirty="0"/>
+          </a:p>
+        </p:txBody>
+      </p:sp>
+      <p:sp>
+        <p:nvSpPr>
+          <p:cNvPr id="52" name="Text 50"/>
+          <p:cNvSpPr/>
+          <p:nvPr/>
+        </p:nvSpPr>
+        <p:spPr>
+          <a:xfrm>
+            <a:off x="6959501" y="3333304"/>
+            <a:ext cx="1761845" cy="381000"/>
+          </a:xfrm>
+          <a:prstGeom prst="rect">
+            <a:avLst/>
+          </a:prstGeom>
+          <a:noFill/>
+          <a:ln/>
+        </p:spPr>
+        <p:txBody>
+          <a:bodyPr wrap="square" lIns="88900" tIns="38100" rIns="88900" bIns="38100" rtlCol="0" anchor="t"/>
+          <a:lstStyle/>
+          <a:p>
+            <a:pPr algn="l" indent="0" marL="0">
+              <a:buNone/>
+            </a:pPr>
+            <a:r>
+              <a:rPr lang="en-US" sz="1100" dirty="0">
+                <a:solidFill>
+                  <a:srgbClr val="2C2C2C"/>
+                </a:solidFill>
+                <a:latin typeface="Arial" pitchFamily="34" charset="0"/>
+                <a:ea typeface="Arial" pitchFamily="34" charset="-122"/>
+                <a:cs typeface="Arial" pitchFamily="34" charset="-120"/>
+              </a:rPr>
+              <a:t>Disconnected elements</a:t>
+            </a:r>
+            <a:endParaRPr lang="en-US" sz="1100" dirty="0"/>
+          </a:p>
+        </p:txBody>
+      </p:sp>
+      <p:sp>
+        <p:nvSpPr>
+          <p:cNvPr id="53" name="Text 51"/>
+          <p:cNvSpPr/>
+          <p:nvPr/>
+        </p:nvSpPr>
+        <p:spPr>
+          <a:xfrm>
+            <a:off x="457200" y="3749129"/>
+            <a:ext cx="8394192" cy="219075"/>
+          </a:xfrm>
+          <a:prstGeom prst="rect">
+            <a:avLst/>
+          </a:prstGeom>
+          <a:noFill/>
+          <a:ln/>
+        </p:spPr>
+        <p:txBody>
+          <a:bodyPr wrap="square" lIns="0" tIns="0" rIns="0" bIns="0" rtlCol="0" anchor="t"/>
+          <a:lstStyle/>
+          <a:p>
+            <a:pPr algn="l" indent="0" marL="0">
+              <a:buNone/>
+            </a:pPr>
+            <a:r>
+              <a:rPr lang="en-US" sz="1500" b="1" dirty="0">
+                <a:solidFill>
+                  <a:srgbClr val="2C2C2C"/>
+                </a:solidFill>
+                <a:latin typeface="Arial" pitchFamily="34" charset="0"/>
+                <a:ea typeface="Arial" pitchFamily="34" charset="-122"/>
+                <a:cs typeface="Arial" pitchFamily="34" charset="-120"/>
+              </a:rPr>
+              <a:t>Target score: 18+ out of 24</a:t>
+            </a:r>
+            <a:endParaRPr lang="en-US" sz="1500" dirty="0"/>
           </a:p>
         </p:txBody>
       </p:sp>
